--- a/semaine7/CO12AL-W7-VIDEO02-SLIDE01.pptx
+++ b/semaine7/CO12AL-W7-VIDEO02-SLIDE01.pptx
@@ -1233,11 +1233,7 @@
             </a:pPr>
             <a:r>
               <a:rPr lang="fr-FR" dirty="0" smtClean="0"/>
-              <a:t>Il </a:t>
-            </a:r>
-            <a:r>
-              <a:rPr lang="fr-FR" dirty="0" smtClean="0"/>
-              <a:t>faut faire la distinction entre la syntaxe</a:t>
+              <a:t>Il faut faire la distinction entre la syntaxe</a:t>
             </a:r>
             <a:r>
               <a:rPr lang="fr-FR" baseline="0" dirty="0" smtClean="0"/>
@@ -1288,19 +1284,7 @@
             </a:pPr>
             <a:r>
               <a:rPr lang="fr-FR" baseline="0" dirty="0" smtClean="0"/>
-              <a:t>La concept de décorateur est </a:t>
-            </a:r>
-            <a:r>
-              <a:rPr lang="fr-FR" baseline="0" dirty="0" smtClean="0"/>
-              <a:t>complexe </a:t>
-            </a:r>
-            <a:r>
-              <a:rPr lang="fr-FR" baseline="0" dirty="0" smtClean="0"/>
-              <a:t>et très </a:t>
-            </a:r>
-            <a:r>
-              <a:rPr lang="fr-FR" baseline="0" dirty="0" smtClean="0"/>
-              <a:t>puissant puisque l’on peut implémenter ses propres décorateurs. </a:t>
+              <a:t>La concept de décorateur est complexe et très puissant puisque l’on peut implémenter ses propres décorateurs. </a:t>
             </a:r>
           </a:p>
         </p:txBody>
@@ -1658,11 +1642,7 @@
             </a:pPr>
             <a:r>
               <a:rPr lang="fr-FR" dirty="0" smtClean="0"/>
-              <a:t>Si </a:t>
-            </a:r>
-            <a:r>
-              <a:rPr lang="fr-FR" dirty="0" smtClean="0"/>
-              <a:t>le décorateur est une fonction,</a:t>
+              <a:t>Si le décorateur est une fonction,</a:t>
             </a:r>
             <a:r>
               <a:rPr lang="fr-FR" baseline="0" dirty="0" smtClean="0"/>
@@ -7534,46 +7514,31 @@
               <a:buNone/>
             </a:pPr>
             <a:r>
-              <a:rPr lang="fr-FR" sz="4000" dirty="0">
-                <a:solidFill>
-                  <a:srgbClr val="3333CC"/>
-                </a:solidFill>
+              <a:rPr lang="fr-FR" sz="4400" dirty="0">
                 <a:cs typeface="Courier New" panose="02070309020205020404" pitchFamily="49" charset="0"/>
               </a:rPr>
               <a:t>C</a:t>
             </a:r>
             <a:r>
-              <a:rPr lang="fr-FR" sz="4000" dirty="0" smtClean="0">
-                <a:solidFill>
-                  <a:srgbClr val="3333CC"/>
-                </a:solidFill>
+              <a:rPr lang="fr-FR" sz="4400" dirty="0" smtClean="0">
                 <a:cs typeface="Courier New" panose="02070309020205020404" pitchFamily="49" charset="0"/>
               </a:rPr>
               <a:t>’est </a:t>
             </a:r>
             <a:r>
-              <a:rPr lang="fr-FR" sz="4000" dirty="0">
-                <a:solidFill>
-                  <a:srgbClr val="3333CC"/>
-                </a:solidFill>
+              <a:rPr lang="fr-FR" sz="4400" dirty="0">
                 <a:cs typeface="Courier New" panose="02070309020205020404" pitchFamily="49" charset="0"/>
               </a:rPr>
               <a:t>quoi un </a:t>
             </a:r>
             <a:r>
-              <a:rPr lang="fr-FR" sz="4000" i="1" dirty="0" err="1">
-                <a:solidFill>
-                  <a:srgbClr val="3333CC"/>
-                </a:solidFill>
+              <a:rPr lang="fr-FR" sz="4400" i="1" dirty="0" err="1">
                 <a:cs typeface="Courier New" panose="02070309020205020404" pitchFamily="49" charset="0"/>
               </a:rPr>
               <a:t>callable</a:t>
             </a:r>
             <a:r>
-              <a:rPr lang="fr-FR" sz="4000" dirty="0">
-                <a:solidFill>
-                  <a:srgbClr val="3333CC"/>
-                </a:solidFill>
+              <a:rPr lang="fr-FR" sz="4400" dirty="0">
                 <a:cs typeface="Courier New" panose="02070309020205020404" pitchFamily="49" charset="0"/>
               </a:rPr>
               <a:t> ?</a:t>
@@ -7656,10 +7621,7 @@
               <a:buNone/>
             </a:pPr>
             <a:r>
-              <a:rPr lang="fr-FR" sz="4000" dirty="0" smtClean="0">
-                <a:solidFill>
-                  <a:srgbClr val="3333CC"/>
-                </a:solidFill>
+              <a:rPr lang="fr-FR" sz="4400" dirty="0" smtClean="0">
                 <a:cs typeface="Courier New" panose="02070309020205020404" pitchFamily="49" charset="0"/>
               </a:rPr>
               <a:t>C’est quoi un décorateur ?</a:t>
@@ -7946,10 +7908,6 @@
               </a:rPr>
               <a:t>(f)(a, b)</a:t>
             </a:r>
-            <a:endParaRPr lang="fr-FR" sz="4000" dirty="0">
-              <a:latin typeface="Courier New" panose="02070309020205020404" pitchFamily="49" charset="0"/>
-              <a:cs typeface="Courier New" panose="02070309020205020404" pitchFamily="49" charset="0"/>
-            </a:endParaRPr>
           </a:p>
         </p:txBody>
       </p:sp>
@@ -8551,14 +8509,20 @@
               <a:buNone/>
             </a:pPr>
             <a:r>
-              <a:rPr lang="fr-FR" sz="4000" dirty="0" smtClean="0">
-                <a:solidFill>
-                  <a:srgbClr val="3333CC"/>
-                </a:solidFill>
-                <a:cs typeface="Courier New" panose="02070309020205020404" pitchFamily="49" charset="0"/>
-              </a:rPr>
-              <a:t>Comment implémenter un décorateur en pratique ? </a:t>
-            </a:r>
+              <a:rPr lang="fr-FR" sz="4400" dirty="0" smtClean="0">
+                <a:cs typeface="Courier New" panose="02070309020205020404" pitchFamily="49" charset="0"/>
+              </a:rPr>
+              <a:t>Comment implémenter un décorateur </a:t>
+            </a:r>
+            <a:r>
+              <a:rPr lang="fr-FR" sz="4400" dirty="0" smtClean="0">
+                <a:cs typeface="Courier New" panose="02070309020205020404" pitchFamily="49" charset="0"/>
+              </a:rPr>
+              <a:t>? </a:t>
+            </a:r>
+            <a:endParaRPr lang="fr-FR" sz="4400" dirty="0" smtClean="0">
+              <a:cs typeface="Courier New" panose="02070309020205020404" pitchFamily="49" charset="0"/>
+            </a:endParaRPr>
           </a:p>
           <a:p>
             <a:pPr marL="0" indent="0">
@@ -8568,61 +8532,43 @@
               <a:rPr lang="fr-FR" sz="3600" dirty="0" smtClean="0">
                 <a:cs typeface="Courier New" panose="02070309020205020404" pitchFamily="49" charset="0"/>
               </a:rPr>
-              <a:t>Soit une </a:t>
+              <a:t>Soit une fonction </a:t>
+            </a:r>
+            <a:r>
+              <a:rPr lang="fr-FR" sz="3600" dirty="0" err="1" smtClean="0">
+                <a:latin typeface="Courier New" panose="02070309020205020404" pitchFamily="49" charset="0"/>
+                <a:cs typeface="Courier New" panose="02070309020205020404" pitchFamily="49" charset="0"/>
+              </a:rPr>
+              <a:t>decorateur</a:t>
             </a:r>
             <a:r>
               <a:rPr lang="fr-FR" sz="3600" dirty="0" smtClean="0">
                 <a:cs typeface="Courier New" panose="02070309020205020404" pitchFamily="49" charset="0"/>
               </a:rPr>
-              <a:t>fonction </a:t>
-            </a:r>
-            <a:r>
-              <a:rPr lang="fr-FR" sz="3600" dirty="0" err="1" smtClean="0">
-                <a:latin typeface="Courier New" panose="02070309020205020404" pitchFamily="49" charset="0"/>
-                <a:cs typeface="Courier New" panose="02070309020205020404" pitchFamily="49" charset="0"/>
-              </a:rPr>
-              <a:t>decorateur</a:t>
-            </a:r>
+              <a:t> qui prend comme argument une fonction et retourne une fonction</a:t>
+            </a:r>
+          </a:p>
+          <a:p>
+            <a:pPr marL="0" indent="0">
+              <a:buNone/>
+            </a:pPr>
             <a:r>
               <a:rPr lang="fr-FR" sz="3600" dirty="0" smtClean="0">
                 <a:cs typeface="Courier New" panose="02070309020205020404" pitchFamily="49" charset="0"/>
               </a:rPr>
-              <a:t> qui prend comme argument une fonction et retourne une </a:t>
+              <a:t>Soit </a:t>
+            </a:r>
+            <a:r>
+              <a:rPr lang="fr-FR" sz="3600" dirty="0">
+                <a:cs typeface="Courier New" panose="02070309020205020404" pitchFamily="49" charset="0"/>
+              </a:rPr>
+              <a:t>u</a:t>
             </a:r>
             <a:r>
               <a:rPr lang="fr-FR" sz="3600" dirty="0" smtClean="0">
                 <a:cs typeface="Courier New" panose="02070309020205020404" pitchFamily="49" charset="0"/>
               </a:rPr>
-              <a:t>fonction</a:t>
-            </a:r>
-          </a:p>
-          <a:p>
-            <a:pPr marL="0" indent="0">
-              <a:buNone/>
-            </a:pPr>
-            <a:r>
-              <a:rPr lang="fr-FR" sz="3600" dirty="0" smtClean="0">
-                <a:cs typeface="Courier New" panose="02070309020205020404" pitchFamily="49" charset="0"/>
-              </a:rPr>
-              <a:t>Soit </a:t>
-            </a:r>
-            <a:r>
-              <a:rPr lang="fr-FR" sz="3600" dirty="0">
-                <a:cs typeface="Courier New" panose="02070309020205020404" pitchFamily="49" charset="0"/>
-              </a:rPr>
-              <a:t>u</a:t>
-            </a:r>
-            <a:r>
-              <a:rPr lang="fr-FR" sz="3600" dirty="0" smtClean="0">
-                <a:cs typeface="Courier New" panose="02070309020205020404" pitchFamily="49" charset="0"/>
-              </a:rPr>
-              <a:t>ne </a:t>
-            </a:r>
-            <a:r>
-              <a:rPr lang="fr-FR" sz="3600" dirty="0" smtClean="0">
-                <a:cs typeface="Courier New" panose="02070309020205020404" pitchFamily="49" charset="0"/>
-              </a:rPr>
-              <a:t>classe </a:t>
+              <a:t>ne classe </a:t>
             </a:r>
             <a:r>
               <a:rPr lang="fr-FR" sz="3600" dirty="0" err="1" smtClean="0">
@@ -9362,10 +9308,7 @@
               <a:buNone/>
             </a:pPr>
             <a:r>
-              <a:rPr lang="fr-FR" sz="4000" dirty="0" smtClean="0">
-                <a:solidFill>
-                  <a:srgbClr val="3333CC"/>
-                </a:solidFill>
+              <a:rPr lang="fr-FR" sz="4400" dirty="0" smtClean="0">
                 <a:cs typeface="Courier New" panose="02070309020205020404" pitchFamily="49" charset="0"/>
               </a:rPr>
               <a:t>On peut également décorer les classes</a:t>
@@ -9395,7 +9338,7 @@
         </p:nvSpPr>
         <p:spPr>
           <a:xfrm>
-            <a:off x="243444" y="3082121"/>
+            <a:off x="212964" y="3405277"/>
             <a:ext cx="7362962" cy="2862322"/>
           </a:xfrm>
           <a:prstGeom prst="rect">
@@ -9440,21 +9383,7 @@
                 <a:latin typeface="Courier New" panose="02070309020205020404" pitchFamily="49" charset="0"/>
                 <a:cs typeface="Courier New" panose="02070309020205020404" pitchFamily="49" charset="0"/>
               </a:rPr>
-              <a:t>class  </a:t>
-            </a:r>
-            <a:r>
-              <a:rPr lang="fr-FR" sz="3600" dirty="0" smtClean="0">
-                <a:latin typeface="Courier New" panose="02070309020205020404" pitchFamily="49" charset="0"/>
-                <a:cs typeface="Courier New" panose="02070309020205020404" pitchFamily="49" charset="0"/>
-              </a:rPr>
-              <a:t>C</a:t>
-            </a:r>
-            <a:r>
-              <a:rPr lang="fr-FR" sz="3600" dirty="0" smtClean="0">
-                <a:latin typeface="Courier New" panose="02070309020205020404" pitchFamily="49" charset="0"/>
-                <a:cs typeface="Courier New" panose="02070309020205020404" pitchFamily="49" charset="0"/>
-              </a:rPr>
-              <a:t>:</a:t>
+              <a:t>class  C:</a:t>
             </a:r>
             <a:endParaRPr lang="fr-FR" sz="3600" dirty="0">
               <a:latin typeface="Courier New" panose="02070309020205020404" pitchFamily="49" charset="0"/>
@@ -9544,7 +9473,7 @@
         </p:nvSpPr>
         <p:spPr>
           <a:xfrm>
-            <a:off x="7606406" y="3082121"/>
+            <a:off x="7575926" y="3405277"/>
             <a:ext cx="7132320" cy="1754326"/>
           </a:xfrm>
           <a:prstGeom prst="rect">
@@ -9568,10 +9497,6 @@
               </a:rPr>
               <a:t>C(1)</a:t>
             </a:r>
-            <a:endParaRPr lang="fr-FR" sz="3600" dirty="0" smtClean="0">
-              <a:latin typeface="Courier New" panose="02070309020205020404" pitchFamily="49" charset="0"/>
-              <a:cs typeface="Courier New" panose="02070309020205020404" pitchFamily="49" charset="0"/>
-            </a:endParaRPr>
           </a:p>
           <a:p>
             <a:pPr marL="0" indent="0">
@@ -9642,7 +9567,7 @@
         </p:nvCxnSpPr>
         <p:spPr bwMode="auto">
           <a:xfrm flipH="1">
-            <a:off x="7595115" y="3082121"/>
+            <a:off x="7564635" y="3405277"/>
             <a:ext cx="11291" cy="1851377"/>
           </a:xfrm>
           <a:prstGeom prst="line">

--- a/semaine7/CO12AL-W7-VIDEO02-SLIDE01.pptx
+++ b/semaine7/CO12AL-W7-VIDEO02-SLIDE01.pptx
@@ -1396,31 +1396,7 @@
               <a:rPr lang="fr-FR" sz="1200" dirty="0" smtClean="0">
                 <a:cs typeface="Courier New" panose="02070309020205020404" pitchFamily="49" charset="0"/>
               </a:rPr>
-              <a:t>C’est un </a:t>
-            </a:r>
-            <a:r>
-              <a:rPr lang="fr-FR" sz="1200" i="1" dirty="0" err="1" smtClean="0">
-                <a:cs typeface="Courier New" panose="02070309020205020404" pitchFamily="49" charset="0"/>
-              </a:rPr>
-              <a:t>callable</a:t>
-            </a:r>
-            <a:r>
-              <a:rPr lang="fr-FR" sz="1200" dirty="0" smtClean="0">
-                <a:cs typeface="Courier New" panose="02070309020205020404" pitchFamily="49" charset="0"/>
-              </a:rPr>
-              <a:t> qui prend comme argument la fonction décorée et produit un </a:t>
-            </a:r>
-            <a:r>
-              <a:rPr lang="fr-FR" sz="1200" i="1" dirty="0" err="1" smtClean="0">
-                <a:cs typeface="Courier New" panose="02070309020205020404" pitchFamily="49" charset="0"/>
-              </a:rPr>
-              <a:t>callable</a:t>
-            </a:r>
-            <a:r>
-              <a:rPr lang="fr-FR" sz="1200" dirty="0" smtClean="0">
-                <a:cs typeface="Courier New" panose="02070309020205020404" pitchFamily="49" charset="0"/>
-              </a:rPr>
-              <a:t> qui prend le même nombre d’arguments que la fonction décorée !</a:t>
+              <a:t>C’est quoi un décorateur</a:t>
             </a:r>
           </a:p>
           <a:p>
@@ -1441,7 +1417,42 @@
               <a:tabLst/>
               <a:defRPr/>
             </a:pPr>
-            <a:endParaRPr lang="fr-FR" dirty="0" smtClean="0"/>
+            <a:r>
+              <a:rPr lang="fr-FR" sz="1200" dirty="0" smtClean="0">
+                <a:cs typeface="Courier New" panose="02070309020205020404" pitchFamily="49" charset="0"/>
+              </a:rPr>
+              <a:t>C’est </a:t>
+            </a:r>
+            <a:r>
+              <a:rPr lang="fr-FR" sz="1200" dirty="0" smtClean="0">
+                <a:cs typeface="Courier New" panose="02070309020205020404" pitchFamily="49" charset="0"/>
+              </a:rPr>
+              <a:t>un </a:t>
+            </a:r>
+            <a:r>
+              <a:rPr lang="fr-FR" sz="1200" i="1" dirty="0" err="1" smtClean="0">
+                <a:cs typeface="Courier New" panose="02070309020205020404" pitchFamily="49" charset="0"/>
+              </a:rPr>
+              <a:t>callable</a:t>
+            </a:r>
+            <a:r>
+              <a:rPr lang="fr-FR" sz="1200" dirty="0" smtClean="0">
+                <a:cs typeface="Courier New" panose="02070309020205020404" pitchFamily="49" charset="0"/>
+              </a:rPr>
+              <a:t> qui prend comme argument la fonction décorée et produit un </a:t>
+            </a:r>
+            <a:r>
+              <a:rPr lang="fr-FR" sz="1200" i="1" dirty="0" err="1" smtClean="0">
+                <a:cs typeface="Courier New" panose="02070309020205020404" pitchFamily="49" charset="0"/>
+              </a:rPr>
+              <a:t>callable</a:t>
+            </a:r>
+            <a:r>
+              <a:rPr lang="fr-FR" sz="1200" dirty="0" smtClean="0">
+                <a:cs typeface="Courier New" panose="02070309020205020404" pitchFamily="49" charset="0"/>
+              </a:rPr>
+              <a:t> qui prend le même nombre d’arguments que la fonction décorée !</a:t>
+            </a:r>
           </a:p>
           <a:p>
             <a:pPr marL="0" marR="0" indent="0" algn="l" defTabSz="914400" rtl="0" eaLnBrk="0" fontAlgn="base" latinLnBrk="0" hangingPunct="0">
@@ -1461,6 +1472,26 @@
               <a:tabLst/>
               <a:defRPr/>
             </a:pPr>
+            <a:endParaRPr lang="fr-FR" dirty="0" smtClean="0"/>
+          </a:p>
+          <a:p>
+            <a:pPr marL="0" marR="0" indent="0" algn="l" defTabSz="914400" rtl="0" eaLnBrk="0" fontAlgn="base" latinLnBrk="0" hangingPunct="0">
+              <a:lnSpc>
+                <a:spcPct val="100000"/>
+              </a:lnSpc>
+              <a:spcBef>
+                <a:spcPct val="30000"/>
+              </a:spcBef>
+              <a:spcAft>
+                <a:spcPct val="0"/>
+              </a:spcAft>
+              <a:buClrTx/>
+              <a:buSzTx/>
+              <a:buFontTx/>
+              <a:buNone/>
+              <a:tabLst/>
+              <a:defRPr/>
+            </a:pPr>
             <a:r>
               <a:rPr lang="fr-FR" dirty="0" smtClean="0"/>
               <a:t>Un</a:t>
@@ -1476,6 +1507,72 @@
             <a:r>
               <a:rPr lang="fr-FR" baseline="0" dirty="0" smtClean="0"/>
               <a:t>. </a:t>
+            </a:r>
+            <a:endParaRPr lang="fr-FR" baseline="0" dirty="0" smtClean="0"/>
+          </a:p>
+          <a:p>
+            <a:pPr marL="0" marR="0" indent="0" algn="l" defTabSz="914400" rtl="0" eaLnBrk="0" fontAlgn="base" latinLnBrk="0" hangingPunct="0">
+              <a:lnSpc>
+                <a:spcPct val="100000"/>
+              </a:lnSpc>
+              <a:spcBef>
+                <a:spcPct val="30000"/>
+              </a:spcBef>
+              <a:spcAft>
+                <a:spcPct val="0"/>
+              </a:spcAft>
+              <a:buClrTx/>
+              <a:buSzTx/>
+              <a:buFontTx/>
+              <a:buNone/>
+              <a:tabLst/>
+              <a:defRPr/>
+            </a:pPr>
+            <a:r>
+              <a:rPr lang="fr-FR" baseline="0" dirty="0" smtClean="0"/>
+              <a:t>f(a, b) </a:t>
+            </a:r>
+            <a:r>
+              <a:rPr lang="fr-FR" baseline="0" dirty="0" smtClean="0">
+                <a:sym typeface="Wingdings" panose="05000000000000000000" pitchFamily="2" charset="2"/>
+              </a:rPr>
+              <a:t> </a:t>
+            </a:r>
+            <a:r>
+              <a:rPr lang="fr-FR" baseline="0" dirty="0" err="1" smtClean="0">
+                <a:sym typeface="Wingdings" panose="05000000000000000000" pitchFamily="2" charset="2"/>
+              </a:rPr>
+              <a:t>decorateur</a:t>
+            </a:r>
+            <a:r>
+              <a:rPr lang="fr-FR" baseline="0" dirty="0" smtClean="0">
+                <a:sym typeface="Wingdings" panose="05000000000000000000" pitchFamily="2" charset="2"/>
+              </a:rPr>
+              <a:t>(f)(</a:t>
+            </a:r>
+            <a:r>
+              <a:rPr lang="fr-FR" baseline="0" dirty="0" err="1" smtClean="0">
+                <a:sym typeface="Wingdings" panose="05000000000000000000" pitchFamily="2" charset="2"/>
+              </a:rPr>
+              <a:t>a,b</a:t>
+            </a:r>
+            <a:r>
+              <a:rPr lang="fr-FR" baseline="0" dirty="0" smtClean="0">
+                <a:sym typeface="Wingdings" panose="05000000000000000000" pitchFamily="2" charset="2"/>
+              </a:rPr>
+              <a:t>). L’</a:t>
+            </a:r>
+            <a:r>
+              <a:rPr lang="fr-FR" baseline="0" dirty="0" err="1" smtClean="0">
+                <a:sym typeface="Wingdings" panose="05000000000000000000" pitchFamily="2" charset="2"/>
+              </a:rPr>
+              <a:t>équivallence</a:t>
+            </a:r>
+            <a:r>
+              <a:rPr lang="fr-FR" baseline="0" dirty="0" smtClean="0">
+                <a:sym typeface="Wingdings" panose="05000000000000000000" pitchFamily="2" charset="2"/>
+              </a:rPr>
+              <a:t> est lorsque f est décorée par le décorateur</a:t>
             </a:r>
             <a:endParaRPr lang="fr-FR" dirty="0"/>
           </a:p>
@@ -8512,17 +8609,8 @@
               <a:rPr lang="fr-FR" sz="4400" dirty="0" smtClean="0">
                 <a:cs typeface="Courier New" panose="02070309020205020404" pitchFamily="49" charset="0"/>
               </a:rPr>
-              <a:t>Comment implémenter un décorateur </a:t>
-            </a:r>
-            <a:r>
-              <a:rPr lang="fr-FR" sz="4400" dirty="0" smtClean="0">
-                <a:cs typeface="Courier New" panose="02070309020205020404" pitchFamily="49" charset="0"/>
-              </a:rPr>
-              <a:t>? </a:t>
-            </a:r>
-            <a:endParaRPr lang="fr-FR" sz="4400" dirty="0" smtClean="0">
-              <a:cs typeface="Courier New" panose="02070309020205020404" pitchFamily="49" charset="0"/>
-            </a:endParaRPr>
+              <a:t>Comment implémenter un décorateur ? </a:t>
+            </a:r>
           </a:p>
           <a:p>
             <a:pPr marL="0" indent="0">

--- a/semaine7/CO12AL-W7-VIDEO02-SLIDE01.pptx
+++ b/semaine7/CO12AL-W7-VIDEO02-SLIDE01.pptx
@@ -1421,13 +1421,7 @@
               <a:rPr lang="fr-FR" sz="1200" dirty="0" smtClean="0">
                 <a:cs typeface="Courier New" panose="02070309020205020404" pitchFamily="49" charset="0"/>
               </a:rPr>
-              <a:t>C’est </a:t>
-            </a:r>
-            <a:r>
-              <a:rPr lang="fr-FR" sz="1200" dirty="0" smtClean="0">
-                <a:cs typeface="Courier New" panose="02070309020205020404" pitchFamily="49" charset="0"/>
-              </a:rPr>
-              <a:t>un </a:t>
+              <a:t>C’est un </a:t>
             </a:r>
             <a:r>
               <a:rPr lang="fr-FR" sz="1200" i="1" dirty="0" err="1" smtClean="0">
@@ -1508,7 +1502,6 @@
               <a:rPr lang="fr-FR" baseline="0" dirty="0" smtClean="0"/>
               <a:t>. </a:t>
             </a:r>
-            <a:endParaRPr lang="fr-FR" baseline="0" dirty="0" smtClean="0"/>
           </a:p>
           <a:p>
             <a:pPr marL="0" marR="0" indent="0" algn="l" defTabSz="914400" rtl="0" eaLnBrk="0" fontAlgn="base" latinLnBrk="0" hangingPunct="0">
@@ -7611,22 +7604,16 @@
               <a:buNone/>
             </a:pPr>
             <a:r>
-              <a:rPr lang="fr-FR" sz="4400" dirty="0">
-                <a:cs typeface="Courier New" panose="02070309020205020404" pitchFamily="49" charset="0"/>
-              </a:rPr>
-              <a:t>C</a:t>
-            </a:r>
-            <a:r>
               <a:rPr lang="fr-FR" sz="4400" dirty="0" smtClean="0">
                 <a:cs typeface="Courier New" panose="02070309020205020404" pitchFamily="49" charset="0"/>
               </a:rPr>
-              <a:t>’est </a:t>
-            </a:r>
-            <a:r>
-              <a:rPr lang="fr-FR" sz="4400" dirty="0">
-                <a:cs typeface="Courier New" panose="02070309020205020404" pitchFamily="49" charset="0"/>
-              </a:rPr>
-              <a:t>quoi un </a:t>
+              <a:t>Qu’est-ce qu’</a:t>
+            </a:r>
+            <a:r>
+              <a:rPr lang="fr-FR" sz="4400" dirty="0" smtClean="0">
+                <a:cs typeface="Courier New" panose="02070309020205020404" pitchFamily="49" charset="0"/>
+              </a:rPr>
+              <a:t>un </a:t>
             </a:r>
             <a:r>
               <a:rPr lang="fr-FR" sz="4400" i="1" dirty="0" err="1">
@@ -7721,7 +7708,13 @@
               <a:rPr lang="fr-FR" sz="4400" dirty="0" smtClean="0">
                 <a:cs typeface="Courier New" panose="02070309020205020404" pitchFamily="49" charset="0"/>
               </a:rPr>
-              <a:t>C’est quoi un décorateur ?</a:t>
+              <a:t>Qu’est-ce qu’un </a:t>
+            </a:r>
+            <a:r>
+              <a:rPr lang="fr-FR" sz="4400" dirty="0" smtClean="0">
+                <a:cs typeface="Courier New" panose="02070309020205020404" pitchFamily="49" charset="0"/>
+              </a:rPr>
+              <a:t>décorateur ?</a:t>
             </a:r>
           </a:p>
           <a:p>
@@ -8888,18 +8881,18 @@
               <a:t>st </a:t>
             </a:r>
             <a:r>
-              <a:rPr lang="fr-FR" sz="3600" dirty="0" err="1" smtClean="0">
-                <a:latin typeface="Calibri" panose="020F0502020204030204" pitchFamily="34" charset="0"/>
-                <a:cs typeface="Courier New" panose="02070309020205020404" pitchFamily="49" charset="0"/>
-              </a:rPr>
-              <a:t>équivallent</a:t>
-            </a:r>
-            <a:r>
               <a:rPr lang="fr-FR" sz="3600" dirty="0" smtClean="0">
                 <a:latin typeface="Calibri" panose="020F0502020204030204" pitchFamily="34" charset="0"/>
                 <a:cs typeface="Courier New" panose="02070309020205020404" pitchFamily="49" charset="0"/>
               </a:rPr>
-              <a:t> à</a:t>
+              <a:t>équivalent </a:t>
+            </a:r>
+            <a:r>
+              <a:rPr lang="fr-FR" sz="3600" dirty="0" smtClean="0">
+                <a:latin typeface="Calibri" panose="020F0502020204030204" pitchFamily="34" charset="0"/>
+                <a:cs typeface="Courier New" panose="02070309020205020404" pitchFamily="49" charset="0"/>
+              </a:rPr>
+              <a:t>à</a:t>
             </a:r>
             <a:endParaRPr lang="fr-FR" sz="3600" dirty="0" smtClean="0">
               <a:latin typeface="Calibri" panose="020F0502020204030204" pitchFamily="34" charset="0"/>
@@ -9605,18 +9598,18 @@
               <a:t>st </a:t>
             </a:r>
             <a:r>
-              <a:rPr lang="fr-FR" sz="3600" dirty="0" err="1" smtClean="0">
-                <a:latin typeface="Calibri" panose="020F0502020204030204" pitchFamily="34" charset="0"/>
-                <a:cs typeface="Courier New" panose="02070309020205020404" pitchFamily="49" charset="0"/>
-              </a:rPr>
-              <a:t>équivallent</a:t>
-            </a:r>
-            <a:r>
               <a:rPr lang="fr-FR" sz="3600" dirty="0" smtClean="0">
                 <a:latin typeface="Calibri" panose="020F0502020204030204" pitchFamily="34" charset="0"/>
                 <a:cs typeface="Courier New" panose="02070309020205020404" pitchFamily="49" charset="0"/>
               </a:rPr>
-              <a:t> à</a:t>
+              <a:t>équivalent </a:t>
+            </a:r>
+            <a:r>
+              <a:rPr lang="fr-FR" sz="3600" dirty="0" smtClean="0">
+                <a:latin typeface="Calibri" panose="020F0502020204030204" pitchFamily="34" charset="0"/>
+                <a:cs typeface="Courier New" panose="02070309020205020404" pitchFamily="49" charset="0"/>
+              </a:rPr>
+              <a:t>à</a:t>
             </a:r>
             <a:endParaRPr lang="fr-FR" sz="3600" dirty="0" smtClean="0">
               <a:latin typeface="Calibri" panose="020F0502020204030204" pitchFamily="34" charset="0"/>

--- a/semaine7/CO12AL-W7-VIDEO02-SLIDE01.pptx
+++ b/semaine7/CO12AL-W7-VIDEO02-SLIDE01.pptx
@@ -5,18 +5,22 @@
     <p:sldMasterId id="2147483649" r:id="rId1"/>
   </p:sldMasterIdLst>
   <p:notesMasterIdLst>
-    <p:notesMasterId r:id="rId8"/>
+    <p:notesMasterId r:id="rId12"/>
   </p:notesMasterIdLst>
   <p:handoutMasterIdLst>
-    <p:handoutMasterId r:id="rId9"/>
+    <p:handoutMasterId r:id="rId13"/>
   </p:handoutMasterIdLst>
   <p:sldIdLst>
     <p:sldId id="900" r:id="rId2"/>
     <p:sldId id="902" r:id="rId3"/>
     <p:sldId id="904" r:id="rId4"/>
-    <p:sldId id="908" r:id="rId5"/>
-    <p:sldId id="907" r:id="rId6"/>
-    <p:sldId id="906" r:id="rId7"/>
+    <p:sldId id="909" r:id="rId5"/>
+    <p:sldId id="908" r:id="rId6"/>
+    <p:sldId id="912" r:id="rId7"/>
+    <p:sldId id="913" r:id="rId8"/>
+    <p:sldId id="914" r:id="rId9"/>
+    <p:sldId id="918" r:id="rId10"/>
+    <p:sldId id="920" r:id="rId11"/>
   </p:sldIdLst>
   <p:sldSz cx="12192000" cy="6858000"/>
   <p:notesSz cx="7099300" cy="10234613"/>
@@ -153,9 +157,13 @@
             <p14:sldId id="900"/>
             <p14:sldId id="902"/>
             <p14:sldId id="904"/>
+            <p14:sldId id="909"/>
             <p14:sldId id="908"/>
-            <p14:sldId id="907"/>
-            <p14:sldId id="906"/>
+            <p14:sldId id="912"/>
+            <p14:sldId id="913"/>
+            <p14:sldId id="914"/>
+            <p14:sldId id="918"/>
+            <p14:sldId id="920"/>
           </p14:sldIdLst>
         </p14:section>
       </p14:sectionLst>
@@ -1594,7 +1602,7 @@
               <a:pPr>
                 <a:defRPr/>
               </a:pPr>
-              <a:t>4</a:t>
+              <a:t>5</a:t>
             </a:fld>
             <a:endParaRPr lang="en-US"/>
           </a:p>
@@ -1676,21 +1684,12 @@
             </a:pPr>
             <a:r>
               <a:rPr lang="fr-FR" dirty="0" smtClean="0"/>
-              <a:t>On ne donne</a:t>
+              <a:t>Voic</a:t>
             </a:r>
             <a:r>
               <a:rPr lang="fr-FR" baseline="0" dirty="0" smtClean="0"/>
-              <a:t> ici que deux exemples courant d’implémentation, mais on peut imaginer autre chose, comme une fonction qui retourne une classe </a:t>
-            </a:r>
-            <a:r>
-              <a:rPr lang="fr-FR" baseline="0" dirty="0" err="1" smtClean="0"/>
-              <a:t>callable</a:t>
-            </a:r>
-            <a:r>
-              <a:rPr lang="fr-FR" baseline="0" dirty="0" smtClean="0"/>
-              <a:t>.</a:t>
-            </a:r>
-            <a:endParaRPr lang="fr-FR" dirty="0" smtClean="0"/>
+              <a:t>i la syntaxe générale d’un décorateur. </a:t>
+            </a:r>
           </a:p>
           <a:p>
             <a:pPr marL="0" marR="0" indent="0" algn="l" defTabSz="914400" rtl="0" eaLnBrk="0" fontAlgn="base" latinLnBrk="0" hangingPunct="0">
@@ -1732,11 +1731,35 @@
             </a:pPr>
             <a:r>
               <a:rPr lang="fr-FR" dirty="0" smtClean="0"/>
-              <a:t>Si le décorateur est une fonction,</a:t>
+              <a:t>Il faut faire la distinction entre la syntaxe</a:t>
             </a:r>
             <a:r>
               <a:rPr lang="fr-FR" baseline="0" dirty="0" smtClean="0"/>
-              <a:t> il prend un fonction en argument et retourne une fonction qui prend (a, b) comme arguments</a:t>
+              <a:t> @</a:t>
+            </a:r>
+            <a:r>
+              <a:rPr lang="fr-FR" baseline="0" dirty="0" err="1" smtClean="0"/>
+              <a:t>decorateur</a:t>
+            </a:r>
+            <a:r>
+              <a:rPr lang="fr-FR" baseline="0" dirty="0" smtClean="0"/>
+              <a:t> qui est juste un raccourci pour écrire f  = </a:t>
+            </a:r>
+            <a:r>
+              <a:rPr lang="fr-FR" baseline="0" dirty="0" err="1" smtClean="0"/>
+              <a:t>decorateur</a:t>
+            </a:r>
+            <a:r>
+              <a:rPr lang="fr-FR" baseline="0" dirty="0" smtClean="0"/>
+              <a:t>(f) et la concept de </a:t>
+            </a:r>
+            <a:r>
+              <a:rPr lang="fr-FR" baseline="0" dirty="0" err="1" smtClean="0"/>
+              <a:t>decoration</a:t>
+            </a:r>
+            <a:r>
+              <a:rPr lang="fr-FR" baseline="0" dirty="0" smtClean="0"/>
+              <a:t>. La syntaxe est juste là pour rendre plus clair qu’une fonction est décorée, il n’y a rien de profond ici. Par contre, </a:t>
             </a:r>
           </a:p>
           <a:p>
@@ -1759,17 +1782,8 @@
             </a:pPr>
             <a:r>
               <a:rPr lang="fr-FR" baseline="0" dirty="0" smtClean="0"/>
-              <a:t>Si le décorateur est une classe, il prend la fonction dans son </a:t>
-            </a:r>
-            <a:r>
-              <a:rPr lang="fr-FR" baseline="0" dirty="0" err="1" smtClean="0"/>
-              <a:t>contructeur</a:t>
-            </a:r>
-            <a:r>
-              <a:rPr lang="fr-FR" baseline="0" dirty="0" smtClean="0"/>
-              <a:t> et l’instance retournée appelle __call__(self, a, b)</a:t>
-            </a:r>
-            <a:endParaRPr lang="fr-FR" dirty="0"/>
+              <a:t>La concept de décorateur est complexe et très puissant puisque l’on peut implémenter ses propres décorateurs. </a:t>
+            </a:r>
           </a:p>
         </p:txBody>
       </p:sp>
@@ -1796,7 +1810,7 @@
               <a:pPr>
                 <a:defRPr/>
               </a:pPr>
-              <a:t>5</a:t>
+              <a:t>6</a:t>
             </a:fld>
             <a:endParaRPr lang="en-US"/>
           </a:p>
@@ -1805,7 +1819,7 @@
     </p:spTree>
     <p:extLst>
       <p:ext uri="{BB962C8B-B14F-4D97-AF65-F5344CB8AC3E}">
-        <p14:creationId xmlns:p14="http://schemas.microsoft.com/office/powerpoint/2010/main" val="3320066067"/>
+        <p14:creationId xmlns:p14="http://schemas.microsoft.com/office/powerpoint/2010/main" val="3643535726"/>
       </p:ext>
     </p:extLst>
   </p:cSld>
@@ -1859,61 +1873,13 @@
           <a:bodyPr/>
           <a:lstStyle/>
           <a:p>
-            <a:pPr marL="0" marR="0" indent="0" algn="l" defTabSz="914400" rtl="0" eaLnBrk="0" fontAlgn="base" latinLnBrk="0" hangingPunct="0">
-              <a:lnSpc>
-                <a:spcPct val="100000"/>
-              </a:lnSpc>
-              <a:spcBef>
-                <a:spcPct val="30000"/>
-              </a:spcBef>
-              <a:spcAft>
-                <a:spcPct val="0"/>
-              </a:spcAft>
-              <a:buClrTx/>
-              <a:buSzTx/>
-              <a:buFontTx/>
-              <a:buNone/>
-              <a:tabLst/>
-              <a:defRPr/>
-            </a:pPr>
             <a:r>
               <a:rPr lang="fr-FR" dirty="0" smtClean="0"/>
-              <a:t>Si le décorateur est une fonction,</a:t>
+              <a:t>La syntaxe décorateur n’est pas nécessaire pour avoir des décorateurs, mais elle simplifie</a:t>
             </a:r>
             <a:r>
               <a:rPr lang="fr-FR" baseline="0" dirty="0" smtClean="0"/>
-              <a:t> il prend un fonction en argument et retourne une fonction qui prend (a, b) comme arguments</a:t>
-            </a:r>
-          </a:p>
-          <a:p>
-            <a:pPr marL="0" marR="0" indent="0" algn="l" defTabSz="914400" rtl="0" eaLnBrk="0" fontAlgn="base" latinLnBrk="0" hangingPunct="0">
-              <a:lnSpc>
-                <a:spcPct val="100000"/>
-              </a:lnSpc>
-              <a:spcBef>
-                <a:spcPct val="30000"/>
-              </a:spcBef>
-              <a:spcAft>
-                <a:spcPct val="0"/>
-              </a:spcAft>
-              <a:buClrTx/>
-              <a:buSzTx/>
-              <a:buFontTx/>
-              <a:buNone/>
-              <a:tabLst/>
-              <a:defRPr/>
-            </a:pPr>
-            <a:r>
-              <a:rPr lang="fr-FR" baseline="0" dirty="0" smtClean="0"/>
-              <a:t>Si le décorateur est une classe, il prend la fonction dans son </a:t>
-            </a:r>
-            <a:r>
-              <a:rPr lang="fr-FR" baseline="0" dirty="0" err="1" smtClean="0"/>
-              <a:t>contructeur</a:t>
-            </a:r>
-            <a:r>
-              <a:rPr lang="fr-FR" baseline="0" dirty="0" smtClean="0"/>
-              <a:t> et l’instance retournée appelle __call__(self, a, b)</a:t>
+              <a:t> l’utilisation en définissant une syntaxe explicite.</a:t>
             </a:r>
             <a:endParaRPr lang="fr-FR" dirty="0"/>
           </a:p>
@@ -1942,7 +1908,7 @@
               <a:pPr>
                 <a:defRPr/>
               </a:pPr>
-              <a:t>6</a:t>
+              <a:t>7</a:t>
             </a:fld>
             <a:endParaRPr lang="en-US"/>
           </a:p>
@@ -1951,7 +1917,428 @@
     </p:spTree>
     <p:extLst>
       <p:ext uri="{BB962C8B-B14F-4D97-AF65-F5344CB8AC3E}">
-        <p14:creationId xmlns:p14="http://schemas.microsoft.com/office/powerpoint/2010/main" val="4176991102"/>
+        <p14:creationId xmlns:p14="http://schemas.microsoft.com/office/powerpoint/2010/main" val="2810502160"/>
+      </p:ext>
+    </p:extLst>
+  </p:cSld>
+  <p:clrMapOvr>
+    <a:masterClrMapping/>
+  </p:clrMapOvr>
+</p:notes>
+</file>
+
+<file path=ppt/notesSlides/notesSlide7.xml><?xml version="1.0" encoding="utf-8"?>
+<p:notes xmlns:a="http://schemas.openxmlformats.org/drawingml/2006/main" xmlns:r="http://schemas.openxmlformats.org/officeDocument/2006/relationships" xmlns:p="http://schemas.openxmlformats.org/presentationml/2006/main">
+  <p:cSld>
+    <p:spTree>
+      <p:nvGrpSpPr>
+        <p:cNvPr id="1" name=""/>
+        <p:cNvGrpSpPr/>
+        <p:nvPr/>
+      </p:nvGrpSpPr>
+      <p:grpSpPr>
+        <a:xfrm>
+          <a:off x="0" y="0"/>
+          <a:ext cx="0" cy="0"/>
+          <a:chOff x="0" y="0"/>
+          <a:chExt cx="0" cy="0"/>
+        </a:xfrm>
+      </p:grpSpPr>
+      <p:sp>
+        <p:nvSpPr>
+          <p:cNvPr id="2" name="Espace réservé de l'image des diapositives 1"/>
+          <p:cNvSpPr>
+            <a:spLocks noGrp="1" noRot="1" noChangeAspect="1"/>
+          </p:cNvSpPr>
+          <p:nvPr>
+            <p:ph type="sldImg"/>
+          </p:nvPr>
+        </p:nvSpPr>
+        <p:spPr/>
+      </p:sp>
+      <p:sp>
+        <p:nvSpPr>
+          <p:cNvPr id="3" name="Espace réservé des commentaires 2"/>
+          <p:cNvSpPr>
+            <a:spLocks noGrp="1"/>
+          </p:cNvSpPr>
+          <p:nvPr>
+            <p:ph type="body" idx="1"/>
+          </p:nvPr>
+        </p:nvSpPr>
+        <p:spPr/>
+        <p:txBody>
+          <a:bodyPr/>
+          <a:lstStyle/>
+          <a:p>
+            <a:r>
+              <a:rPr lang="fr-FR" dirty="0" smtClean="0"/>
+              <a:t>La syntaxe décorateur n’est pas nécessaire pour avoir des décorateurs, mais elle simplifie</a:t>
+            </a:r>
+            <a:r>
+              <a:rPr lang="fr-FR" baseline="0" dirty="0" smtClean="0"/>
+              <a:t> l’utilisation en définissant une </a:t>
+            </a:r>
+            <a:r>
+              <a:rPr lang="fr-FR" baseline="0" smtClean="0"/>
+              <a:t>syntaxe explicite.</a:t>
+            </a:r>
+            <a:endParaRPr lang="fr-FR"/>
+          </a:p>
+        </p:txBody>
+      </p:sp>
+      <p:sp>
+        <p:nvSpPr>
+          <p:cNvPr id="4" name="Espace réservé du numéro de diapositive 3"/>
+          <p:cNvSpPr>
+            <a:spLocks noGrp="1"/>
+          </p:cNvSpPr>
+          <p:nvPr>
+            <p:ph type="sldNum" sz="quarter" idx="10"/>
+          </p:nvPr>
+        </p:nvSpPr>
+        <p:spPr/>
+        <p:txBody>
+          <a:bodyPr/>
+          <a:lstStyle/>
+          <a:p>
+            <a:pPr>
+              <a:defRPr/>
+            </a:pPr>
+            <a:fld id="{9E8EB9F5-F2F7-4A48-A943-9B409357C15C}" type="slidenum">
+              <a:rPr lang="en-US" smtClean="0"/>
+              <a:pPr>
+                <a:defRPr/>
+              </a:pPr>
+              <a:t>8</a:t>
+            </a:fld>
+            <a:endParaRPr lang="en-US"/>
+          </a:p>
+        </p:txBody>
+      </p:sp>
+    </p:spTree>
+    <p:extLst>
+      <p:ext uri="{BB962C8B-B14F-4D97-AF65-F5344CB8AC3E}">
+        <p14:creationId xmlns:p14="http://schemas.microsoft.com/office/powerpoint/2010/main" val="4156775851"/>
+      </p:ext>
+    </p:extLst>
+  </p:cSld>
+  <p:clrMapOvr>
+    <a:masterClrMapping/>
+  </p:clrMapOvr>
+</p:notes>
+</file>
+
+<file path=ppt/notesSlides/notesSlide8.xml><?xml version="1.0" encoding="utf-8"?>
+<p:notes xmlns:a="http://schemas.openxmlformats.org/drawingml/2006/main" xmlns:r="http://schemas.openxmlformats.org/officeDocument/2006/relationships" xmlns:p="http://schemas.openxmlformats.org/presentationml/2006/main">
+  <p:cSld>
+    <p:spTree>
+      <p:nvGrpSpPr>
+        <p:cNvPr id="1" name=""/>
+        <p:cNvGrpSpPr/>
+        <p:nvPr/>
+      </p:nvGrpSpPr>
+      <p:grpSpPr>
+        <a:xfrm>
+          <a:off x="0" y="0"/>
+          <a:ext cx="0" cy="0"/>
+          <a:chOff x="0" y="0"/>
+          <a:chExt cx="0" cy="0"/>
+        </a:xfrm>
+      </p:grpSpPr>
+      <p:sp>
+        <p:nvSpPr>
+          <p:cNvPr id="2" name="Espace réservé de l'image des diapositives 1"/>
+          <p:cNvSpPr>
+            <a:spLocks noGrp="1" noRot="1" noChangeAspect="1"/>
+          </p:cNvSpPr>
+          <p:nvPr>
+            <p:ph type="sldImg"/>
+          </p:nvPr>
+        </p:nvSpPr>
+        <p:spPr/>
+      </p:sp>
+      <p:sp>
+        <p:nvSpPr>
+          <p:cNvPr id="3" name="Espace réservé des commentaires 2"/>
+          <p:cNvSpPr>
+            <a:spLocks noGrp="1"/>
+          </p:cNvSpPr>
+          <p:nvPr>
+            <p:ph type="body" idx="1"/>
+          </p:nvPr>
+        </p:nvSpPr>
+        <p:spPr/>
+        <p:txBody>
+          <a:bodyPr/>
+          <a:lstStyle/>
+          <a:p>
+            <a:pPr marL="0" indent="0">
+              <a:buNone/>
+            </a:pPr>
+            <a:r>
+              <a:rPr lang="fr-FR" sz="1200" dirty="0" smtClean="0">
+                <a:latin typeface="Courier New" panose="02070309020205020404" pitchFamily="49" charset="0"/>
+                <a:cs typeface="Courier New" panose="02070309020205020404" pitchFamily="49" charset="0"/>
+              </a:rPr>
+              <a:t>g(a, b) appelle la</a:t>
+            </a:r>
+            <a:r>
+              <a:rPr lang="fr-FR" sz="1200" baseline="0" dirty="0" smtClean="0">
+                <a:latin typeface="Courier New" panose="02070309020205020404" pitchFamily="49" charset="0"/>
+                <a:cs typeface="Courier New" panose="02070309020205020404" pitchFamily="49" charset="0"/>
+              </a:rPr>
+              <a:t> méthode __call__ de l’instance retournée par </a:t>
+            </a:r>
+            <a:r>
+              <a:rPr lang="fr-FR" sz="1200" baseline="0" dirty="0" err="1" smtClean="0">
+                <a:latin typeface="Courier New" panose="02070309020205020404" pitchFamily="49" charset="0"/>
+                <a:cs typeface="Courier New" panose="02070309020205020404" pitchFamily="49" charset="0"/>
+              </a:rPr>
+              <a:t>NbAppel</a:t>
+            </a:r>
+            <a:r>
+              <a:rPr lang="fr-FR" sz="1200" baseline="0" dirty="0" smtClean="0">
+                <a:latin typeface="Courier New" panose="02070309020205020404" pitchFamily="49" charset="0"/>
+                <a:cs typeface="Courier New" panose="02070309020205020404" pitchFamily="49" charset="0"/>
+              </a:rPr>
+              <a:t>(g)</a:t>
+            </a:r>
+            <a:endParaRPr lang="fr-FR" sz="1200" dirty="0" smtClean="0">
+              <a:latin typeface="Courier New" panose="02070309020205020404" pitchFamily="49" charset="0"/>
+              <a:cs typeface="Courier New" panose="02070309020205020404" pitchFamily="49" charset="0"/>
+            </a:endParaRPr>
+          </a:p>
+          <a:p>
+            <a:pPr marL="0" indent="0">
+              <a:buNone/>
+            </a:pPr>
+            <a:endParaRPr lang="fr-FR" sz="1200" dirty="0" smtClean="0">
+              <a:latin typeface="Courier New" panose="02070309020205020404" pitchFamily="49" charset="0"/>
+              <a:cs typeface="Courier New" panose="02070309020205020404" pitchFamily="49" charset="0"/>
+            </a:endParaRPr>
+          </a:p>
+          <a:p>
+            <a:pPr marL="0" indent="0">
+              <a:buNone/>
+            </a:pPr>
+            <a:r>
+              <a:rPr lang="fr-FR" sz="1200" dirty="0" smtClean="0">
+                <a:latin typeface="Courier New" panose="02070309020205020404" pitchFamily="49" charset="0"/>
+                <a:cs typeface="Courier New" panose="02070309020205020404" pitchFamily="49" charset="0"/>
+              </a:rPr>
+              <a:t>@</a:t>
+            </a:r>
+            <a:r>
+              <a:rPr lang="fr-FR" sz="1200" dirty="0" err="1" smtClean="0">
+                <a:latin typeface="Courier New" panose="02070309020205020404" pitchFamily="49" charset="0"/>
+                <a:cs typeface="Courier New" panose="02070309020205020404" pitchFamily="49" charset="0"/>
+              </a:rPr>
+              <a:t>NbAppel</a:t>
+            </a:r>
+            <a:endParaRPr lang="fr-FR" sz="1200" dirty="0" smtClean="0">
+              <a:latin typeface="Courier New" panose="02070309020205020404" pitchFamily="49" charset="0"/>
+              <a:cs typeface="Courier New" panose="02070309020205020404" pitchFamily="49" charset="0"/>
+            </a:endParaRPr>
+          </a:p>
+          <a:p>
+            <a:pPr marL="0" indent="0">
+              <a:buNone/>
+            </a:pPr>
+            <a:r>
+              <a:rPr lang="fr-FR" sz="1200" dirty="0" err="1" smtClean="0">
+                <a:latin typeface="Courier New" panose="02070309020205020404" pitchFamily="49" charset="0"/>
+                <a:cs typeface="Courier New" panose="02070309020205020404" pitchFamily="49" charset="0"/>
+              </a:rPr>
+              <a:t>def</a:t>
+            </a:r>
+            <a:r>
+              <a:rPr lang="fr-FR" sz="1200" dirty="0" smtClean="0">
+                <a:latin typeface="Courier New" panose="02070309020205020404" pitchFamily="49" charset="0"/>
+                <a:cs typeface="Courier New" panose="02070309020205020404" pitchFamily="49" charset="0"/>
+              </a:rPr>
+              <a:t> h(a, b, c):</a:t>
+            </a:r>
+          </a:p>
+          <a:p>
+            <a:pPr marL="0" indent="0">
+              <a:buNone/>
+            </a:pPr>
+            <a:r>
+              <a:rPr lang="fr-FR" sz="1200" dirty="0" smtClean="0">
+                <a:latin typeface="Courier New" panose="02070309020205020404" pitchFamily="49" charset="0"/>
+                <a:cs typeface="Courier New" panose="02070309020205020404" pitchFamily="49" charset="0"/>
+              </a:rPr>
+              <a:t>    </a:t>
+            </a:r>
+            <a:r>
+              <a:rPr lang="fr-FR" sz="1200" dirty="0" err="1" smtClean="0">
+                <a:latin typeface="Courier New" panose="02070309020205020404" pitchFamily="49" charset="0"/>
+                <a:cs typeface="Courier New" panose="02070309020205020404" pitchFamily="49" charset="0"/>
+              </a:rPr>
+              <a:t>print</a:t>
+            </a:r>
+            <a:r>
+              <a:rPr lang="fr-FR" sz="1200" dirty="0" smtClean="0">
+                <a:latin typeface="Courier New" panose="02070309020205020404" pitchFamily="49" charset="0"/>
+                <a:cs typeface="Courier New" panose="02070309020205020404" pitchFamily="49" charset="0"/>
+              </a:rPr>
+              <a:t> a, b, c</a:t>
+            </a:r>
+          </a:p>
+          <a:p>
+            <a:pPr marL="0" marR="0" indent="0" algn="l" defTabSz="914400" rtl="0" eaLnBrk="0" fontAlgn="base" latinLnBrk="0" hangingPunct="0">
+              <a:lnSpc>
+                <a:spcPct val="100000"/>
+              </a:lnSpc>
+              <a:spcBef>
+                <a:spcPct val="30000"/>
+              </a:spcBef>
+              <a:spcAft>
+                <a:spcPct val="0"/>
+              </a:spcAft>
+              <a:buClrTx/>
+              <a:buSzTx/>
+              <a:buFontTx/>
+              <a:buNone/>
+              <a:tabLst/>
+              <a:defRPr/>
+            </a:pPr>
+            <a:endParaRPr lang="fr-FR" baseline="0" dirty="0" smtClean="0"/>
+          </a:p>
+        </p:txBody>
+      </p:sp>
+      <p:sp>
+        <p:nvSpPr>
+          <p:cNvPr id="4" name="Espace réservé du numéro de diapositive 3"/>
+          <p:cNvSpPr>
+            <a:spLocks noGrp="1"/>
+          </p:cNvSpPr>
+          <p:nvPr>
+            <p:ph type="sldNum" sz="quarter" idx="10"/>
+          </p:nvPr>
+        </p:nvSpPr>
+        <p:spPr/>
+        <p:txBody>
+          <a:bodyPr/>
+          <a:lstStyle/>
+          <a:p>
+            <a:pPr>
+              <a:defRPr/>
+            </a:pPr>
+            <a:fld id="{9E8EB9F5-F2F7-4A48-A943-9B409357C15C}" type="slidenum">
+              <a:rPr lang="en-US" smtClean="0"/>
+              <a:pPr>
+                <a:defRPr/>
+              </a:pPr>
+              <a:t>9</a:t>
+            </a:fld>
+            <a:endParaRPr lang="en-US"/>
+          </a:p>
+        </p:txBody>
+      </p:sp>
+    </p:spTree>
+    <p:extLst>
+      <p:ext uri="{BB962C8B-B14F-4D97-AF65-F5344CB8AC3E}">
+        <p14:creationId xmlns:p14="http://schemas.microsoft.com/office/powerpoint/2010/main" val="2443401957"/>
+      </p:ext>
+    </p:extLst>
+  </p:cSld>
+  <p:clrMapOvr>
+    <a:masterClrMapping/>
+  </p:clrMapOvr>
+</p:notes>
+</file>
+
+<file path=ppt/notesSlides/notesSlide9.xml><?xml version="1.0" encoding="utf-8"?>
+<p:notes xmlns:a="http://schemas.openxmlformats.org/drawingml/2006/main" xmlns:r="http://schemas.openxmlformats.org/officeDocument/2006/relationships" xmlns:p="http://schemas.openxmlformats.org/presentationml/2006/main">
+  <p:cSld>
+    <p:spTree>
+      <p:nvGrpSpPr>
+        <p:cNvPr id="1" name=""/>
+        <p:cNvGrpSpPr/>
+        <p:nvPr/>
+      </p:nvGrpSpPr>
+      <p:grpSpPr>
+        <a:xfrm>
+          <a:off x="0" y="0"/>
+          <a:ext cx="0" cy="0"/>
+          <a:chOff x="0" y="0"/>
+          <a:chExt cx="0" cy="0"/>
+        </a:xfrm>
+      </p:grpSpPr>
+      <p:sp>
+        <p:nvSpPr>
+          <p:cNvPr id="2" name="Espace réservé de l'image des diapositives 1"/>
+          <p:cNvSpPr>
+            <a:spLocks noGrp="1" noRot="1" noChangeAspect="1"/>
+          </p:cNvSpPr>
+          <p:nvPr>
+            <p:ph type="sldImg"/>
+          </p:nvPr>
+        </p:nvSpPr>
+        <p:spPr/>
+      </p:sp>
+      <p:sp>
+        <p:nvSpPr>
+          <p:cNvPr id="3" name="Espace réservé des commentaires 2"/>
+          <p:cNvSpPr>
+            <a:spLocks noGrp="1"/>
+          </p:cNvSpPr>
+          <p:nvPr>
+            <p:ph type="body" idx="1"/>
+          </p:nvPr>
+        </p:nvSpPr>
+        <p:spPr/>
+        <p:txBody>
+          <a:bodyPr/>
+          <a:lstStyle/>
+          <a:p>
+            <a:r>
+              <a:rPr lang="fr-FR" dirty="0" smtClean="0"/>
+              <a:t>Les 4 combinaisons</a:t>
+            </a:r>
+            <a:r>
+              <a:rPr lang="fr-FR" baseline="0" dirty="0" smtClean="0"/>
+              <a:t> sont possibles. </a:t>
+            </a:r>
+            <a:endParaRPr lang="fr-FR" dirty="0"/>
+          </a:p>
+        </p:txBody>
+      </p:sp>
+      <p:sp>
+        <p:nvSpPr>
+          <p:cNvPr id="4" name="Espace réservé du numéro de diapositive 3"/>
+          <p:cNvSpPr>
+            <a:spLocks noGrp="1"/>
+          </p:cNvSpPr>
+          <p:nvPr>
+            <p:ph type="sldNum" sz="quarter" idx="10"/>
+          </p:nvPr>
+        </p:nvSpPr>
+        <p:spPr/>
+        <p:txBody>
+          <a:bodyPr/>
+          <a:lstStyle/>
+          <a:p>
+            <a:pPr>
+              <a:defRPr/>
+            </a:pPr>
+            <a:fld id="{9E8EB9F5-F2F7-4A48-A943-9B409357C15C}" type="slidenum">
+              <a:rPr lang="en-US" smtClean="0"/>
+              <a:pPr>
+                <a:defRPr/>
+              </a:pPr>
+              <a:t>10</a:t>
+            </a:fld>
+            <a:endParaRPr lang="en-US"/>
+          </a:p>
+        </p:txBody>
+      </p:sp>
+    </p:spTree>
+    <p:extLst>
+      <p:ext uri="{BB962C8B-B14F-4D97-AF65-F5344CB8AC3E}">
+        <p14:creationId xmlns:p14="http://schemas.microsoft.com/office/powerpoint/2010/main" val="2744418024"/>
       </p:ext>
     </p:extLst>
   </p:cSld>
@@ -6077,6 +6464,195 @@
 </p:sld>
 </file>
 
+<file path=ppt/slides/slide10.xml><?xml version="1.0" encoding="utf-8"?>
+<p:sld xmlns:a="http://schemas.openxmlformats.org/drawingml/2006/main" xmlns:r="http://schemas.openxmlformats.org/officeDocument/2006/relationships" xmlns:p="http://schemas.openxmlformats.org/presentationml/2006/main">
+  <p:cSld>
+    <p:spTree>
+      <p:nvGrpSpPr>
+        <p:cNvPr id="1" name=""/>
+        <p:cNvGrpSpPr/>
+        <p:nvPr/>
+      </p:nvGrpSpPr>
+      <p:grpSpPr>
+        <a:xfrm>
+          <a:off x="0" y="0"/>
+          <a:ext cx="0" cy="0"/>
+          <a:chOff x="0" y="0"/>
+          <a:chExt cx="0" cy="0"/>
+        </a:xfrm>
+      </p:grpSpPr>
+      <p:sp>
+        <p:nvSpPr>
+          <p:cNvPr id="5" name="ZoneTexte 4"/>
+          <p:cNvSpPr txBox="1"/>
+          <p:nvPr/>
+        </p:nvSpPr>
+        <p:spPr>
+          <a:xfrm>
+            <a:off x="225598" y="302359"/>
+            <a:ext cx="11790556" cy="5632311"/>
+          </a:xfrm>
+          <a:prstGeom prst="rect">
+            <a:avLst/>
+          </a:prstGeom>
+          <a:noFill/>
+        </p:spPr>
+        <p:txBody>
+          <a:bodyPr wrap="square" rtlCol="0">
+            <a:spAutoFit/>
+          </a:bodyPr>
+          <a:lstStyle/>
+          <a:p>
+            <a:pPr marL="857250" indent="-857250">
+              <a:buFont typeface="Arial" panose="020B0604020202020204" pitchFamily="34" charset="0"/>
+              <a:buChar char="•"/>
+            </a:pPr>
+            <a:r>
+              <a:rPr lang="fr-FR" sz="6000" dirty="0" smtClean="0">
+                <a:latin typeface="Calibri" panose="020F0502020204030204" pitchFamily="34" charset="0"/>
+              </a:rPr>
+              <a:t>Un décorateur est une </a:t>
+            </a:r>
+            <a:r>
+              <a:rPr lang="fr-FR" sz="6000" dirty="0" err="1" smtClean="0">
+                <a:latin typeface="Calibri" panose="020F0502020204030204" pitchFamily="34" charset="0"/>
+              </a:rPr>
+              <a:t>callable</a:t>
+            </a:r>
+            <a:r>
+              <a:rPr lang="fr-FR" sz="6000" dirty="0" smtClean="0">
+                <a:latin typeface="Calibri" panose="020F0502020204030204" pitchFamily="34" charset="0"/>
+              </a:rPr>
+              <a:t>, donc soit une fonction soit une classe</a:t>
+            </a:r>
+          </a:p>
+          <a:p>
+            <a:pPr marL="857250" indent="-857250">
+              <a:buFont typeface="Arial" panose="020B0604020202020204" pitchFamily="34" charset="0"/>
+              <a:buChar char="•"/>
+            </a:pPr>
+            <a:r>
+              <a:rPr lang="fr-FR" sz="6000" dirty="0" smtClean="0">
+                <a:latin typeface="Calibri" panose="020F0502020204030204" pitchFamily="34" charset="0"/>
+              </a:rPr>
+              <a:t>On peut décorer une fonction ou une classe</a:t>
+            </a:r>
+          </a:p>
+          <a:p>
+            <a:pPr marL="857250" indent="-857250">
+              <a:buFont typeface="Arial" panose="020B0604020202020204" pitchFamily="34" charset="0"/>
+              <a:buChar char="•"/>
+            </a:pPr>
+            <a:endParaRPr lang="fr-FR" sz="6000" i="1" dirty="0">
+              <a:latin typeface="Calibri" panose="020F0502020204030204" pitchFamily="34" charset="0"/>
+            </a:endParaRPr>
+          </a:p>
+        </p:txBody>
+      </p:sp>
+    </p:spTree>
+    <p:extLst>
+      <p:ext uri="{BB962C8B-B14F-4D97-AF65-F5344CB8AC3E}">
+        <p14:creationId xmlns:p14="http://schemas.microsoft.com/office/powerpoint/2010/main" val="36616988"/>
+      </p:ext>
+    </p:extLst>
+  </p:cSld>
+  <p:clrMapOvr>
+    <a:masterClrMapping/>
+  </p:clrMapOvr>
+  <p:timing>
+    <p:tnLst>
+      <p:par>
+        <p:cTn id="1" dur="indefinite" restart="never" nodeType="tmRoot">
+          <p:childTnLst>
+            <p:seq concurrent="1" nextAc="seek">
+              <p:cTn id="2" dur="indefinite" nodeType="mainSeq">
+                <p:childTnLst>
+                  <p:par>
+                    <p:cTn id="3" fill="hold">
+                      <p:stCondLst>
+                        <p:cond delay="indefinite"/>
+                      </p:stCondLst>
+                      <p:childTnLst>
+                        <p:par>
+                          <p:cTn id="4" fill="hold">
+                            <p:stCondLst>
+                              <p:cond delay="0"/>
+                            </p:stCondLst>
+                            <p:childTnLst>
+                              <p:par>
+                                <p:cTn id="5" presetID="10" presetClass="entr" presetSubtype="0" fill="hold" nodeType="clickEffect">
+                                  <p:stCondLst>
+                                    <p:cond delay="0"/>
+                                  </p:stCondLst>
+                                  <p:childTnLst>
+                                    <p:set>
+                                      <p:cBhvr>
+                                        <p:cTn id="6" dur="1" fill="hold">
+                                          <p:stCondLst>
+                                            <p:cond delay="0"/>
+                                          </p:stCondLst>
+                                        </p:cTn>
+                                        <p:tgtEl>
+                                          <p:spTgt spid="5">
+                                            <p:txEl>
+                                              <p:pRg st="1" end="1"/>
+                                            </p:txEl>
+                                          </p:spTgt>
+                                        </p:tgtEl>
+                                        <p:attrNameLst>
+                                          <p:attrName>style.visibility</p:attrName>
+                                        </p:attrNameLst>
+                                      </p:cBhvr>
+                                      <p:to>
+                                        <p:strVal val="visible"/>
+                                      </p:to>
+                                    </p:set>
+                                    <p:animEffect transition="in" filter="fade">
+                                      <p:cBhvr>
+                                        <p:cTn id="7" dur="500"/>
+                                        <p:tgtEl>
+                                          <p:spTgt spid="5">
+                                            <p:txEl>
+                                              <p:pRg st="1" end="1"/>
+                                            </p:txEl>
+                                          </p:spTgt>
+                                        </p:tgtEl>
+                                      </p:cBhvr>
+                                    </p:animEffect>
+                                  </p:childTnLst>
+                                </p:cTn>
+                              </p:par>
+                            </p:childTnLst>
+                          </p:cTn>
+                        </p:par>
+                      </p:childTnLst>
+                    </p:cTn>
+                  </p:par>
+                </p:childTnLst>
+              </p:cTn>
+              <p:prevCondLst>
+                <p:cond evt="onPrev" delay="0">
+                  <p:tgtEl>
+                    <p:sldTgt/>
+                  </p:tgtEl>
+                </p:cond>
+              </p:prevCondLst>
+              <p:nextCondLst>
+                <p:cond evt="onNext" delay="0">
+                  <p:tgtEl>
+                    <p:sldTgt/>
+                  </p:tgtEl>
+                </p:cond>
+              </p:nextCondLst>
+            </p:seq>
+          </p:childTnLst>
+        </p:cTn>
+      </p:par>
+    </p:tnLst>
+  </p:timing>
+</p:sld>
+</file>
+
 <file path=ppt/slides/slide2.xml><?xml version="1.0" encoding="utf-8"?>
 <p:sld xmlns:a="http://schemas.openxmlformats.org/drawingml/2006/main" xmlns:r="http://schemas.openxmlformats.org/officeDocument/2006/relationships" xmlns:p="http://schemas.openxmlformats.org/presentationml/2006/main">
   <p:cSld>
@@ -6453,76 +7029,6 @@
               <a:latin typeface="Courier New" panose="02070309020205020404" pitchFamily="49" charset="0"/>
               <a:cs typeface="Courier New" panose="02070309020205020404" pitchFamily="49" charset="0"/>
             </a:endParaRPr>
-          </a:p>
-        </p:txBody>
-      </p:sp>
-      <p:sp>
-        <p:nvSpPr>
-          <p:cNvPr id="2" name="Rectangle 1"/>
-          <p:cNvSpPr/>
-          <p:nvPr/>
-        </p:nvSpPr>
-        <p:spPr bwMode="auto">
-          <a:xfrm>
-            <a:off x="1371600" y="1005840"/>
-            <a:ext cx="3825240" cy="685800"/>
-          </a:xfrm>
-          <a:prstGeom prst="rect">
-            <a:avLst/>
-          </a:prstGeom>
-          <a:noFill/>
-          <a:ln w="38100" cap="flat" cmpd="sng" algn="ctr">
-            <a:solidFill>
-              <a:srgbClr val="FF0000"/>
-            </a:solidFill>
-            <a:prstDash val="solid"/>
-            <a:round/>
-            <a:headEnd type="none" w="med" len="med"/>
-            <a:tailEnd type="triangle" w="lg" len="lg"/>
-          </a:ln>
-          <a:effectLst/>
-        </p:spPr>
-        <p:txBody>
-          <a:bodyPr rtlCol="0" anchor="ctr"/>
-          <a:lstStyle/>
-          <a:p>
-            <a:pPr algn="ctr"/>
-            <a:endParaRPr lang="fr-FR"/>
-          </a:p>
-        </p:txBody>
-      </p:sp>
-      <p:sp>
-        <p:nvSpPr>
-          <p:cNvPr id="4" name="Rectangle 3"/>
-          <p:cNvSpPr/>
-          <p:nvPr/>
-        </p:nvSpPr>
-        <p:spPr bwMode="auto">
-          <a:xfrm>
-            <a:off x="1371600" y="2985225"/>
-            <a:ext cx="3825240" cy="685800"/>
-          </a:xfrm>
-          <a:prstGeom prst="rect">
-            <a:avLst/>
-          </a:prstGeom>
-          <a:noFill/>
-          <a:ln w="38100" cap="flat" cmpd="sng" algn="ctr">
-            <a:solidFill>
-              <a:srgbClr val="FF0000"/>
-            </a:solidFill>
-            <a:prstDash val="solid"/>
-            <a:round/>
-            <a:headEnd type="none" w="med" len="med"/>
-            <a:tailEnd type="triangle" w="lg" len="lg"/>
-          </a:ln>
-          <a:effectLst/>
-        </p:spPr>
-        <p:txBody>
-          <a:bodyPr rtlCol="0" anchor="ctr"/>
-          <a:lstStyle/>
-          <a:p>
-            <a:pPr algn="ctr"/>
-            <a:endParaRPr lang="fr-FR"/>
           </a:p>
         </p:txBody>
       </p:sp>
@@ -6985,27 +7491,733 @@
                       </p:childTnLst>
                     </p:cTn>
                   </p:par>
+                </p:childTnLst>
+              </p:cTn>
+              <p:prevCondLst>
+                <p:cond evt="onPrev" delay="0">
+                  <p:tgtEl>
+                    <p:sldTgt/>
+                  </p:tgtEl>
+                </p:cond>
+              </p:prevCondLst>
+              <p:nextCondLst>
+                <p:cond evt="onNext" delay="0">
+                  <p:tgtEl>
+                    <p:sldTgt/>
+                  </p:tgtEl>
+                </p:cond>
+              </p:nextCondLst>
+            </p:seq>
+          </p:childTnLst>
+        </p:cTn>
+      </p:par>
+    </p:tnLst>
+  </p:timing>
+</p:sld>
+</file>
+
+<file path=ppt/slides/slide3.xml><?xml version="1.0" encoding="utf-8"?>
+<p:sld xmlns:a="http://schemas.openxmlformats.org/drawingml/2006/main" xmlns:r="http://schemas.openxmlformats.org/officeDocument/2006/relationships" xmlns:p="http://schemas.openxmlformats.org/presentationml/2006/main">
+  <p:cSld>
+    <p:spTree>
+      <p:nvGrpSpPr>
+        <p:cNvPr id="1" name=""/>
+        <p:cNvGrpSpPr/>
+        <p:nvPr/>
+      </p:nvGrpSpPr>
+      <p:grpSpPr>
+        <a:xfrm>
+          <a:off x="0" y="0"/>
+          <a:ext cx="0" cy="0"/>
+          <a:chOff x="0" y="0"/>
+          <a:chExt cx="0" cy="0"/>
+        </a:xfrm>
+      </p:grpSpPr>
+      <p:sp>
+        <p:nvSpPr>
+          <p:cNvPr id="3" name="Espace réservé du contenu 2"/>
+          <p:cNvSpPr>
+            <a:spLocks noGrp="1"/>
+          </p:cNvSpPr>
+          <p:nvPr>
+            <p:ph idx="1"/>
+          </p:nvPr>
+        </p:nvSpPr>
+        <p:spPr>
+          <a:xfrm>
+            <a:off x="678180" y="914401"/>
+            <a:ext cx="4579620" cy="3497579"/>
+          </a:xfrm>
+        </p:spPr>
+        <p:txBody>
+          <a:bodyPr/>
+          <a:lstStyle/>
+          <a:p>
+            <a:pPr marL="0" indent="0">
+              <a:buNone/>
+            </a:pPr>
+            <a:r>
+              <a:rPr lang="fr-FR" sz="3600" dirty="0" smtClean="0">
+                <a:latin typeface="Courier New" panose="02070309020205020404" pitchFamily="49" charset="0"/>
+                <a:cs typeface="Courier New" panose="02070309020205020404" pitchFamily="49" charset="0"/>
+              </a:rPr>
+              <a:t>@</a:t>
+            </a:r>
+            <a:r>
+              <a:rPr lang="fr-FR" sz="3600" dirty="0" err="1" smtClean="0">
+                <a:latin typeface="Courier New" panose="02070309020205020404" pitchFamily="49" charset="0"/>
+                <a:cs typeface="Courier New" panose="02070309020205020404" pitchFamily="49" charset="0"/>
+              </a:rPr>
+              <a:t>decorateur</a:t>
+            </a:r>
+            <a:endParaRPr lang="fr-FR" sz="3600" dirty="0" smtClean="0">
+              <a:latin typeface="Courier New" panose="02070309020205020404" pitchFamily="49" charset="0"/>
+              <a:cs typeface="Courier New" panose="02070309020205020404" pitchFamily="49" charset="0"/>
+            </a:endParaRPr>
+          </a:p>
+          <a:p>
+            <a:pPr marL="0" indent="0">
+              <a:buNone/>
+            </a:pPr>
+            <a:r>
+              <a:rPr lang="fr-FR" sz="3600" dirty="0" err="1" smtClean="0">
+                <a:latin typeface="Courier New" panose="02070309020205020404" pitchFamily="49" charset="0"/>
+                <a:cs typeface="Courier New" panose="02070309020205020404" pitchFamily="49" charset="0"/>
+              </a:rPr>
+              <a:t>def</a:t>
+            </a:r>
+            <a:r>
+              <a:rPr lang="fr-FR" sz="3600" dirty="0" smtClean="0">
+                <a:latin typeface="Courier New" panose="02070309020205020404" pitchFamily="49" charset="0"/>
+                <a:cs typeface="Courier New" panose="02070309020205020404" pitchFamily="49" charset="0"/>
+              </a:rPr>
+              <a:t> f():</a:t>
+            </a:r>
+          </a:p>
+          <a:p>
+            <a:pPr marL="0" indent="0">
+              <a:buNone/>
+            </a:pPr>
+            <a:r>
+              <a:rPr lang="fr-FR" sz="3600" dirty="0" smtClean="0">
+                <a:latin typeface="Courier New" panose="02070309020205020404" pitchFamily="49" charset="0"/>
+                <a:cs typeface="Courier New" panose="02070309020205020404" pitchFamily="49" charset="0"/>
+              </a:rPr>
+              <a:t>    </a:t>
+            </a:r>
+            <a:r>
+              <a:rPr lang="fr-FR" sz="3600" dirty="0" err="1" smtClean="0">
+                <a:latin typeface="Courier New" panose="02070309020205020404" pitchFamily="49" charset="0"/>
+                <a:cs typeface="Courier New" panose="02070309020205020404" pitchFamily="49" charset="0"/>
+              </a:rPr>
+              <a:t>pass</a:t>
+            </a:r>
+            <a:endParaRPr lang="fr-FR" sz="3600" dirty="0" smtClean="0">
+              <a:latin typeface="Courier New" panose="02070309020205020404" pitchFamily="49" charset="0"/>
+              <a:cs typeface="Courier New" panose="02070309020205020404" pitchFamily="49" charset="0"/>
+            </a:endParaRPr>
+          </a:p>
+          <a:p>
+            <a:pPr marL="0" indent="0">
+              <a:buNone/>
+            </a:pPr>
+            <a:r>
+              <a:rPr lang="fr-FR" sz="3600" dirty="0" smtClean="0">
+                <a:latin typeface="Courier New" panose="02070309020205020404" pitchFamily="49" charset="0"/>
+                <a:cs typeface="Courier New" panose="02070309020205020404" pitchFamily="49" charset="0"/>
+              </a:rPr>
+              <a:t>f()</a:t>
+            </a:r>
+            <a:endParaRPr lang="fr-FR" sz="3600" dirty="0">
+              <a:latin typeface="Courier New" panose="02070309020205020404" pitchFamily="49" charset="0"/>
+              <a:cs typeface="Courier New" panose="02070309020205020404" pitchFamily="49" charset="0"/>
+            </a:endParaRPr>
+          </a:p>
+        </p:txBody>
+      </p:sp>
+      <p:sp>
+        <p:nvSpPr>
+          <p:cNvPr id="4" name="Espace réservé du contenu 2"/>
+          <p:cNvSpPr txBox="1">
+            <a:spLocks/>
+          </p:cNvSpPr>
+          <p:nvPr/>
+        </p:nvSpPr>
+        <p:spPr bwMode="auto">
+          <a:xfrm>
+            <a:off x="7209692" y="914400"/>
+            <a:ext cx="4982308" cy="3497579"/>
+          </a:xfrm>
+          <a:prstGeom prst="rect">
+            <a:avLst/>
+          </a:prstGeom>
+          <a:noFill/>
+          <a:ln>
+            <a:noFill/>
+          </a:ln>
+          <a:extLst>
+            <a:ext uri="{909E8E84-426E-40DD-AFC4-6F175D3DCCD1}">
+              <a14:hiddenFill xmlns:a14="http://schemas.microsoft.com/office/drawing/2010/main">
+                <a:solidFill>
+                  <a:srgbClr val="FFFFFF"/>
+                </a:solidFill>
+              </a14:hiddenFill>
+            </a:ext>
+            <a:ext uri="{91240B29-F687-4F45-9708-019B960494DF}">
+              <a14:hiddenLine xmlns:a14="http://schemas.microsoft.com/office/drawing/2010/main" w="9525">
+                <a:solidFill>
+                  <a:srgbClr val="000000"/>
+                </a:solidFill>
+                <a:miter lim="800000"/>
+                <a:headEnd/>
+                <a:tailEnd/>
+              </a14:hiddenLine>
+            </a:ext>
+          </a:extLst>
+        </p:spPr>
+        <p:txBody>
+          <a:bodyPr vert="horz" wrap="square" lIns="91440" tIns="45720" rIns="91440" bIns="45720" numCol="1" anchor="t" anchorCtr="0" compatLnSpc="1">
+            <a:prstTxWarp prst="textNoShape">
+              <a:avLst/>
+            </a:prstTxWarp>
+          </a:bodyPr>
+          <a:lstStyle>
+            <a:lvl1pPr marL="342900" indent="-342900" algn="l" rtl="0" eaLnBrk="0" fontAlgn="base" hangingPunct="0">
+              <a:spcBef>
+                <a:spcPct val="20000"/>
+              </a:spcBef>
+              <a:spcAft>
+                <a:spcPct val="0"/>
+              </a:spcAft>
+              <a:buFont typeface="Wingdings" pitchFamily="2" charset="2"/>
+              <a:buChar char="q"/>
+              <a:defRPr sz="3200">
+                <a:solidFill>
+                  <a:schemeClr val="tx1"/>
+                </a:solidFill>
+                <a:latin typeface="Calibri" pitchFamily="34" charset="0"/>
+                <a:ea typeface="+mn-ea"/>
+                <a:cs typeface="Calibri" pitchFamily="34" charset="0"/>
+              </a:defRPr>
+            </a:lvl1pPr>
+            <a:lvl2pPr marL="742950" indent="-285750" algn="l" rtl="0" eaLnBrk="0" fontAlgn="base" hangingPunct="0">
+              <a:spcBef>
+                <a:spcPct val="20000"/>
+              </a:spcBef>
+              <a:spcAft>
+                <a:spcPct val="0"/>
+              </a:spcAft>
+              <a:buFont typeface="Wingdings" pitchFamily="2" charset="2"/>
+              <a:buChar char="§"/>
+              <a:defRPr sz="2800">
+                <a:solidFill>
+                  <a:schemeClr val="tx1"/>
+                </a:solidFill>
+                <a:latin typeface="Calibri" pitchFamily="34" charset="0"/>
+                <a:cs typeface="Calibri" pitchFamily="34" charset="0"/>
+              </a:defRPr>
+            </a:lvl2pPr>
+            <a:lvl3pPr marL="1143000" indent="-228600" algn="l" rtl="0" eaLnBrk="0" fontAlgn="base" hangingPunct="0">
+              <a:spcBef>
+                <a:spcPct val="20000"/>
+              </a:spcBef>
+              <a:spcAft>
+                <a:spcPct val="0"/>
+              </a:spcAft>
+              <a:buChar char="•"/>
+              <a:defRPr sz="2400">
+                <a:solidFill>
+                  <a:schemeClr val="tx1"/>
+                </a:solidFill>
+                <a:latin typeface="Calibri" pitchFamily="34" charset="0"/>
+                <a:cs typeface="Calibri" pitchFamily="34" charset="0"/>
+              </a:defRPr>
+            </a:lvl3pPr>
+            <a:lvl4pPr marL="1600200" indent="-228600" algn="l" rtl="0" eaLnBrk="0" fontAlgn="base" hangingPunct="0">
+              <a:spcBef>
+                <a:spcPct val="20000"/>
+              </a:spcBef>
+              <a:spcAft>
+                <a:spcPct val="0"/>
+              </a:spcAft>
+              <a:buChar char="–"/>
+              <a:defRPr sz="2000">
+                <a:solidFill>
+                  <a:schemeClr val="tx1"/>
+                </a:solidFill>
+                <a:latin typeface="Calibri" pitchFamily="34" charset="0"/>
+                <a:cs typeface="Calibri" pitchFamily="34" charset="0"/>
+              </a:defRPr>
+            </a:lvl4pPr>
+            <a:lvl5pPr marL="2057400" indent="-228600" algn="l" rtl="0" eaLnBrk="0" fontAlgn="base" hangingPunct="0">
+              <a:spcBef>
+                <a:spcPct val="20000"/>
+              </a:spcBef>
+              <a:spcAft>
+                <a:spcPct val="0"/>
+              </a:spcAft>
+              <a:buChar char="»"/>
+              <a:defRPr sz="2000">
+                <a:solidFill>
+                  <a:schemeClr val="tx1"/>
+                </a:solidFill>
+                <a:latin typeface="Calibri" pitchFamily="34" charset="0"/>
+                <a:cs typeface="Calibri" pitchFamily="34" charset="0"/>
+              </a:defRPr>
+            </a:lvl5pPr>
+            <a:lvl6pPr marL="2514600" indent="-228600" algn="l" rtl="0" fontAlgn="base">
+              <a:spcBef>
+                <a:spcPct val="20000"/>
+              </a:spcBef>
+              <a:spcAft>
+                <a:spcPct val="0"/>
+              </a:spcAft>
+              <a:buChar char="»"/>
+              <a:defRPr sz="2000">
+                <a:solidFill>
+                  <a:schemeClr val="tx1"/>
+                </a:solidFill>
+                <a:latin typeface="+mn-lt"/>
+              </a:defRPr>
+            </a:lvl6pPr>
+            <a:lvl7pPr marL="2971800" indent="-228600" algn="l" rtl="0" fontAlgn="base">
+              <a:spcBef>
+                <a:spcPct val="20000"/>
+              </a:spcBef>
+              <a:spcAft>
+                <a:spcPct val="0"/>
+              </a:spcAft>
+              <a:buChar char="»"/>
+              <a:defRPr sz="2000">
+                <a:solidFill>
+                  <a:schemeClr val="tx1"/>
+                </a:solidFill>
+                <a:latin typeface="+mn-lt"/>
+              </a:defRPr>
+            </a:lvl7pPr>
+            <a:lvl8pPr marL="3429000" indent="-228600" algn="l" rtl="0" fontAlgn="base">
+              <a:spcBef>
+                <a:spcPct val="20000"/>
+              </a:spcBef>
+              <a:spcAft>
+                <a:spcPct val="0"/>
+              </a:spcAft>
+              <a:buChar char="»"/>
+              <a:defRPr sz="2000">
+                <a:solidFill>
+                  <a:schemeClr val="tx1"/>
+                </a:solidFill>
+                <a:latin typeface="+mn-lt"/>
+              </a:defRPr>
+            </a:lvl8pPr>
+            <a:lvl9pPr marL="3886200" indent="-228600" algn="l" rtl="0" fontAlgn="base">
+              <a:spcBef>
+                <a:spcPct val="20000"/>
+              </a:spcBef>
+              <a:spcAft>
+                <a:spcPct val="0"/>
+              </a:spcAft>
+              <a:buChar char="»"/>
+              <a:defRPr sz="2000">
+                <a:solidFill>
+                  <a:schemeClr val="tx1"/>
+                </a:solidFill>
+                <a:latin typeface="+mn-lt"/>
+              </a:defRPr>
+            </a:lvl9pPr>
+          </a:lstStyle>
+          <a:p>
+            <a:pPr marL="0" indent="0">
+              <a:buFont typeface="Wingdings" pitchFamily="2" charset="2"/>
+              <a:buNone/>
+            </a:pPr>
+            <a:r>
+              <a:rPr lang="fr-FR" sz="3600" kern="0" dirty="0" err="1" smtClean="0">
+                <a:latin typeface="Courier New" panose="02070309020205020404" pitchFamily="49" charset="0"/>
+                <a:cs typeface="Courier New" panose="02070309020205020404" pitchFamily="49" charset="0"/>
+              </a:rPr>
+              <a:t>def</a:t>
+            </a:r>
+            <a:r>
+              <a:rPr lang="fr-FR" sz="3600" kern="0" dirty="0" smtClean="0">
+                <a:latin typeface="Courier New" panose="02070309020205020404" pitchFamily="49" charset="0"/>
+                <a:cs typeface="Courier New" panose="02070309020205020404" pitchFamily="49" charset="0"/>
+              </a:rPr>
+              <a:t> f():</a:t>
+            </a:r>
+          </a:p>
+          <a:p>
+            <a:pPr marL="0" indent="0">
+              <a:buFont typeface="Wingdings" pitchFamily="2" charset="2"/>
+              <a:buNone/>
+            </a:pPr>
+            <a:r>
+              <a:rPr lang="fr-FR" sz="3600" kern="0" dirty="0" smtClean="0">
+                <a:latin typeface="Courier New" panose="02070309020205020404" pitchFamily="49" charset="0"/>
+                <a:cs typeface="Courier New" panose="02070309020205020404" pitchFamily="49" charset="0"/>
+              </a:rPr>
+              <a:t>    </a:t>
+            </a:r>
+            <a:r>
+              <a:rPr lang="fr-FR" sz="3600" kern="0" dirty="0" err="1" smtClean="0">
+                <a:latin typeface="Courier New" panose="02070309020205020404" pitchFamily="49" charset="0"/>
+                <a:cs typeface="Courier New" panose="02070309020205020404" pitchFamily="49" charset="0"/>
+              </a:rPr>
+              <a:t>pass</a:t>
+            </a:r>
+            <a:endParaRPr lang="fr-FR" sz="3600" kern="0" dirty="0" smtClean="0">
+              <a:latin typeface="Courier New" panose="02070309020205020404" pitchFamily="49" charset="0"/>
+              <a:cs typeface="Courier New" panose="02070309020205020404" pitchFamily="49" charset="0"/>
+            </a:endParaRPr>
+          </a:p>
+          <a:p>
+            <a:pPr marL="0" indent="0">
+              <a:buFont typeface="Wingdings" pitchFamily="2" charset="2"/>
+              <a:buNone/>
+            </a:pPr>
+            <a:r>
+              <a:rPr lang="fr-FR" sz="3600" kern="0" dirty="0" smtClean="0">
+                <a:latin typeface="Courier New" panose="02070309020205020404" pitchFamily="49" charset="0"/>
+                <a:cs typeface="Courier New" panose="02070309020205020404" pitchFamily="49" charset="0"/>
+              </a:rPr>
+              <a:t>f = </a:t>
+            </a:r>
+            <a:r>
+              <a:rPr lang="fr-FR" sz="3600" kern="0" dirty="0" err="1" smtClean="0">
+                <a:latin typeface="Courier New" panose="02070309020205020404" pitchFamily="49" charset="0"/>
+                <a:cs typeface="Courier New" panose="02070309020205020404" pitchFamily="49" charset="0"/>
+              </a:rPr>
+              <a:t>decorateur</a:t>
+            </a:r>
+            <a:r>
+              <a:rPr lang="fr-FR" sz="3600" kern="0" dirty="0" smtClean="0">
+                <a:latin typeface="Courier New" panose="02070309020205020404" pitchFamily="49" charset="0"/>
+                <a:cs typeface="Courier New" panose="02070309020205020404" pitchFamily="49" charset="0"/>
+              </a:rPr>
+              <a:t>(f)</a:t>
+            </a:r>
+          </a:p>
+          <a:p>
+            <a:pPr marL="0" indent="0">
+              <a:buFont typeface="Wingdings" pitchFamily="2" charset="2"/>
+              <a:buNone/>
+            </a:pPr>
+            <a:r>
+              <a:rPr lang="fr-FR" sz="3600" kern="0" dirty="0" smtClean="0">
+                <a:latin typeface="Courier New" panose="02070309020205020404" pitchFamily="49" charset="0"/>
+                <a:cs typeface="Courier New" panose="02070309020205020404" pitchFamily="49" charset="0"/>
+              </a:rPr>
+              <a:t>f()</a:t>
+            </a:r>
+            <a:endParaRPr lang="fr-FR" sz="3600" kern="0" dirty="0">
+              <a:latin typeface="Courier New" panose="02070309020205020404" pitchFamily="49" charset="0"/>
+              <a:cs typeface="Courier New" panose="02070309020205020404" pitchFamily="49" charset="0"/>
+            </a:endParaRPr>
+          </a:p>
+        </p:txBody>
+      </p:sp>
+      <p:sp>
+        <p:nvSpPr>
+          <p:cNvPr id="2" name="Double flèche horizontale 1"/>
+          <p:cNvSpPr/>
+          <p:nvPr/>
+        </p:nvSpPr>
+        <p:spPr bwMode="auto">
+          <a:xfrm>
+            <a:off x="4659923" y="2360294"/>
+            <a:ext cx="2162908" cy="605790"/>
+          </a:xfrm>
+          <a:prstGeom prst="leftRightArrow">
+            <a:avLst/>
+          </a:prstGeom>
+          <a:noFill/>
+          <a:ln w="38100" cap="flat" cmpd="sng" algn="ctr">
+            <a:solidFill>
+              <a:schemeClr val="tx1"/>
+            </a:solidFill>
+            <a:prstDash val="solid"/>
+            <a:round/>
+            <a:headEnd type="none" w="med" len="med"/>
+            <a:tailEnd type="triangle" w="lg" len="lg"/>
+          </a:ln>
+          <a:effectLst/>
+        </p:spPr>
+        <p:txBody>
+          <a:bodyPr rtlCol="0" anchor="ctr"/>
+          <a:lstStyle/>
+          <a:p>
+            <a:pPr algn="ctr"/>
+            <a:endParaRPr lang="fr-FR"/>
+          </a:p>
+        </p:txBody>
+      </p:sp>
+      <p:sp>
+        <p:nvSpPr>
+          <p:cNvPr id="5" name="ZoneTexte 4"/>
+          <p:cNvSpPr txBox="1"/>
+          <p:nvPr/>
+        </p:nvSpPr>
+        <p:spPr>
+          <a:xfrm>
+            <a:off x="678180" y="4218549"/>
+            <a:ext cx="7111805" cy="2308324"/>
+          </a:xfrm>
+          <a:prstGeom prst="rect">
+            <a:avLst/>
+          </a:prstGeom>
+          <a:noFill/>
+        </p:spPr>
+        <p:txBody>
+          <a:bodyPr wrap="square" rtlCol="0">
+            <a:spAutoFit/>
+          </a:bodyPr>
+          <a:lstStyle/>
+          <a:p>
+            <a:r>
+              <a:rPr lang="fr-FR" sz="4800" dirty="0" smtClean="0">
+                <a:latin typeface="Courier New" panose="02070309020205020404" pitchFamily="49" charset="0"/>
+                <a:cs typeface="Courier New" panose="02070309020205020404" pitchFamily="49" charset="0"/>
+              </a:rPr>
+              <a:t>f</a:t>
+            </a:r>
+            <a:r>
+              <a:rPr lang="fr-FR" sz="4800" dirty="0" smtClean="0">
+                <a:latin typeface="Calibri" panose="020F0502020204030204" pitchFamily="34" charset="0"/>
+              </a:rPr>
+              <a:t> n’est plus la fonction, mais l’objet retourné par </a:t>
+            </a:r>
+            <a:r>
+              <a:rPr lang="fr-FR" sz="4800" dirty="0" err="1" smtClean="0">
+                <a:latin typeface="Courier New" panose="02070309020205020404" pitchFamily="49" charset="0"/>
+                <a:cs typeface="Courier New" panose="02070309020205020404" pitchFamily="49" charset="0"/>
+              </a:rPr>
+              <a:t>decorateur</a:t>
+            </a:r>
+            <a:r>
+              <a:rPr lang="fr-FR" sz="4800" dirty="0" smtClean="0">
+                <a:latin typeface="Courier New" panose="02070309020205020404" pitchFamily="49" charset="0"/>
+                <a:cs typeface="Courier New" panose="02070309020205020404" pitchFamily="49" charset="0"/>
+              </a:rPr>
+              <a:t>(f)</a:t>
+            </a:r>
+            <a:endParaRPr lang="fr-FR" sz="4800" dirty="0">
+              <a:latin typeface="Courier New" panose="02070309020205020404" pitchFamily="49" charset="0"/>
+              <a:cs typeface="Courier New" panose="02070309020205020404" pitchFamily="49" charset="0"/>
+            </a:endParaRPr>
+          </a:p>
+        </p:txBody>
+      </p:sp>
+    </p:spTree>
+    <p:extLst>
+      <p:ext uri="{BB962C8B-B14F-4D97-AF65-F5344CB8AC3E}">
+        <p14:creationId xmlns:p14="http://schemas.microsoft.com/office/powerpoint/2010/main" val="4095704033"/>
+      </p:ext>
+    </p:extLst>
+  </p:cSld>
+  <p:clrMapOvr>
+    <a:masterClrMapping/>
+  </p:clrMapOvr>
+  <p:timing>
+    <p:tnLst>
+      <p:par>
+        <p:cTn id="1" dur="indefinite" restart="never" nodeType="tmRoot">
+          <p:childTnLst>
+            <p:seq concurrent="1" nextAc="seek">
+              <p:cTn id="2" dur="indefinite" nodeType="mainSeq">
+                <p:childTnLst>
                   <p:par>
-                    <p:cTn id="36" fill="hold">
+                    <p:cTn id="3" fill="hold">
                       <p:stCondLst>
                         <p:cond delay="indefinite"/>
                       </p:stCondLst>
                       <p:childTnLst>
                         <p:par>
-                          <p:cTn id="37" fill="hold">
+                          <p:cTn id="4" fill="hold">
                             <p:stCondLst>
                               <p:cond delay="0"/>
                             </p:stCondLst>
                             <p:childTnLst>
                               <p:par>
-                                <p:cTn id="38" presetID="10" presetClass="entr" presetSubtype="0" fill="hold" grpId="0" nodeType="clickEffect">
+                                <p:cTn id="5" presetID="10" presetClass="entr" presetSubtype="0" fill="hold" nodeType="clickEffect">
                                   <p:stCondLst>
                                     <p:cond delay="0"/>
                                   </p:stCondLst>
                                   <p:childTnLst>
                                     <p:set>
                                       <p:cBhvr>
-                                        <p:cTn id="39" dur="1" fill="hold">
+                                        <p:cTn id="6" dur="1" fill="hold">
+                                          <p:stCondLst>
+                                            <p:cond delay="0"/>
+                                          </p:stCondLst>
+                                        </p:cTn>
+                                        <p:tgtEl>
+                                          <p:spTgt spid="4">
+                                            <p:txEl>
+                                              <p:pRg st="0" end="0"/>
+                                            </p:txEl>
+                                          </p:spTgt>
+                                        </p:tgtEl>
+                                        <p:attrNameLst>
+                                          <p:attrName>style.visibility</p:attrName>
+                                        </p:attrNameLst>
+                                      </p:cBhvr>
+                                      <p:to>
+                                        <p:strVal val="visible"/>
+                                      </p:to>
+                                    </p:set>
+                                    <p:animEffect transition="in" filter="fade">
+                                      <p:cBhvr>
+                                        <p:cTn id="7" dur="500"/>
+                                        <p:tgtEl>
+                                          <p:spTgt spid="4">
+                                            <p:txEl>
+                                              <p:pRg st="0" end="0"/>
+                                            </p:txEl>
+                                          </p:spTgt>
+                                        </p:tgtEl>
+                                      </p:cBhvr>
+                                    </p:animEffect>
+                                  </p:childTnLst>
+                                </p:cTn>
+                              </p:par>
+                              <p:par>
+                                <p:cTn id="8" presetID="10" presetClass="entr" presetSubtype="0" fill="hold" nodeType="withEffect">
+                                  <p:stCondLst>
+                                    <p:cond delay="0"/>
+                                  </p:stCondLst>
+                                  <p:childTnLst>
+                                    <p:set>
+                                      <p:cBhvr>
+                                        <p:cTn id="9" dur="1" fill="hold">
+                                          <p:stCondLst>
+                                            <p:cond delay="0"/>
+                                          </p:stCondLst>
+                                        </p:cTn>
+                                        <p:tgtEl>
+                                          <p:spTgt spid="4">
+                                            <p:txEl>
+                                              <p:pRg st="1" end="1"/>
+                                            </p:txEl>
+                                          </p:spTgt>
+                                        </p:tgtEl>
+                                        <p:attrNameLst>
+                                          <p:attrName>style.visibility</p:attrName>
+                                        </p:attrNameLst>
+                                      </p:cBhvr>
+                                      <p:to>
+                                        <p:strVal val="visible"/>
+                                      </p:to>
+                                    </p:set>
+                                    <p:animEffect transition="in" filter="fade">
+                                      <p:cBhvr>
+                                        <p:cTn id="10" dur="500"/>
+                                        <p:tgtEl>
+                                          <p:spTgt spid="4">
+                                            <p:txEl>
+                                              <p:pRg st="1" end="1"/>
+                                            </p:txEl>
+                                          </p:spTgt>
+                                        </p:tgtEl>
+                                      </p:cBhvr>
+                                    </p:animEffect>
+                                  </p:childTnLst>
+                                </p:cTn>
+                              </p:par>
+                              <p:par>
+                                <p:cTn id="11" presetID="10" presetClass="entr" presetSubtype="0" fill="hold" nodeType="withEffect">
+                                  <p:stCondLst>
+                                    <p:cond delay="0"/>
+                                  </p:stCondLst>
+                                  <p:childTnLst>
+                                    <p:set>
+                                      <p:cBhvr>
+                                        <p:cTn id="12" dur="1" fill="hold">
+                                          <p:stCondLst>
+                                            <p:cond delay="0"/>
+                                          </p:stCondLst>
+                                        </p:cTn>
+                                        <p:tgtEl>
+                                          <p:spTgt spid="4">
+                                            <p:txEl>
+                                              <p:pRg st="2" end="2"/>
+                                            </p:txEl>
+                                          </p:spTgt>
+                                        </p:tgtEl>
+                                        <p:attrNameLst>
+                                          <p:attrName>style.visibility</p:attrName>
+                                        </p:attrNameLst>
+                                      </p:cBhvr>
+                                      <p:to>
+                                        <p:strVal val="visible"/>
+                                      </p:to>
+                                    </p:set>
+                                    <p:animEffect transition="in" filter="fade">
+                                      <p:cBhvr>
+                                        <p:cTn id="13" dur="500"/>
+                                        <p:tgtEl>
+                                          <p:spTgt spid="4">
+                                            <p:txEl>
+                                              <p:pRg st="2" end="2"/>
+                                            </p:txEl>
+                                          </p:spTgt>
+                                        </p:tgtEl>
+                                      </p:cBhvr>
+                                    </p:animEffect>
+                                  </p:childTnLst>
+                                </p:cTn>
+                              </p:par>
+                              <p:par>
+                                <p:cTn id="14" presetID="10" presetClass="entr" presetSubtype="0" fill="hold" nodeType="withEffect">
+                                  <p:stCondLst>
+                                    <p:cond delay="0"/>
+                                  </p:stCondLst>
+                                  <p:childTnLst>
+                                    <p:set>
+                                      <p:cBhvr>
+                                        <p:cTn id="15" dur="1" fill="hold">
+                                          <p:stCondLst>
+                                            <p:cond delay="0"/>
+                                          </p:stCondLst>
+                                        </p:cTn>
+                                        <p:tgtEl>
+                                          <p:spTgt spid="4">
+                                            <p:txEl>
+                                              <p:pRg st="3" end="3"/>
+                                            </p:txEl>
+                                          </p:spTgt>
+                                        </p:tgtEl>
+                                        <p:attrNameLst>
+                                          <p:attrName>style.visibility</p:attrName>
+                                        </p:attrNameLst>
+                                      </p:cBhvr>
+                                      <p:to>
+                                        <p:strVal val="visible"/>
+                                      </p:to>
+                                    </p:set>
+                                    <p:animEffect transition="in" filter="fade">
+                                      <p:cBhvr>
+                                        <p:cTn id="16" dur="500"/>
+                                        <p:tgtEl>
+                                          <p:spTgt spid="4">
+                                            <p:txEl>
+                                              <p:pRg st="3" end="3"/>
+                                            </p:txEl>
+                                          </p:spTgt>
+                                        </p:tgtEl>
+                                      </p:cBhvr>
+                                    </p:animEffect>
+                                  </p:childTnLst>
+                                </p:cTn>
+                              </p:par>
+                              <p:par>
+                                <p:cTn id="17" presetID="10" presetClass="entr" presetSubtype="0" fill="hold" grpId="0" nodeType="withEffect">
+                                  <p:stCondLst>
+                                    <p:cond delay="0"/>
+                                  </p:stCondLst>
+                                  <p:childTnLst>
+                                    <p:set>
+                                      <p:cBhvr>
+                                        <p:cTn id="18" dur="1" fill="hold">
                                           <p:stCondLst>
                                             <p:cond delay="0"/>
                                           </p:stCondLst>
@@ -7023,7 +8235,7 @@
                                     </p:set>
                                     <p:animEffect transition="in" filter="fade">
                                       <p:cBhvr>
-                                        <p:cTn id="40" dur="500"/>
+                                        <p:cTn id="19" dur="500"/>
                                         <p:tgtEl>
                                           <p:spTgt spid="2"/>
                                         </p:tgtEl>
@@ -7039,32 +8251,32 @@
                     </p:cTn>
                   </p:par>
                   <p:par>
-                    <p:cTn id="41" fill="hold">
+                    <p:cTn id="20" fill="hold">
                       <p:stCondLst>
                         <p:cond delay="indefinite"/>
                       </p:stCondLst>
                       <p:childTnLst>
                         <p:par>
-                          <p:cTn id="42" fill="hold">
+                          <p:cTn id="21" fill="hold">
                             <p:stCondLst>
                               <p:cond delay="0"/>
                             </p:stCondLst>
                             <p:childTnLst>
                               <p:par>
-                                <p:cTn id="43" presetID="10" presetClass="entr" presetSubtype="0" fill="hold" grpId="0" nodeType="clickEffect">
+                                <p:cTn id="22" presetID="10" presetClass="entr" presetSubtype="0" fill="hold" grpId="0" nodeType="clickEffect">
                                   <p:stCondLst>
                                     <p:cond delay="0"/>
                                   </p:stCondLst>
                                   <p:childTnLst>
                                     <p:set>
                                       <p:cBhvr>
-                                        <p:cTn id="44" dur="1" fill="hold">
+                                        <p:cTn id="23" dur="1" fill="hold">
                                           <p:stCondLst>
                                             <p:cond delay="0"/>
                                           </p:stCondLst>
                                         </p:cTn>
                                         <p:tgtEl>
-                                          <p:spTgt spid="4"/>
+                                          <p:spTgt spid="5"/>
                                         </p:tgtEl>
                                         <p:attrNameLst>
                                           <p:attrName>style.visibility</p:attrName>
@@ -7076,9 +8288,9 @@
                                     </p:set>
                                     <p:animEffect transition="in" filter="fade">
                                       <p:cBhvr>
-                                        <p:cTn id="45" dur="500"/>
+                                        <p:cTn id="24" dur="500"/>
                                         <p:tgtEl>
-                                          <p:spTgt spid="4"/>
+                                          <p:spTgt spid="5"/>
                                         </p:tgtEl>
                                       </p:cBhvr>
                                     </p:animEffect>
@@ -7114,13 +8326,13 @@
     </p:tnLst>
     <p:bldLst>
       <p:bldP spid="2" grpId="0" animBg="1"/>
-      <p:bldP spid="4" grpId="0" animBg="1"/>
+      <p:bldP spid="5" grpId="0"/>
     </p:bldLst>
   </p:timing>
 </p:sld>
 </file>
 
-<file path=ppt/slides/slide3.xml><?xml version="1.0" encoding="utf-8"?>
+<file path=ppt/slides/slide4.xml><?xml version="1.0" encoding="utf-8"?>
 <p:sld xmlns:a="http://schemas.openxmlformats.org/drawingml/2006/main" xmlns:r="http://schemas.openxmlformats.org/officeDocument/2006/relationships" xmlns:p="http://schemas.openxmlformats.org/presentationml/2006/main">
   <p:cSld>
     <p:spTree>
@@ -7139,187 +8351,65 @@
       </p:grpSpPr>
       <p:sp>
         <p:nvSpPr>
-          <p:cNvPr id="3" name="Espace réservé du contenu 2"/>
-          <p:cNvSpPr>
-            <a:spLocks noGrp="1"/>
-          </p:cNvSpPr>
-          <p:nvPr>
-            <p:ph idx="1"/>
-          </p:nvPr>
+          <p:cNvPr id="5" name="ZoneTexte 4"/>
+          <p:cNvSpPr txBox="1"/>
+          <p:nvPr/>
         </p:nvSpPr>
         <p:spPr>
           <a:xfrm>
-            <a:off x="609600" y="548641"/>
-            <a:ext cx="10972800" cy="5577524"/>
+            <a:off x="383859" y="534400"/>
+            <a:ext cx="11106614" cy="4093428"/>
           </a:xfrm>
+          <a:prstGeom prst="rect">
+            <a:avLst/>
+          </a:prstGeom>
+          <a:noFill/>
         </p:spPr>
         <p:txBody>
-          <a:bodyPr/>
+          <a:bodyPr wrap="square" rtlCol="0">
+            <a:spAutoFit/>
+          </a:bodyPr>
           <a:lstStyle/>
           <a:p>
-            <a:pPr marL="0" indent="0">
-              <a:buNone/>
-            </a:pPr>
-            <a:r>
-              <a:rPr lang="fr-FR" sz="3600" dirty="0" smtClean="0">
-                <a:latin typeface="Courier New" panose="02070309020205020404" pitchFamily="49" charset="0"/>
-                <a:cs typeface="Courier New" panose="02070309020205020404" pitchFamily="49" charset="0"/>
-              </a:rPr>
-              <a:t>@</a:t>
-            </a:r>
-            <a:r>
-              <a:rPr lang="fr-FR" sz="3600" dirty="0" err="1" smtClean="0">
-                <a:latin typeface="Courier New" panose="02070309020205020404" pitchFamily="49" charset="0"/>
-                <a:cs typeface="Courier New" panose="02070309020205020404" pitchFamily="49" charset="0"/>
-              </a:rPr>
-              <a:t>decorateur</a:t>
-            </a:r>
-            <a:endParaRPr lang="fr-FR" sz="3600" dirty="0" smtClean="0">
-              <a:latin typeface="Courier New" panose="02070309020205020404" pitchFamily="49" charset="0"/>
-              <a:cs typeface="Courier New" panose="02070309020205020404" pitchFamily="49" charset="0"/>
+            <a:r>
+              <a:rPr lang="fr-FR" sz="6000" dirty="0" smtClean="0">
+                <a:latin typeface="Calibri" panose="020F0502020204030204" pitchFamily="34" charset="0"/>
+              </a:rPr>
+              <a:t>Qu’est-ce qu’un décorateur ?</a:t>
+            </a:r>
+          </a:p>
+          <a:p>
+            <a:endParaRPr lang="fr-FR" sz="2000" dirty="0" smtClean="0">
+              <a:latin typeface="Calibri" panose="020F0502020204030204" pitchFamily="34" charset="0"/>
             </a:endParaRPr>
           </a:p>
           <a:p>
-            <a:pPr marL="0" indent="0">
-              <a:buNone/>
-            </a:pPr>
-            <a:r>
-              <a:rPr lang="fr-FR" sz="3600" dirty="0" err="1" smtClean="0">
-                <a:latin typeface="Courier New" panose="02070309020205020404" pitchFamily="49" charset="0"/>
-                <a:cs typeface="Courier New" panose="02070309020205020404" pitchFamily="49" charset="0"/>
-              </a:rPr>
-              <a:t>def</a:t>
-            </a:r>
-            <a:r>
-              <a:rPr lang="fr-FR" sz="3600" dirty="0" smtClean="0">
-                <a:latin typeface="Courier New" panose="02070309020205020404" pitchFamily="49" charset="0"/>
-                <a:cs typeface="Courier New" panose="02070309020205020404" pitchFamily="49" charset="0"/>
-              </a:rPr>
-              <a:t> f():</a:t>
-            </a:r>
-          </a:p>
-          <a:p>
-            <a:pPr marL="0" indent="0">
-              <a:buNone/>
-            </a:pPr>
-            <a:r>
-              <a:rPr lang="fr-FR" sz="3600" dirty="0" smtClean="0">
-                <a:latin typeface="Courier New" panose="02070309020205020404" pitchFamily="49" charset="0"/>
-                <a:cs typeface="Courier New" panose="02070309020205020404" pitchFamily="49" charset="0"/>
-              </a:rPr>
-              <a:t>    </a:t>
-            </a:r>
-            <a:r>
-              <a:rPr lang="fr-FR" sz="3600" dirty="0" err="1" smtClean="0">
-                <a:latin typeface="Courier New" panose="02070309020205020404" pitchFamily="49" charset="0"/>
-                <a:cs typeface="Courier New" panose="02070309020205020404" pitchFamily="49" charset="0"/>
-              </a:rPr>
-              <a:t>pass</a:t>
-            </a:r>
-            <a:endParaRPr lang="fr-FR" sz="3600" dirty="0" smtClean="0">
-              <a:latin typeface="Courier New" panose="02070309020205020404" pitchFamily="49" charset="0"/>
-              <a:cs typeface="Courier New" panose="02070309020205020404" pitchFamily="49" charset="0"/>
-            </a:endParaRPr>
-          </a:p>
-          <a:p>
-            <a:pPr marL="0" indent="0">
-              <a:buNone/>
-            </a:pPr>
-            <a:endParaRPr lang="fr-FR" sz="3600" dirty="0">
-              <a:latin typeface="Courier New" panose="02070309020205020404" pitchFamily="49" charset="0"/>
-              <a:cs typeface="Courier New" panose="02070309020205020404" pitchFamily="49" charset="0"/>
-            </a:endParaRPr>
-          </a:p>
-          <a:p>
-            <a:pPr marL="0" indent="0">
-              <a:buNone/>
-            </a:pPr>
-            <a:r>
-              <a:rPr lang="fr-FR" sz="3600" dirty="0" smtClean="0">
-                <a:cs typeface="Courier New" panose="02070309020205020404" pitchFamily="49" charset="0"/>
-              </a:rPr>
-              <a:t>C’est équivalent à </a:t>
-            </a:r>
-          </a:p>
-          <a:p>
-            <a:pPr marL="0" indent="0">
-              <a:buNone/>
-            </a:pPr>
-            <a:endParaRPr lang="fr-FR" sz="3600" dirty="0" smtClean="0">
-              <a:latin typeface="Courier New" panose="02070309020205020404" pitchFamily="49" charset="0"/>
-              <a:cs typeface="Courier New" panose="02070309020205020404" pitchFamily="49" charset="0"/>
-            </a:endParaRPr>
-          </a:p>
-          <a:p>
-            <a:pPr marL="0" indent="0">
-              <a:buNone/>
-            </a:pPr>
-            <a:r>
-              <a:rPr lang="fr-FR" sz="3600" dirty="0" err="1" smtClean="0">
-                <a:latin typeface="Courier New" panose="02070309020205020404" pitchFamily="49" charset="0"/>
-                <a:cs typeface="Courier New" panose="02070309020205020404" pitchFamily="49" charset="0"/>
-              </a:rPr>
-              <a:t>def</a:t>
-            </a:r>
-            <a:r>
-              <a:rPr lang="fr-FR" sz="3600" dirty="0" smtClean="0">
-                <a:latin typeface="Courier New" panose="02070309020205020404" pitchFamily="49" charset="0"/>
-                <a:cs typeface="Courier New" panose="02070309020205020404" pitchFamily="49" charset="0"/>
-              </a:rPr>
-              <a:t> f():</a:t>
-            </a:r>
-          </a:p>
-          <a:p>
-            <a:pPr marL="0" indent="0">
-              <a:buNone/>
-            </a:pPr>
-            <a:r>
-              <a:rPr lang="fr-FR" sz="3600" dirty="0" smtClean="0">
-                <a:latin typeface="Courier New" panose="02070309020205020404" pitchFamily="49" charset="0"/>
-                <a:cs typeface="Courier New" panose="02070309020205020404" pitchFamily="49" charset="0"/>
-              </a:rPr>
-              <a:t>    </a:t>
-            </a:r>
-            <a:r>
-              <a:rPr lang="fr-FR" sz="3600" dirty="0" err="1" smtClean="0">
-                <a:latin typeface="Courier New" panose="02070309020205020404" pitchFamily="49" charset="0"/>
-                <a:cs typeface="Courier New" panose="02070309020205020404" pitchFamily="49" charset="0"/>
-              </a:rPr>
-              <a:t>pass</a:t>
-            </a:r>
-            <a:endParaRPr lang="fr-FR" sz="3600" dirty="0" smtClean="0">
-              <a:latin typeface="Courier New" panose="02070309020205020404" pitchFamily="49" charset="0"/>
-              <a:cs typeface="Courier New" panose="02070309020205020404" pitchFamily="49" charset="0"/>
-            </a:endParaRPr>
-          </a:p>
-          <a:p>
-            <a:pPr marL="0" indent="0">
-              <a:buNone/>
-            </a:pPr>
-            <a:r>
-              <a:rPr lang="fr-FR" sz="3600" dirty="0" smtClean="0">
-                <a:latin typeface="Courier New" panose="02070309020205020404" pitchFamily="49" charset="0"/>
-                <a:cs typeface="Courier New" panose="02070309020205020404" pitchFamily="49" charset="0"/>
-              </a:rPr>
-              <a:t>f = </a:t>
-            </a:r>
-            <a:r>
-              <a:rPr lang="fr-FR" sz="3600" dirty="0" err="1" smtClean="0">
-                <a:latin typeface="Courier New" panose="02070309020205020404" pitchFamily="49" charset="0"/>
-                <a:cs typeface="Courier New" panose="02070309020205020404" pitchFamily="49" charset="0"/>
-              </a:rPr>
-              <a:t>decorateur</a:t>
-            </a:r>
-            <a:r>
-              <a:rPr lang="fr-FR" sz="3600" dirty="0" smtClean="0">
-                <a:latin typeface="Courier New" panose="02070309020205020404" pitchFamily="49" charset="0"/>
-                <a:cs typeface="Courier New" panose="02070309020205020404" pitchFamily="49" charset="0"/>
-              </a:rPr>
-              <a:t>(f)</a:t>
-            </a:r>
-            <a:endParaRPr lang="fr-FR" sz="3600" dirty="0">
-              <a:latin typeface="Courier New" panose="02070309020205020404" pitchFamily="49" charset="0"/>
-              <a:cs typeface="Courier New" panose="02070309020205020404" pitchFamily="49" charset="0"/>
+            <a:r>
+              <a:rPr lang="fr-FR" sz="6000" dirty="0" smtClean="0">
+                <a:latin typeface="Calibri" panose="020F0502020204030204" pitchFamily="34" charset="0"/>
+              </a:rPr>
+              <a:t>C’est un </a:t>
+            </a:r>
+            <a:r>
+              <a:rPr lang="fr-FR" sz="6000" i="1" dirty="0" err="1" smtClean="0">
+                <a:latin typeface="Calibri" panose="020F0502020204030204" pitchFamily="34" charset="0"/>
+              </a:rPr>
+              <a:t>callable</a:t>
+            </a:r>
+            <a:r>
+              <a:rPr lang="fr-FR" sz="6000" dirty="0" smtClean="0">
+                <a:latin typeface="Calibri" panose="020F0502020204030204" pitchFamily="34" charset="0"/>
+              </a:rPr>
+              <a:t> qui prend comme argument la fonction à décorer et retourne un </a:t>
+            </a:r>
+            <a:r>
+              <a:rPr lang="fr-FR" sz="6000" i="1" dirty="0" err="1" smtClean="0">
+                <a:latin typeface="Calibri" panose="020F0502020204030204" pitchFamily="34" charset="0"/>
+              </a:rPr>
+              <a:t>callable</a:t>
+            </a:r>
+            <a:endParaRPr lang="fr-FR" sz="6000" i="1" dirty="0">
+              <a:latin typeface="Calibri" panose="020F0502020204030204" pitchFamily="34" charset="0"/>
             </a:endParaRPr>
           </a:p>
         </p:txBody>
@@ -7327,7 +8417,7 @@
     </p:spTree>
     <p:extLst>
       <p:ext uri="{BB962C8B-B14F-4D97-AF65-F5344CB8AC3E}">
-        <p14:creationId xmlns:p14="http://schemas.microsoft.com/office/powerpoint/2010/main" val="4095704033"/>
+        <p14:creationId xmlns:p14="http://schemas.microsoft.com/office/powerpoint/2010/main" val="462092322"/>
       </p:ext>
     </p:extLst>
   </p:cSld>
@@ -7355,7 +8445,7 @@
                             </p:stCondLst>
                             <p:childTnLst>
                               <p:par>
-                                <p:cTn id="5" presetID="1" presetClass="entr" presetSubtype="0" fill="hold" nodeType="clickEffect">
+                                <p:cTn id="5" presetID="10" presetClass="entr" presetSubtype="0" fill="hold" nodeType="clickEffect">
                                   <p:stCondLst>
                                     <p:cond delay="0"/>
                                   </p:stCondLst>
@@ -7368,58 +8458,9 @@
                                           </p:stCondLst>
                                         </p:cTn>
                                         <p:tgtEl>
-                                          <p:spTgt spid="3">
+                                          <p:spTgt spid="5">
                                             <p:txEl>
-                                              <p:pRg st="4" end="4"/>
-                                            </p:txEl>
-                                          </p:spTgt>
-                                        </p:tgtEl>
-                                        <p:attrNameLst>
-                                          <p:attrName>style.visibility</p:attrName>
-                                        </p:attrNameLst>
-                                      </p:cBhvr>
-                                      <p:to>
-                                        <p:strVal val="visible"/>
-                                      </p:to>
-                                    </p:set>
-                                  </p:childTnLst>
-                                </p:cTn>
-                              </p:par>
-                            </p:childTnLst>
-                          </p:cTn>
-                        </p:par>
-                      </p:childTnLst>
-                    </p:cTn>
-                  </p:par>
-                  <p:par>
-                    <p:cTn id="7" fill="hold">
-                      <p:stCondLst>
-                        <p:cond delay="indefinite"/>
-                      </p:stCondLst>
-                      <p:childTnLst>
-                        <p:par>
-                          <p:cTn id="8" fill="hold">
-                            <p:stCondLst>
-                              <p:cond delay="0"/>
-                            </p:stCondLst>
-                            <p:childTnLst>
-                              <p:par>
-                                <p:cTn id="9" presetID="10" presetClass="entr" presetSubtype="0" fill="hold" nodeType="clickEffect">
-                                  <p:stCondLst>
-                                    <p:cond delay="0"/>
-                                  </p:stCondLst>
-                                  <p:childTnLst>
-                                    <p:set>
-                                      <p:cBhvr>
-                                        <p:cTn id="10" dur="1" fill="hold">
-                                          <p:stCondLst>
-                                            <p:cond delay="0"/>
-                                          </p:stCondLst>
-                                        </p:cTn>
-                                        <p:tgtEl>
-                                          <p:spTgt spid="3">
-                                            <p:txEl>
-                                              <p:pRg st="6" end="6"/>
+                                              <p:pRg st="2" end="2"/>
                                             </p:txEl>
                                           </p:spTgt>
                                         </p:tgtEl>
@@ -7433,97 +8474,11 @@
                                     </p:set>
                                     <p:animEffect transition="in" filter="fade">
                                       <p:cBhvr>
-                                        <p:cTn id="11" dur="500"/>
+                                        <p:cTn id="7" dur="500"/>
                                         <p:tgtEl>
-                                          <p:spTgt spid="3">
+                                          <p:spTgt spid="5">
                                             <p:txEl>
-                                              <p:pRg st="6" end="6"/>
-                                            </p:txEl>
-                                          </p:spTgt>
-                                        </p:tgtEl>
-                                      </p:cBhvr>
-                                    </p:animEffect>
-                                  </p:childTnLst>
-                                </p:cTn>
-                              </p:par>
-                              <p:par>
-                                <p:cTn id="12" presetID="10" presetClass="entr" presetSubtype="0" fill="hold" nodeType="withEffect">
-                                  <p:stCondLst>
-                                    <p:cond delay="0"/>
-                                  </p:stCondLst>
-                                  <p:childTnLst>
-                                    <p:set>
-                                      <p:cBhvr>
-                                        <p:cTn id="13" dur="1" fill="hold">
-                                          <p:stCondLst>
-                                            <p:cond delay="0"/>
-                                          </p:stCondLst>
-                                        </p:cTn>
-                                        <p:tgtEl>
-                                          <p:spTgt spid="3">
-                                            <p:txEl>
-                                              <p:pRg st="7" end="7"/>
-                                            </p:txEl>
-                                          </p:spTgt>
-                                        </p:tgtEl>
-                                        <p:attrNameLst>
-                                          <p:attrName>style.visibility</p:attrName>
-                                        </p:attrNameLst>
-                                      </p:cBhvr>
-                                      <p:to>
-                                        <p:strVal val="visible"/>
-                                      </p:to>
-                                    </p:set>
-                                    <p:animEffect transition="in" filter="fade">
-                                      <p:cBhvr>
-                                        <p:cTn id="14" dur="500"/>
-                                        <p:tgtEl>
-                                          <p:spTgt spid="3">
-                                            <p:txEl>
-                                              <p:pRg st="7" end="7"/>
-                                            </p:txEl>
-                                          </p:spTgt>
-                                        </p:tgtEl>
-                                      </p:cBhvr>
-                                    </p:animEffect>
-                                  </p:childTnLst>
-                                </p:cTn>
-                              </p:par>
-                              <p:par>
-                                <p:cTn id="15" presetID="10" presetClass="entr" presetSubtype="0" fill="hold" nodeType="withEffect">
-                                  <p:stCondLst>
-                                    <p:cond delay="0"/>
-                                  </p:stCondLst>
-                                  <p:childTnLst>
-                                    <p:set>
-                                      <p:cBhvr>
-                                        <p:cTn id="16" dur="1" fill="hold">
-                                          <p:stCondLst>
-                                            <p:cond delay="0"/>
-                                          </p:stCondLst>
-                                        </p:cTn>
-                                        <p:tgtEl>
-                                          <p:spTgt spid="3">
-                                            <p:txEl>
-                                              <p:pRg st="8" end="8"/>
-                                            </p:txEl>
-                                          </p:spTgt>
-                                        </p:tgtEl>
-                                        <p:attrNameLst>
-                                          <p:attrName>style.visibility</p:attrName>
-                                        </p:attrNameLst>
-                                      </p:cBhvr>
-                                      <p:to>
-                                        <p:strVal val="visible"/>
-                                      </p:to>
-                                    </p:set>
-                                    <p:animEffect transition="in" filter="fade">
-                                      <p:cBhvr>
-                                        <p:cTn id="17" dur="500"/>
-                                        <p:tgtEl>
-                                          <p:spTgt spid="3">
-                                            <p:txEl>
-                                              <p:pRg st="8" end="8"/>
+                                              <p:pRg st="2" end="2"/>
                                             </p:txEl>
                                           </p:spTgt>
                                         </p:tgtEl>
@@ -7563,7 +8518,7 @@
 </p:sld>
 </file>
 
-<file path=ppt/slides/slide4.xml><?xml version="1.0" encoding="utf-8"?>
+<file path=ppt/slides/slide5.xml><?xml version="1.0" encoding="utf-8"?>
 <p:sld xmlns:a="http://schemas.openxmlformats.org/drawingml/2006/main" xmlns:r="http://schemas.openxmlformats.org/officeDocument/2006/relationships" xmlns:p="http://schemas.openxmlformats.org/presentationml/2006/main">
   <p:cSld>
     <p:spTree>
@@ -7592,8 +8547,8 @@
         </p:nvSpPr>
         <p:spPr>
           <a:xfrm>
-            <a:off x="609600" y="548641"/>
-            <a:ext cx="10826044" cy="5997438"/>
+            <a:off x="398584" y="478303"/>
+            <a:ext cx="11582400" cy="5997438"/>
           </a:xfrm>
         </p:spPr>
         <p:txBody>
@@ -7604,25 +8559,19 @@
               <a:buNone/>
             </a:pPr>
             <a:r>
-              <a:rPr lang="fr-FR" sz="4400" dirty="0" smtClean="0">
-                <a:cs typeface="Courier New" panose="02070309020205020404" pitchFamily="49" charset="0"/>
-              </a:rPr>
-              <a:t>Qu’est-ce qu’</a:t>
-            </a:r>
-            <a:r>
-              <a:rPr lang="fr-FR" sz="4400" dirty="0" smtClean="0">
-                <a:cs typeface="Courier New" panose="02070309020205020404" pitchFamily="49" charset="0"/>
-              </a:rPr>
-              <a:t>un </a:t>
-            </a:r>
-            <a:r>
-              <a:rPr lang="fr-FR" sz="4400" i="1" dirty="0" err="1">
+              <a:rPr lang="fr-FR" sz="6000" dirty="0" smtClean="0">
+                <a:cs typeface="Courier New" panose="02070309020205020404" pitchFamily="49" charset="0"/>
+              </a:rPr>
+              <a:t>Qu’est-ce qu’un </a:t>
+            </a:r>
+            <a:r>
+              <a:rPr lang="fr-FR" sz="6000" i="1" dirty="0" err="1">
                 <a:cs typeface="Courier New" panose="02070309020205020404" pitchFamily="49" charset="0"/>
               </a:rPr>
               <a:t>callable</a:t>
             </a:r>
             <a:r>
-              <a:rPr lang="fr-FR" sz="4400" dirty="0">
+              <a:rPr lang="fr-FR" sz="6000" dirty="0">
                 <a:cs typeface="Courier New" panose="02070309020205020404" pitchFamily="49" charset="0"/>
               </a:rPr>
               <a:t> ?</a:t>
@@ -7632,27 +8581,41 @@
             <a:pPr marL="0" indent="0">
               <a:buNone/>
             </a:pPr>
-            <a:r>
-              <a:rPr lang="fr-FR" sz="4000" dirty="0">
-                <a:cs typeface="Courier New" panose="02070309020205020404" pitchFamily="49" charset="0"/>
-              </a:rPr>
-              <a:t>C’est un objet </a:t>
-            </a:r>
-            <a:r>
-              <a:rPr lang="fr-FR" sz="4000" dirty="0">
+            <a:endParaRPr lang="fr-FR" sz="2000" dirty="0" smtClean="0">
+              <a:cs typeface="Courier New" panose="02070309020205020404" pitchFamily="49" charset="0"/>
+            </a:endParaRPr>
+          </a:p>
+          <a:p>
+            <a:pPr marL="0" indent="0">
+              <a:buNone/>
+            </a:pPr>
+            <a:r>
+              <a:rPr lang="fr-FR" sz="6000" dirty="0" smtClean="0">
+                <a:cs typeface="Courier New" panose="02070309020205020404" pitchFamily="49" charset="0"/>
+              </a:rPr>
+              <a:t>C’est </a:t>
+            </a:r>
+            <a:r>
+              <a:rPr lang="fr-FR" sz="6000" dirty="0">
+                <a:cs typeface="Courier New" panose="02070309020205020404" pitchFamily="49" charset="0"/>
+              </a:rPr>
+              <a:t>un objet </a:t>
+            </a:r>
+            <a:r>
+              <a:rPr lang="fr-FR" sz="6000" dirty="0">
                 <a:latin typeface="Courier New" panose="02070309020205020404" pitchFamily="49" charset="0"/>
                 <a:cs typeface="Courier New" panose="02070309020205020404" pitchFamily="49" charset="0"/>
               </a:rPr>
               <a:t>O</a:t>
             </a:r>
             <a:r>
-              <a:rPr lang="fr-FR" sz="4000" dirty="0">
+              <a:rPr lang="fr-FR" sz="6000" dirty="0">
                 <a:cs typeface="Courier New" panose="02070309020205020404" pitchFamily="49" charset="0"/>
               </a:rPr>
               <a:t> que l’on peut appeler avec </a:t>
             </a:r>
             <a:r>
-              <a:rPr lang="fr-FR" sz="4000" dirty="0">
+              <a:rPr lang="fr-FR" sz="6000" dirty="0">
                 <a:latin typeface="Courier New" panose="02070309020205020404" pitchFamily="49" charset="0"/>
                 <a:cs typeface="Courier New" panose="02070309020205020404" pitchFamily="49" charset="0"/>
               </a:rPr>
@@ -7665,73 +8628,68 @@
               <a:buChar char="•"/>
             </a:pPr>
             <a:r>
-              <a:rPr lang="fr-FR" sz="3600" dirty="0" smtClean="0">
-                <a:cs typeface="Courier New" panose="02070309020205020404" pitchFamily="49" charset="0"/>
-              </a:rPr>
-              <a:t>fonction </a:t>
-            </a:r>
-            <a:r>
-              <a:rPr lang="fr-FR" sz="3600" dirty="0">
-                <a:cs typeface="Courier New" panose="02070309020205020404" pitchFamily="49" charset="0"/>
-              </a:rPr>
-              <a:t>ou </a:t>
-            </a:r>
-            <a:r>
-              <a:rPr lang="fr-FR" sz="3600" dirty="0" smtClean="0">
-                <a:cs typeface="Courier New" panose="02070309020205020404" pitchFamily="49" charset="0"/>
-              </a:rPr>
-              <a:t>classe </a:t>
-            </a:r>
-            <a:r>
-              <a:rPr lang="fr-FR" sz="3600" dirty="0">
-                <a:cs typeface="Courier New" panose="02070309020205020404" pitchFamily="49" charset="0"/>
-              </a:rPr>
-              <a:t>qui implémente </a:t>
-            </a:r>
-            <a:r>
-              <a:rPr lang="fr-FR" sz="3600" dirty="0">
-                <a:latin typeface="Courier New" panose="02070309020205020404" pitchFamily="49" charset="0"/>
-                <a:cs typeface="Courier New" panose="02070309020205020404" pitchFamily="49" charset="0"/>
-              </a:rPr>
-              <a:t>__call__</a:t>
-            </a:r>
-            <a:endParaRPr lang="fr-FR" dirty="0">
-              <a:latin typeface="Courier New" panose="02070309020205020404" pitchFamily="49" charset="0"/>
+              <a:rPr lang="fr-FR" sz="5400" dirty="0" smtClean="0">
+                <a:cs typeface="Courier New" panose="02070309020205020404" pitchFamily="49" charset="0"/>
+              </a:rPr>
+              <a:t>Fonction </a:t>
+            </a:r>
+            <a:endParaRPr lang="fr-FR" sz="5400" dirty="0" smtClean="0">
               <a:cs typeface="Courier New" panose="02070309020205020404" pitchFamily="49" charset="0"/>
             </a:endParaRPr>
           </a:p>
           <a:p>
-            <a:pPr marL="0" indent="0">
-              <a:buNone/>
+            <a:pPr lvl="1">
+              <a:buFont typeface="Arial" panose="020B0604020202020204" pitchFamily="34" charset="0"/>
+              <a:buChar char="•"/>
             </a:pPr>
             <a:r>
-              <a:rPr lang="fr-FR" sz="4400" dirty="0" smtClean="0">
-                <a:cs typeface="Courier New" panose="02070309020205020404" pitchFamily="49" charset="0"/>
-              </a:rPr>
-              <a:t>Qu’est-ce qu’un </a:t>
-            </a:r>
-            <a:r>
-              <a:rPr lang="fr-FR" sz="4400" dirty="0" smtClean="0">
-                <a:cs typeface="Courier New" panose="02070309020205020404" pitchFamily="49" charset="0"/>
-              </a:rPr>
-              <a:t>décorateur ?</a:t>
-            </a:r>
-          </a:p>
-          <a:p>
-            <a:pPr marL="0" indent="0">
-              <a:buNone/>
-            </a:pPr>
-            <a:r>
-              <a:rPr lang="fr-FR" sz="4000" dirty="0" smtClean="0">
-                <a:latin typeface="Courier New" panose="02070309020205020404" pitchFamily="49" charset="0"/>
-                <a:cs typeface="Courier New" panose="02070309020205020404" pitchFamily="49" charset="0"/>
-              </a:rPr>
-              <a:t>f(a, b) &lt;=&gt; </a:t>
-            </a:r>
-            <a:endParaRPr lang="fr-FR" sz="4000" dirty="0">
-              <a:latin typeface="Courier New" panose="02070309020205020404" pitchFamily="49" charset="0"/>
-              <a:cs typeface="Courier New" panose="02070309020205020404" pitchFamily="49" charset="0"/>
-            </a:endParaRPr>
+              <a:rPr lang="fr-FR" sz="5400" dirty="0">
+                <a:cs typeface="Courier New" panose="02070309020205020404" pitchFamily="49" charset="0"/>
+              </a:rPr>
+              <a:t>I</a:t>
+            </a:r>
+            <a:r>
+              <a:rPr lang="fr-FR" sz="5400" dirty="0" smtClean="0">
+                <a:cs typeface="Courier New" panose="02070309020205020404" pitchFamily="49" charset="0"/>
+              </a:rPr>
+              <a:t>nstance d’une </a:t>
+            </a:r>
+            <a:r>
+              <a:rPr lang="fr-FR" sz="5400" dirty="0" smtClean="0">
+                <a:cs typeface="Courier New" panose="02070309020205020404" pitchFamily="49" charset="0"/>
+              </a:rPr>
+              <a:t>classe </a:t>
+            </a:r>
+            <a:r>
+              <a:rPr lang="fr-FR" sz="5400" dirty="0">
+                <a:cs typeface="Courier New" panose="02070309020205020404" pitchFamily="49" charset="0"/>
+              </a:rPr>
+              <a:t>qui </a:t>
+            </a:r>
+            <a:r>
+              <a:rPr lang="fr-FR" sz="5400" dirty="0" smtClean="0">
+                <a:cs typeface="Courier New" panose="02070309020205020404" pitchFamily="49" charset="0"/>
+              </a:rPr>
+              <a:t/>
+            </a:r>
+            <a:br>
+              <a:rPr lang="fr-FR" sz="5400" dirty="0" smtClean="0">
+                <a:cs typeface="Courier New" panose="02070309020205020404" pitchFamily="49" charset="0"/>
+              </a:rPr>
+            </a:br>
+            <a:r>
+              <a:rPr lang="fr-FR" sz="5400" dirty="0" smtClean="0">
+                <a:cs typeface="Courier New" panose="02070309020205020404" pitchFamily="49" charset="0"/>
+              </a:rPr>
+              <a:t>implémente </a:t>
+            </a:r>
+            <a:r>
+              <a:rPr lang="fr-FR" sz="5400" dirty="0">
+                <a:latin typeface="Courier New" panose="02070309020205020404" pitchFamily="49" charset="0"/>
+                <a:cs typeface="Courier New" panose="02070309020205020404" pitchFamily="49" charset="0"/>
+              </a:rPr>
+              <a:t>__call__</a:t>
+            </a:r>
           </a:p>
           <a:p>
             <a:pPr marL="0" indent="0">
@@ -7776,228 +8734,6 @@
               </a:solidFill>
               <a:cs typeface="Courier New" panose="02070309020205020404" pitchFamily="49" charset="0"/>
             </a:endParaRPr>
-          </a:p>
-        </p:txBody>
-      </p:sp>
-      <p:sp>
-        <p:nvSpPr>
-          <p:cNvPr id="5" name="Accolade fermante 4"/>
-          <p:cNvSpPr/>
-          <p:nvPr/>
-        </p:nvSpPr>
-        <p:spPr bwMode="auto">
-          <a:xfrm rot="5400000">
-            <a:off x="2392601" y="3112156"/>
-            <a:ext cx="521910" cy="3850849"/>
-          </a:xfrm>
-          <a:prstGeom prst="rightBrace">
-            <a:avLst/>
-          </a:prstGeom>
-          <a:noFill/>
-          <a:ln w="38100" cap="flat" cmpd="sng" algn="ctr">
-            <a:solidFill>
-              <a:srgbClr val="FF0000"/>
-            </a:solidFill>
-            <a:prstDash val="solid"/>
-            <a:round/>
-            <a:headEnd type="none" w="med" len="med"/>
-            <a:tailEnd type="none" w="lg" len="lg"/>
-          </a:ln>
-          <a:effectLst/>
-        </p:spPr>
-        <p:txBody>
-          <a:bodyPr rtlCol="0" anchor="ctr"/>
-          <a:lstStyle/>
-          <a:p>
-            <a:pPr algn="ctr"/>
-            <a:endParaRPr lang="fr-FR">
-              <a:solidFill>
-                <a:srgbClr val="FF0000"/>
-              </a:solidFill>
-            </a:endParaRPr>
-          </a:p>
-        </p:txBody>
-      </p:sp>
-      <p:sp>
-        <p:nvSpPr>
-          <p:cNvPr id="6" name="ZoneTexte 5"/>
-          <p:cNvSpPr txBox="1"/>
-          <p:nvPr/>
-        </p:nvSpPr>
-        <p:spPr>
-          <a:xfrm>
-            <a:off x="2653556" y="6012488"/>
-            <a:ext cx="3443781" cy="707886"/>
-          </a:xfrm>
-          <a:prstGeom prst="rect">
-            <a:avLst/>
-          </a:prstGeom>
-          <a:noFill/>
-        </p:spPr>
-        <p:txBody>
-          <a:bodyPr wrap="square" rtlCol="0">
-            <a:spAutoFit/>
-          </a:bodyPr>
-          <a:lstStyle/>
-          <a:p>
-            <a:r>
-              <a:rPr lang="fr-FR" sz="4000" dirty="0" smtClean="0">
-                <a:solidFill>
-                  <a:srgbClr val="FF0000"/>
-                </a:solidFill>
-                <a:latin typeface="Courier New" panose="02070309020205020404" pitchFamily="49" charset="0"/>
-                <a:cs typeface="Courier New" panose="02070309020205020404" pitchFamily="49" charset="0"/>
-              </a:rPr>
-              <a:t>O</a:t>
-            </a:r>
-            <a:r>
-              <a:rPr lang="fr-FR" sz="4000" dirty="0" smtClean="0">
-                <a:solidFill>
-                  <a:srgbClr val="00B050"/>
-                </a:solidFill>
-                <a:latin typeface="Courier New" panose="02070309020205020404" pitchFamily="49" charset="0"/>
-                <a:cs typeface="Courier New" panose="02070309020205020404" pitchFamily="49" charset="0"/>
-              </a:rPr>
-              <a:t>(a, b)</a:t>
-            </a:r>
-            <a:endParaRPr lang="fr-FR" sz="4000" dirty="0">
-              <a:solidFill>
-                <a:srgbClr val="00B050"/>
-              </a:solidFill>
-              <a:latin typeface="Courier New" panose="02070309020205020404" pitchFamily="49" charset="0"/>
-              <a:cs typeface="Courier New" panose="02070309020205020404" pitchFamily="49" charset="0"/>
-            </a:endParaRPr>
-          </a:p>
-        </p:txBody>
-      </p:sp>
-      <p:sp>
-        <p:nvSpPr>
-          <p:cNvPr id="7" name="Accolade fermante 6"/>
-          <p:cNvSpPr/>
-          <p:nvPr/>
-        </p:nvSpPr>
-        <p:spPr bwMode="auto">
-          <a:xfrm rot="5400000">
-            <a:off x="5336180" y="4296643"/>
-            <a:ext cx="521910" cy="1485825"/>
-          </a:xfrm>
-          <a:prstGeom prst="rightBrace">
-            <a:avLst/>
-          </a:prstGeom>
-          <a:noFill/>
-          <a:ln w="38100" cap="flat" cmpd="sng" algn="ctr">
-            <a:solidFill>
-              <a:srgbClr val="00B050"/>
-            </a:solidFill>
-            <a:prstDash val="solid"/>
-            <a:round/>
-            <a:headEnd type="none" w="med" len="med"/>
-            <a:tailEnd type="none" w="lg" len="lg"/>
-          </a:ln>
-          <a:effectLst/>
-        </p:spPr>
-        <p:txBody>
-          <a:bodyPr rtlCol="0" anchor="ctr"/>
-          <a:lstStyle/>
-          <a:p>
-            <a:pPr algn="ctr"/>
-            <a:endParaRPr lang="fr-FR"/>
-          </a:p>
-        </p:txBody>
-      </p:sp>
-      <p:cxnSp>
-        <p:nvCxnSpPr>
-          <p:cNvPr id="9" name="Connecteur droit avec flèche 8"/>
-          <p:cNvCxnSpPr/>
-          <p:nvPr/>
-        </p:nvCxnSpPr>
-        <p:spPr bwMode="auto">
-          <a:xfrm>
-            <a:off x="2750181" y="5422710"/>
-            <a:ext cx="124178" cy="722489"/>
-          </a:xfrm>
-          <a:prstGeom prst="straightConnector1">
-            <a:avLst/>
-          </a:prstGeom>
-          <a:noFill/>
-          <a:ln w="38100" cap="flat" cmpd="sng" algn="ctr">
-            <a:solidFill>
-              <a:schemeClr val="tx1"/>
-            </a:solidFill>
-            <a:prstDash val="solid"/>
-            <a:round/>
-            <a:headEnd type="none" w="med" len="med"/>
-            <a:tailEnd type="triangle" w="lg" len="lg"/>
-          </a:ln>
-          <a:effectLst/>
-        </p:spPr>
-      </p:cxnSp>
-      <p:cxnSp>
-        <p:nvCxnSpPr>
-          <p:cNvPr id="12" name="Connecteur droit avec flèche 11"/>
-          <p:cNvCxnSpPr/>
-          <p:nvPr/>
-        </p:nvCxnSpPr>
-        <p:spPr bwMode="auto">
-          <a:xfrm flipH="1">
-            <a:off x="4116137" y="5329543"/>
-            <a:ext cx="1343378" cy="815656"/>
-          </a:xfrm>
-          <a:prstGeom prst="straightConnector1">
-            <a:avLst/>
-          </a:prstGeom>
-          <a:noFill/>
-          <a:ln w="38100" cap="flat" cmpd="sng" algn="ctr">
-            <a:solidFill>
-              <a:schemeClr val="tx1"/>
-            </a:solidFill>
-            <a:prstDash val="solid"/>
-            <a:round/>
-            <a:headEnd type="none" w="med" len="med"/>
-            <a:tailEnd type="triangle" w="lg" len="lg"/>
-          </a:ln>
-          <a:effectLst/>
-        </p:spPr>
-      </p:cxnSp>
-      <p:sp>
-        <p:nvSpPr>
-          <p:cNvPr id="17" name="ZoneTexte 16"/>
-          <p:cNvSpPr txBox="1"/>
-          <p:nvPr/>
-        </p:nvSpPr>
-        <p:spPr>
-          <a:xfrm>
-            <a:off x="609600" y="4164293"/>
-            <a:ext cx="6170714" cy="707886"/>
-          </a:xfrm>
-          <a:prstGeom prst="rect">
-            <a:avLst/>
-          </a:prstGeom>
-          <a:noFill/>
-        </p:spPr>
-        <p:txBody>
-          <a:bodyPr wrap="square" rtlCol="0">
-            <a:spAutoFit/>
-          </a:bodyPr>
-          <a:lstStyle/>
-          <a:p>
-            <a:pPr marL="0" indent="0">
-              <a:buNone/>
-            </a:pPr>
-            <a:r>
-              <a:rPr lang="fr-FR" sz="4000" dirty="0" err="1">
-                <a:latin typeface="Courier New" panose="02070309020205020404" pitchFamily="49" charset="0"/>
-                <a:cs typeface="Courier New" panose="02070309020205020404" pitchFamily="49" charset="0"/>
-              </a:rPr>
-              <a:t>decorateur</a:t>
-            </a:r>
-            <a:r>
-              <a:rPr lang="fr-FR" sz="4000" dirty="0">
-                <a:latin typeface="Courier New" panose="02070309020205020404" pitchFamily="49" charset="0"/>
-                <a:cs typeface="Courier New" panose="02070309020205020404" pitchFamily="49" charset="0"/>
-              </a:rPr>
-              <a:t>(f)(a, b)</a:t>
-            </a:r>
           </a:p>
         </p:txBody>
       </p:sp>
@@ -8047,7 +8783,7 @@
                                         <p:tgtEl>
                                           <p:spTgt spid="3">
                                             <p:txEl>
-                                              <p:pRg st="1" end="1"/>
+                                              <p:pRg st="2" end="2"/>
                                             </p:txEl>
                                           </p:spTgt>
                                         </p:tgtEl>
@@ -8065,7 +8801,7 @@
                                         <p:tgtEl>
                                           <p:spTgt spid="3">
                                             <p:txEl>
-                                              <p:pRg st="1" end="1"/>
+                                              <p:pRg st="2" end="2"/>
                                             </p:txEl>
                                           </p:spTgt>
                                         </p:tgtEl>
@@ -8108,7 +8844,7 @@
                                         <p:tgtEl>
                                           <p:spTgt spid="3">
                                             <p:txEl>
-                                              <p:pRg st="2" end="2"/>
+                                              <p:pRg st="3" end="3"/>
                                             </p:txEl>
                                           </p:spTgt>
                                         </p:tgtEl>
@@ -8126,7 +8862,7 @@
                                         <p:tgtEl>
                                           <p:spTgt spid="3">
                                             <p:txEl>
-                                              <p:pRg st="2" end="2"/>
+                                              <p:pRg st="3" end="3"/>
                                             </p:txEl>
                                           </p:spTgt>
                                         </p:tgtEl>
@@ -8169,7 +8905,7 @@
                                         <p:tgtEl>
                                           <p:spTgt spid="3">
                                             <p:txEl>
-                                              <p:pRg st="3" end="3"/>
+                                              <p:pRg st="4" end="4"/>
                                             </p:txEl>
                                           </p:spTgt>
                                         </p:tgtEl>
@@ -8187,334 +8923,9 @@
                                         <p:tgtEl>
                                           <p:spTgt spid="3">
                                             <p:txEl>
-                                              <p:pRg st="3" end="3"/>
-                                            </p:txEl>
-                                          </p:spTgt>
-                                        </p:tgtEl>
-                                      </p:cBhvr>
-                                    </p:animEffect>
-                                  </p:childTnLst>
-                                </p:cTn>
-                              </p:par>
-                            </p:childTnLst>
-                          </p:cTn>
-                        </p:par>
-                      </p:childTnLst>
-                    </p:cTn>
-                  </p:par>
-                  <p:par>
-                    <p:cTn id="18" fill="hold">
-                      <p:stCondLst>
-                        <p:cond delay="indefinite"/>
-                      </p:stCondLst>
-                      <p:childTnLst>
-                        <p:par>
-                          <p:cTn id="19" fill="hold">
-                            <p:stCondLst>
-                              <p:cond delay="0"/>
-                            </p:stCondLst>
-                            <p:childTnLst>
-                              <p:par>
-                                <p:cTn id="20" presetID="10" presetClass="entr" presetSubtype="0" fill="hold" nodeType="clickEffect">
-                                  <p:stCondLst>
-                                    <p:cond delay="0"/>
-                                  </p:stCondLst>
-                                  <p:childTnLst>
-                                    <p:set>
-                                      <p:cBhvr>
-                                        <p:cTn id="21" dur="1" fill="hold">
-                                          <p:stCondLst>
-                                            <p:cond delay="0"/>
-                                          </p:stCondLst>
-                                        </p:cTn>
-                                        <p:tgtEl>
-                                          <p:spTgt spid="3">
-                                            <p:txEl>
                                               <p:pRg st="4" end="4"/>
                                             </p:txEl>
                                           </p:spTgt>
-                                        </p:tgtEl>
-                                        <p:attrNameLst>
-                                          <p:attrName>style.visibility</p:attrName>
-                                        </p:attrNameLst>
-                                      </p:cBhvr>
-                                      <p:to>
-                                        <p:strVal val="visible"/>
-                                      </p:to>
-                                    </p:set>
-                                    <p:animEffect transition="in" filter="fade">
-                                      <p:cBhvr>
-                                        <p:cTn id="22" dur="500"/>
-                                        <p:tgtEl>
-                                          <p:spTgt spid="3">
-                                            <p:txEl>
-                                              <p:pRg st="4" end="4"/>
-                                            </p:txEl>
-                                          </p:spTgt>
-                                        </p:tgtEl>
-                                      </p:cBhvr>
-                                    </p:animEffect>
-                                  </p:childTnLst>
-                                </p:cTn>
-                              </p:par>
-                              <p:par>
-                                <p:cTn id="23" presetID="10" presetClass="entr" presetSubtype="0" fill="hold" grpId="0" nodeType="withEffect">
-                                  <p:stCondLst>
-                                    <p:cond delay="0"/>
-                                  </p:stCondLst>
-                                  <p:childTnLst>
-                                    <p:set>
-                                      <p:cBhvr>
-                                        <p:cTn id="24" dur="1" fill="hold">
-                                          <p:stCondLst>
-                                            <p:cond delay="0"/>
-                                          </p:stCondLst>
-                                        </p:cTn>
-                                        <p:tgtEl>
-                                          <p:spTgt spid="17"/>
-                                        </p:tgtEl>
-                                        <p:attrNameLst>
-                                          <p:attrName>style.visibility</p:attrName>
-                                        </p:attrNameLst>
-                                      </p:cBhvr>
-                                      <p:to>
-                                        <p:strVal val="visible"/>
-                                      </p:to>
-                                    </p:set>
-                                    <p:animEffect transition="in" filter="fade">
-                                      <p:cBhvr>
-                                        <p:cTn id="25" dur="500"/>
-                                        <p:tgtEl>
-                                          <p:spTgt spid="17"/>
-                                        </p:tgtEl>
-                                      </p:cBhvr>
-                                    </p:animEffect>
-                                  </p:childTnLst>
-                                </p:cTn>
-                              </p:par>
-                            </p:childTnLst>
-                          </p:cTn>
-                        </p:par>
-                      </p:childTnLst>
-                    </p:cTn>
-                  </p:par>
-                  <p:par>
-                    <p:cTn id="26" fill="hold">
-                      <p:stCondLst>
-                        <p:cond delay="indefinite"/>
-                      </p:stCondLst>
-                      <p:childTnLst>
-                        <p:par>
-                          <p:cTn id="27" fill="hold">
-                            <p:stCondLst>
-                              <p:cond delay="0"/>
-                            </p:stCondLst>
-                            <p:childTnLst>
-                              <p:par>
-                                <p:cTn id="28" presetID="10" presetClass="entr" presetSubtype="0" fill="hold" grpId="0" nodeType="clickEffect">
-                                  <p:stCondLst>
-                                    <p:cond delay="0"/>
-                                  </p:stCondLst>
-                                  <p:childTnLst>
-                                    <p:set>
-                                      <p:cBhvr>
-                                        <p:cTn id="29" dur="1" fill="hold">
-                                          <p:stCondLst>
-                                            <p:cond delay="0"/>
-                                          </p:stCondLst>
-                                        </p:cTn>
-                                        <p:tgtEl>
-                                          <p:spTgt spid="5"/>
-                                        </p:tgtEl>
-                                        <p:attrNameLst>
-                                          <p:attrName>style.visibility</p:attrName>
-                                        </p:attrNameLst>
-                                      </p:cBhvr>
-                                      <p:to>
-                                        <p:strVal val="visible"/>
-                                      </p:to>
-                                    </p:set>
-                                    <p:animEffect transition="in" filter="fade">
-                                      <p:cBhvr>
-                                        <p:cTn id="30" dur="500"/>
-                                        <p:tgtEl>
-                                          <p:spTgt spid="5"/>
-                                        </p:tgtEl>
-                                      </p:cBhvr>
-                                    </p:animEffect>
-                                  </p:childTnLst>
-                                </p:cTn>
-                              </p:par>
-                            </p:childTnLst>
-                          </p:cTn>
-                        </p:par>
-                      </p:childTnLst>
-                    </p:cTn>
-                  </p:par>
-                  <p:par>
-                    <p:cTn id="31" fill="hold">
-                      <p:stCondLst>
-                        <p:cond delay="indefinite"/>
-                      </p:stCondLst>
-                      <p:childTnLst>
-                        <p:par>
-                          <p:cTn id="32" fill="hold">
-                            <p:stCondLst>
-                              <p:cond delay="0"/>
-                            </p:stCondLst>
-                            <p:childTnLst>
-                              <p:par>
-                                <p:cTn id="33" presetID="10" presetClass="entr" presetSubtype="0" fill="hold" grpId="0" nodeType="clickEffect">
-                                  <p:stCondLst>
-                                    <p:cond delay="0"/>
-                                  </p:stCondLst>
-                                  <p:childTnLst>
-                                    <p:set>
-                                      <p:cBhvr>
-                                        <p:cTn id="34" dur="1" fill="hold">
-                                          <p:stCondLst>
-                                            <p:cond delay="0"/>
-                                          </p:stCondLst>
-                                        </p:cTn>
-                                        <p:tgtEl>
-                                          <p:spTgt spid="7"/>
-                                        </p:tgtEl>
-                                        <p:attrNameLst>
-                                          <p:attrName>style.visibility</p:attrName>
-                                        </p:attrNameLst>
-                                      </p:cBhvr>
-                                      <p:to>
-                                        <p:strVal val="visible"/>
-                                      </p:to>
-                                    </p:set>
-                                    <p:animEffect transition="in" filter="fade">
-                                      <p:cBhvr>
-                                        <p:cTn id="35" dur="500"/>
-                                        <p:tgtEl>
-                                          <p:spTgt spid="7"/>
-                                        </p:tgtEl>
-                                      </p:cBhvr>
-                                    </p:animEffect>
-                                  </p:childTnLst>
-                                </p:cTn>
-                              </p:par>
-                            </p:childTnLst>
-                          </p:cTn>
-                        </p:par>
-                      </p:childTnLst>
-                    </p:cTn>
-                  </p:par>
-                  <p:par>
-                    <p:cTn id="36" fill="hold">
-                      <p:stCondLst>
-                        <p:cond delay="indefinite"/>
-                      </p:stCondLst>
-                      <p:childTnLst>
-                        <p:par>
-                          <p:cTn id="37" fill="hold">
-                            <p:stCondLst>
-                              <p:cond delay="0"/>
-                            </p:stCondLst>
-                            <p:childTnLst>
-                              <p:par>
-                                <p:cTn id="38" presetID="10" presetClass="entr" presetSubtype="0" fill="hold" nodeType="clickEffect">
-                                  <p:stCondLst>
-                                    <p:cond delay="0"/>
-                                  </p:stCondLst>
-                                  <p:childTnLst>
-                                    <p:set>
-                                      <p:cBhvr>
-                                        <p:cTn id="39" dur="1" fill="hold">
-                                          <p:stCondLst>
-                                            <p:cond delay="0"/>
-                                          </p:stCondLst>
-                                        </p:cTn>
-                                        <p:tgtEl>
-                                          <p:spTgt spid="9"/>
-                                        </p:tgtEl>
-                                        <p:attrNameLst>
-                                          <p:attrName>style.visibility</p:attrName>
-                                        </p:attrNameLst>
-                                      </p:cBhvr>
-                                      <p:to>
-                                        <p:strVal val="visible"/>
-                                      </p:to>
-                                    </p:set>
-                                    <p:animEffect transition="in" filter="fade">
-                                      <p:cBhvr>
-                                        <p:cTn id="40" dur="500"/>
-                                        <p:tgtEl>
-                                          <p:spTgt spid="9"/>
-                                        </p:tgtEl>
-                                      </p:cBhvr>
-                                    </p:animEffect>
-                                  </p:childTnLst>
-                                </p:cTn>
-                              </p:par>
-                              <p:par>
-                                <p:cTn id="41" presetID="10" presetClass="entr" presetSubtype="0" fill="hold" nodeType="withEffect">
-                                  <p:stCondLst>
-                                    <p:cond delay="0"/>
-                                  </p:stCondLst>
-                                  <p:childTnLst>
-                                    <p:set>
-                                      <p:cBhvr>
-                                        <p:cTn id="42" dur="1" fill="hold">
-                                          <p:stCondLst>
-                                            <p:cond delay="0"/>
-                                          </p:stCondLst>
-                                        </p:cTn>
-                                        <p:tgtEl>
-                                          <p:spTgt spid="12"/>
-                                        </p:tgtEl>
-                                        <p:attrNameLst>
-                                          <p:attrName>style.visibility</p:attrName>
-                                        </p:attrNameLst>
-                                      </p:cBhvr>
-                                      <p:to>
-                                        <p:strVal val="visible"/>
-                                      </p:to>
-                                    </p:set>
-                                    <p:animEffect transition="in" filter="fade">
-                                      <p:cBhvr>
-                                        <p:cTn id="43" dur="500"/>
-                                        <p:tgtEl>
-                                          <p:spTgt spid="12"/>
-                                        </p:tgtEl>
-                                      </p:cBhvr>
-                                    </p:animEffect>
-                                  </p:childTnLst>
-                                </p:cTn>
-                              </p:par>
-                              <p:par>
-                                <p:cTn id="44" presetID="10" presetClass="entr" presetSubtype="0" fill="hold" grpId="0" nodeType="withEffect">
-                                  <p:stCondLst>
-                                    <p:cond delay="0"/>
-                                  </p:stCondLst>
-                                  <p:childTnLst>
-                                    <p:set>
-                                      <p:cBhvr>
-                                        <p:cTn id="45" dur="1" fill="hold">
-                                          <p:stCondLst>
-                                            <p:cond delay="0"/>
-                                          </p:stCondLst>
-                                        </p:cTn>
-                                        <p:tgtEl>
-                                          <p:spTgt spid="6"/>
-                                        </p:tgtEl>
-                                        <p:attrNameLst>
-                                          <p:attrName>style.visibility</p:attrName>
-                                        </p:attrNameLst>
-                                      </p:cBhvr>
-                                      <p:to>
-                                        <p:strVal val="visible"/>
-                                      </p:to>
-                                    </p:set>
-                                    <p:animEffect transition="in" filter="fade">
-                                      <p:cBhvr>
-                                        <p:cTn id="46" dur="500"/>
-                                        <p:tgtEl>
-                                          <p:spTgt spid="6"/>
                                         </p:tgtEl>
                                       </p:cBhvr>
                                     </p:animEffect>
@@ -8548,17 +8959,11 @@
         </p:cTn>
       </p:par>
     </p:tnLst>
-    <p:bldLst>
-      <p:bldP spid="5" grpId="0" animBg="1"/>
-      <p:bldP spid="6" grpId="0"/>
-      <p:bldP spid="7" grpId="0" animBg="1"/>
-      <p:bldP spid="17" grpId="0"/>
-    </p:bldLst>
   </p:timing>
 </p:sld>
 </file>
 
-<file path=ppt/slides/slide5.xml><?xml version="1.0" encoding="utf-8"?>
+<file path=ppt/slides/slide6.xml><?xml version="1.0" encoding="utf-8"?>
 <p:sld xmlns:a="http://schemas.openxmlformats.org/drawingml/2006/main" xmlns:r="http://schemas.openxmlformats.org/officeDocument/2006/relationships" xmlns:p="http://schemas.openxmlformats.org/presentationml/2006/main">
   <p:cSld>
     <p:spTree>
@@ -8587,8 +8992,8 @@
         </p:nvSpPr>
         <p:spPr>
           <a:xfrm>
-            <a:off x="609600" y="548641"/>
-            <a:ext cx="11582400" cy="3733799"/>
+            <a:off x="293077" y="196948"/>
+            <a:ext cx="11383108" cy="5577524"/>
           </a:xfrm>
         </p:spPr>
         <p:txBody>
@@ -8599,34 +9004,41 @@
               <a:buNone/>
             </a:pPr>
             <a:r>
-              <a:rPr lang="fr-FR" sz="4400" dirty="0" smtClean="0">
-                <a:cs typeface="Courier New" panose="02070309020205020404" pitchFamily="49" charset="0"/>
-              </a:rPr>
-              <a:t>Comment implémenter un décorateur ? </a:t>
-            </a:r>
+              <a:rPr lang="fr-FR" sz="4800" dirty="0" smtClean="0">
+                <a:latin typeface="Courier New" panose="02070309020205020404" pitchFamily="49" charset="0"/>
+                <a:cs typeface="Courier New" panose="02070309020205020404" pitchFamily="49" charset="0"/>
+              </a:rPr>
+              <a:t>@</a:t>
+            </a:r>
+            <a:r>
+              <a:rPr lang="fr-FR" sz="4800" dirty="0" err="1" smtClean="0">
+                <a:latin typeface="Courier New" panose="02070309020205020404" pitchFamily="49" charset="0"/>
+                <a:cs typeface="Courier New" panose="02070309020205020404" pitchFamily="49" charset="0"/>
+              </a:rPr>
+              <a:t>decorateur</a:t>
+            </a:r>
+            <a:endParaRPr lang="fr-FR" sz="4800" dirty="0" smtClean="0">
+              <a:latin typeface="Courier New" panose="02070309020205020404" pitchFamily="49" charset="0"/>
+              <a:cs typeface="Courier New" panose="02070309020205020404" pitchFamily="49" charset="0"/>
+            </a:endParaRPr>
           </a:p>
           <a:p>
             <a:pPr marL="0" indent="0">
               <a:buNone/>
             </a:pPr>
             <a:r>
-              <a:rPr lang="fr-FR" sz="3600" dirty="0" smtClean="0">
-                <a:cs typeface="Courier New" panose="02070309020205020404" pitchFamily="49" charset="0"/>
-              </a:rPr>
-              <a:t>Soit une fonction </a:t>
-            </a:r>
-            <a:r>
-              <a:rPr lang="fr-FR" sz="3600" dirty="0" err="1" smtClean="0">
-                <a:latin typeface="Courier New" panose="02070309020205020404" pitchFamily="49" charset="0"/>
-                <a:cs typeface="Courier New" panose="02070309020205020404" pitchFamily="49" charset="0"/>
-              </a:rPr>
-              <a:t>decorateur</a:t>
-            </a:r>
-            <a:r>
-              <a:rPr lang="fr-FR" sz="3600" dirty="0" smtClean="0">
-                <a:cs typeface="Courier New" panose="02070309020205020404" pitchFamily="49" charset="0"/>
-              </a:rPr>
-              <a:t> qui prend comme argument une fonction et retourne une fonction</a:t>
+              <a:rPr lang="fr-FR" sz="4800" dirty="0" err="1" smtClean="0">
+                <a:latin typeface="Courier New" panose="02070309020205020404" pitchFamily="49" charset="0"/>
+                <a:cs typeface="Courier New" panose="02070309020205020404" pitchFamily="49" charset="0"/>
+              </a:rPr>
+              <a:t>def</a:t>
+            </a:r>
+            <a:r>
+              <a:rPr lang="fr-FR" sz="4800" dirty="0" smtClean="0">
+                <a:latin typeface="Courier New" panose="02070309020205020404" pitchFamily="49" charset="0"/>
+                <a:cs typeface="Courier New" panose="02070309020205020404" pitchFamily="49" charset="0"/>
+              </a:rPr>
+              <a:t> f(a, b):</a:t>
             </a:r>
           </a:p>
           <a:p>
@@ -8634,109 +9046,199 @@
               <a:buNone/>
             </a:pPr>
             <a:r>
-              <a:rPr lang="fr-FR" sz="3600" dirty="0" smtClean="0">
-                <a:cs typeface="Courier New" panose="02070309020205020404" pitchFamily="49" charset="0"/>
-              </a:rPr>
-              <a:t>Soit </a:t>
-            </a:r>
-            <a:r>
-              <a:rPr lang="fr-FR" sz="3600" dirty="0">
-                <a:cs typeface="Courier New" panose="02070309020205020404" pitchFamily="49" charset="0"/>
-              </a:rPr>
-              <a:t>u</a:t>
-            </a:r>
-            <a:r>
-              <a:rPr lang="fr-FR" sz="3600" dirty="0" smtClean="0">
-                <a:cs typeface="Courier New" panose="02070309020205020404" pitchFamily="49" charset="0"/>
-              </a:rPr>
-              <a:t>ne classe </a:t>
-            </a:r>
-            <a:r>
-              <a:rPr lang="fr-FR" sz="3600" dirty="0" err="1" smtClean="0">
-                <a:latin typeface="Courier New" panose="02070309020205020404" pitchFamily="49" charset="0"/>
-                <a:cs typeface="Courier New" panose="02070309020205020404" pitchFamily="49" charset="0"/>
-              </a:rPr>
-              <a:t>decorateur</a:t>
-            </a:r>
-            <a:r>
-              <a:rPr lang="fr-FR" sz="3600" dirty="0" smtClean="0">
-                <a:cs typeface="Courier New" panose="02070309020205020404" pitchFamily="49" charset="0"/>
-              </a:rPr>
-              <a:t> qui implémente les méthodes </a:t>
-            </a:r>
-          </a:p>
-          <a:p>
-            <a:pPr lvl="2">
+              <a:rPr lang="fr-FR" sz="4800" dirty="0" smtClean="0">
+                <a:latin typeface="Courier New" panose="02070309020205020404" pitchFamily="49" charset="0"/>
+                <a:cs typeface="Courier New" panose="02070309020205020404" pitchFamily="49" charset="0"/>
+              </a:rPr>
+              <a:t>    </a:t>
+            </a:r>
+            <a:r>
+              <a:rPr lang="fr-FR" sz="4800" dirty="0" err="1" smtClean="0">
+                <a:latin typeface="Courier New" panose="02070309020205020404" pitchFamily="49" charset="0"/>
+                <a:cs typeface="Courier New" panose="02070309020205020404" pitchFamily="49" charset="0"/>
+              </a:rPr>
+              <a:t>pass</a:t>
+            </a:r>
+            <a:endParaRPr lang="fr-FR" sz="4800" dirty="0" smtClean="0">
+              <a:latin typeface="Courier New" panose="02070309020205020404" pitchFamily="49" charset="0"/>
+              <a:cs typeface="Courier New" panose="02070309020205020404" pitchFamily="49" charset="0"/>
+            </a:endParaRPr>
+          </a:p>
+          <a:p>
+            <a:pPr marL="0" indent="0">
+              <a:buNone/>
+            </a:pPr>
+            <a:endParaRPr lang="fr-FR" sz="1400" dirty="0" smtClean="0">
+              <a:latin typeface="Courier New" panose="02070309020205020404" pitchFamily="49" charset="0"/>
+              <a:cs typeface="Courier New" panose="02070309020205020404" pitchFamily="49" charset="0"/>
+            </a:endParaRPr>
+          </a:p>
+          <a:p>
+            <a:pPr>
               <a:buFont typeface="Arial" panose="020B0604020202020204" pitchFamily="34" charset="0"/>
               <a:buChar char="•"/>
             </a:pPr>
             <a:r>
-              <a:rPr lang="fr-FR" sz="3200" dirty="0" smtClean="0">
-                <a:latin typeface="Courier New" panose="02070309020205020404" pitchFamily="49" charset="0"/>
-                <a:cs typeface="Courier New" panose="02070309020205020404" pitchFamily="49" charset="0"/>
-              </a:rPr>
-              <a:t>__</a:t>
-            </a:r>
-            <a:r>
-              <a:rPr lang="fr-FR" sz="3200" dirty="0" err="1" smtClean="0">
-                <a:latin typeface="Courier New" panose="02070309020205020404" pitchFamily="49" charset="0"/>
-                <a:cs typeface="Courier New" panose="02070309020205020404" pitchFamily="49" charset="0"/>
-              </a:rPr>
-              <a:t>init</a:t>
-            </a:r>
-            <a:r>
-              <a:rPr lang="fr-FR" sz="3200" dirty="0" smtClean="0">
-                <a:latin typeface="Courier New" panose="02070309020205020404" pitchFamily="49" charset="0"/>
-                <a:cs typeface="Courier New" panose="02070309020205020404" pitchFamily="49" charset="0"/>
-              </a:rPr>
-              <a:t>__() </a:t>
-            </a:r>
-            <a:r>
-              <a:rPr lang="fr-FR" sz="3200" dirty="0" smtClean="0">
-                <a:cs typeface="Courier New" panose="02070309020205020404" pitchFamily="49" charset="0"/>
-              </a:rPr>
-              <a:t>qui reçoit la fonction</a:t>
-            </a:r>
-          </a:p>
-          <a:p>
-            <a:pPr lvl="2">
+              <a:rPr lang="fr-FR" sz="4800" dirty="0" err="1" smtClean="0">
+                <a:latin typeface="Courier New" panose="02070309020205020404" pitchFamily="49" charset="0"/>
+                <a:cs typeface="Courier New" panose="02070309020205020404" pitchFamily="49" charset="0"/>
+              </a:rPr>
+              <a:t>decorateur</a:t>
+            </a:r>
+            <a:r>
+              <a:rPr lang="fr-FR" sz="4800" dirty="0" smtClean="0">
+                <a:latin typeface="Courier New" panose="02070309020205020404" pitchFamily="49" charset="0"/>
+                <a:cs typeface="Courier New" panose="02070309020205020404" pitchFamily="49" charset="0"/>
+              </a:rPr>
+              <a:t>(f</a:t>
+            </a:r>
+            <a:r>
+              <a:rPr lang="fr-FR" sz="4800" dirty="0" smtClean="0">
+                <a:latin typeface="Courier New" panose="02070309020205020404" pitchFamily="49" charset="0"/>
+                <a:cs typeface="Courier New" panose="02070309020205020404" pitchFamily="49" charset="0"/>
+              </a:rPr>
+              <a:t>) </a:t>
+            </a:r>
+            <a:r>
+              <a:rPr lang="fr-FR" sz="4800" dirty="0" smtClean="0">
+                <a:cs typeface="Courier New" panose="02070309020205020404" pitchFamily="49" charset="0"/>
+              </a:rPr>
+              <a:t>retourne un </a:t>
+            </a:r>
+            <a:r>
+              <a:rPr lang="fr-FR" sz="4800" dirty="0" err="1" smtClean="0">
+                <a:cs typeface="Courier New" panose="02070309020205020404" pitchFamily="49" charset="0"/>
+              </a:rPr>
+              <a:t>callable</a:t>
+            </a:r>
+            <a:r>
+              <a:rPr lang="fr-FR" sz="4800" dirty="0" smtClean="0">
+                <a:latin typeface="Courier New" panose="02070309020205020404" pitchFamily="49" charset="0"/>
+                <a:cs typeface="Courier New" panose="02070309020205020404" pitchFamily="49" charset="0"/>
+              </a:rPr>
+              <a:t> O</a:t>
+            </a:r>
+          </a:p>
+          <a:p>
+            <a:pPr>
               <a:buFont typeface="Arial" panose="020B0604020202020204" pitchFamily="34" charset="0"/>
               <a:buChar char="•"/>
             </a:pPr>
             <a:r>
-              <a:rPr lang="fr-FR" sz="3200" dirty="0" smtClean="0">
-                <a:latin typeface="Courier New" panose="02070309020205020404" pitchFamily="49" charset="0"/>
-                <a:cs typeface="Courier New" panose="02070309020205020404" pitchFamily="49" charset="0"/>
-              </a:rPr>
-              <a:t>__call__() </a:t>
-            </a:r>
-            <a:r>
-              <a:rPr lang="fr-FR" sz="3200" dirty="0" smtClean="0">
-                <a:cs typeface="Courier New" panose="02070309020205020404" pitchFamily="49" charset="0"/>
-              </a:rPr>
-              <a:t>qui reçoit les arguments de la fonction</a:t>
-            </a:r>
-          </a:p>
-          <a:p>
-            <a:pPr marL="914400" lvl="2" indent="0">
+              <a:rPr lang="fr-FR" sz="4800" dirty="0" smtClean="0">
+                <a:latin typeface="Courier New" panose="02070309020205020404" pitchFamily="49" charset="0"/>
+                <a:cs typeface="Courier New" panose="02070309020205020404" pitchFamily="49" charset="0"/>
+              </a:rPr>
+              <a:t>f(a, b) </a:t>
+            </a:r>
+            <a:r>
+              <a:rPr lang="fr-FR" sz="4800" dirty="0" smtClean="0">
+                <a:cs typeface="Courier New" panose="02070309020205020404" pitchFamily="49" charset="0"/>
+              </a:rPr>
+              <a:t>appelle en réalité </a:t>
+            </a:r>
+            <a:r>
+              <a:rPr lang="fr-FR" sz="4800" dirty="0" smtClean="0">
+                <a:latin typeface="Courier New" panose="02070309020205020404" pitchFamily="49" charset="0"/>
+                <a:cs typeface="Courier New" panose="02070309020205020404" pitchFamily="49" charset="0"/>
+              </a:rPr>
+              <a:t>O(a, b)</a:t>
+            </a:r>
+          </a:p>
+          <a:p>
+            <a:pPr marL="0" indent="0">
               <a:buNone/>
             </a:pPr>
-            <a:endParaRPr lang="fr-FR" sz="3200" dirty="0">
+            <a:endParaRPr lang="fr-FR" sz="4800" dirty="0">
+              <a:latin typeface="Courier New" panose="02070309020205020404" pitchFamily="49" charset="0"/>
               <a:cs typeface="Courier New" panose="02070309020205020404" pitchFamily="49" charset="0"/>
             </a:endParaRPr>
           </a:p>
+          <a:p>
+            <a:pPr marL="0" indent="0">
+              <a:buNone/>
+            </a:pPr>
+            <a:endParaRPr lang="fr-FR" sz="4800" dirty="0" smtClean="0">
+              <a:latin typeface="Courier New" panose="02070309020205020404" pitchFamily="49" charset="0"/>
+              <a:cs typeface="Courier New" panose="02070309020205020404" pitchFamily="49" charset="0"/>
+            </a:endParaRPr>
+          </a:p>
+          <a:p>
+            <a:pPr marL="0" indent="0">
+              <a:buNone/>
+            </a:pPr>
+            <a:endParaRPr lang="fr-FR" sz="4800" dirty="0" smtClean="0">
+              <a:latin typeface="Courier New" panose="02070309020205020404" pitchFamily="49" charset="0"/>
+              <a:cs typeface="Courier New" panose="02070309020205020404" pitchFamily="49" charset="0"/>
+            </a:endParaRPr>
+          </a:p>
+          <a:p>
+            <a:pPr marL="0" indent="0">
+              <a:buNone/>
+            </a:pPr>
+            <a:endParaRPr lang="fr-FR" sz="4800" dirty="0" smtClean="0">
+              <a:latin typeface="Courier New" panose="02070309020205020404" pitchFamily="49" charset="0"/>
+              <a:cs typeface="Courier New" panose="02070309020205020404" pitchFamily="49" charset="0"/>
+            </a:endParaRPr>
+          </a:p>
+          <a:p>
+            <a:pPr marL="0" indent="0">
+              <a:buNone/>
+            </a:pPr>
+            <a:endParaRPr lang="fr-FR" sz="4800" dirty="0">
+              <a:latin typeface="Courier New" panose="02070309020205020404" pitchFamily="49" charset="0"/>
+              <a:cs typeface="Courier New" panose="02070309020205020404" pitchFamily="49" charset="0"/>
+            </a:endParaRPr>
+          </a:p>
         </p:txBody>
       </p:sp>
+    </p:spTree>
+    <p:extLst>
+      <p:ext uri="{BB962C8B-B14F-4D97-AF65-F5344CB8AC3E}">
+        <p14:creationId xmlns:p14="http://schemas.microsoft.com/office/powerpoint/2010/main" val="3549462054"/>
+      </p:ext>
+    </p:extLst>
+  </p:cSld>
+  <p:clrMapOvr>
+    <a:masterClrMapping/>
+  </p:clrMapOvr>
+  <p:timing>
+    <p:tnLst>
+      <p:par>
+        <p:cTn id="1" dur="indefinite" restart="never" nodeType="tmRoot"/>
+      </p:par>
+    </p:tnLst>
+  </p:timing>
+</p:sld>
+</file>
+
+<file path=ppt/slides/slide7.xml><?xml version="1.0" encoding="utf-8"?>
+<p:sld xmlns:a="http://schemas.openxmlformats.org/drawingml/2006/main" xmlns:r="http://schemas.openxmlformats.org/officeDocument/2006/relationships" xmlns:p="http://schemas.openxmlformats.org/presentationml/2006/main">
+  <p:cSld>
+    <p:spTree>
+      <p:nvGrpSpPr>
+        <p:cNvPr id="1" name=""/>
+        <p:cNvGrpSpPr/>
+        <p:nvPr/>
+      </p:nvGrpSpPr>
+      <p:grpSpPr>
+        <a:xfrm>
+          <a:off x="0" y="0"/>
+          <a:ext cx="0" cy="0"/>
+          <a:chOff x="0" y="0"/>
+          <a:chExt cx="0" cy="0"/>
+        </a:xfrm>
+      </p:grpSpPr>
       <p:sp>
         <p:nvSpPr>
-          <p:cNvPr id="2" name="ZoneTexte 1"/>
+          <p:cNvPr id="5" name="ZoneTexte 4"/>
           <p:cNvSpPr txBox="1"/>
           <p:nvPr/>
         </p:nvSpPr>
         <p:spPr>
           <a:xfrm>
-            <a:off x="121920" y="4549676"/>
-            <a:ext cx="4236720" cy="2308324"/>
+            <a:off x="401444" y="428892"/>
+            <a:ext cx="11106614" cy="4093428"/>
           </a:xfrm>
           <a:prstGeom prst="rect">
             <a:avLst/>
@@ -8749,213 +9251,50 @@
           </a:bodyPr>
           <a:lstStyle/>
           <a:p>
-            <a:pPr marL="0" indent="0">
-              <a:buNone/>
-            </a:pPr>
-            <a:r>
-              <a:rPr lang="fr-FR" sz="3600" dirty="0">
+            <a:r>
+              <a:rPr lang="fr-FR" sz="6000" dirty="0" smtClean="0">
+                <a:latin typeface="Calibri" panose="020F0502020204030204" pitchFamily="34" charset="0"/>
+              </a:rPr>
+              <a:t>À quoi sert un décorateur ?</a:t>
+            </a:r>
+          </a:p>
+          <a:p>
+            <a:endParaRPr lang="fr-FR" sz="2000" i="1" dirty="0">
+              <a:latin typeface="Calibri" panose="020F0502020204030204" pitchFamily="34" charset="0"/>
+            </a:endParaRPr>
+          </a:p>
+          <a:p>
+            <a:r>
+              <a:rPr lang="fr-FR" sz="6000" dirty="0" smtClean="0">
+                <a:latin typeface="Calibri" panose="020F0502020204030204" pitchFamily="34" charset="0"/>
+              </a:rPr>
+              <a:t>À ajouter une couche de logique à une fonction avec une syntaxe explicite </a:t>
+            </a:r>
+            <a:r>
+              <a:rPr lang="fr-FR" sz="6000" dirty="0" smtClean="0">
                 <a:latin typeface="Courier New" panose="02070309020205020404" pitchFamily="49" charset="0"/>
                 <a:cs typeface="Courier New" panose="02070309020205020404" pitchFamily="49" charset="0"/>
               </a:rPr>
               <a:t>@</a:t>
             </a:r>
             <a:r>
-              <a:rPr lang="fr-FR" sz="3600" dirty="0" err="1">
+              <a:rPr lang="fr-FR" sz="6000" dirty="0" err="1" smtClean="0">
                 <a:latin typeface="Courier New" panose="02070309020205020404" pitchFamily="49" charset="0"/>
                 <a:cs typeface="Courier New" panose="02070309020205020404" pitchFamily="49" charset="0"/>
               </a:rPr>
               <a:t>decorateur</a:t>
             </a:r>
-            <a:endParaRPr lang="fr-FR" sz="3600" dirty="0">
+            <a:endParaRPr lang="fr-FR" sz="6000" dirty="0">
               <a:latin typeface="Courier New" panose="02070309020205020404" pitchFamily="49" charset="0"/>
               <a:cs typeface="Courier New" panose="02070309020205020404" pitchFamily="49" charset="0"/>
             </a:endParaRPr>
           </a:p>
-          <a:p>
-            <a:pPr marL="0" indent="0">
-              <a:buNone/>
-            </a:pPr>
-            <a:r>
-              <a:rPr lang="fr-FR" sz="3600" dirty="0" err="1">
-                <a:latin typeface="Courier New" panose="02070309020205020404" pitchFamily="49" charset="0"/>
-                <a:cs typeface="Courier New" panose="02070309020205020404" pitchFamily="49" charset="0"/>
-              </a:rPr>
-              <a:t>def</a:t>
-            </a:r>
-            <a:r>
-              <a:rPr lang="fr-FR" sz="3600" dirty="0">
-                <a:latin typeface="Courier New" panose="02070309020205020404" pitchFamily="49" charset="0"/>
-                <a:cs typeface="Courier New" panose="02070309020205020404" pitchFamily="49" charset="0"/>
-              </a:rPr>
-              <a:t> </a:t>
-            </a:r>
-            <a:r>
-              <a:rPr lang="fr-FR" sz="3600" dirty="0" smtClean="0">
-                <a:latin typeface="Courier New" panose="02070309020205020404" pitchFamily="49" charset="0"/>
-                <a:cs typeface="Courier New" panose="02070309020205020404" pitchFamily="49" charset="0"/>
-              </a:rPr>
-              <a:t>f(a, b):</a:t>
-            </a:r>
-            <a:endParaRPr lang="fr-FR" sz="3600" dirty="0">
-              <a:latin typeface="Courier New" panose="02070309020205020404" pitchFamily="49" charset="0"/>
-              <a:cs typeface="Courier New" panose="02070309020205020404" pitchFamily="49" charset="0"/>
-            </a:endParaRPr>
-          </a:p>
-          <a:p>
-            <a:pPr marL="0" indent="0">
-              <a:buNone/>
-            </a:pPr>
-            <a:r>
-              <a:rPr lang="fr-FR" sz="3600" dirty="0">
-                <a:latin typeface="Courier New" panose="02070309020205020404" pitchFamily="49" charset="0"/>
-                <a:cs typeface="Courier New" panose="02070309020205020404" pitchFamily="49" charset="0"/>
-              </a:rPr>
-              <a:t>    </a:t>
-            </a:r>
-            <a:r>
-              <a:rPr lang="fr-FR" sz="3600" dirty="0" err="1">
-                <a:latin typeface="Courier New" panose="02070309020205020404" pitchFamily="49" charset="0"/>
-                <a:cs typeface="Courier New" panose="02070309020205020404" pitchFamily="49" charset="0"/>
-              </a:rPr>
-              <a:t>pass</a:t>
-            </a:r>
-            <a:endParaRPr lang="fr-FR" sz="3600" dirty="0">
-              <a:latin typeface="Courier New" panose="02070309020205020404" pitchFamily="49" charset="0"/>
-              <a:cs typeface="Courier New" panose="02070309020205020404" pitchFamily="49" charset="0"/>
-            </a:endParaRPr>
-          </a:p>
-          <a:p>
-            <a:endParaRPr lang="fr-FR" sz="3600" dirty="0"/>
-          </a:p>
         </p:txBody>
       </p:sp>
-      <p:sp>
-        <p:nvSpPr>
-          <p:cNvPr id="4" name="ZoneTexte 3"/>
-          <p:cNvSpPr txBox="1"/>
-          <p:nvPr/>
-        </p:nvSpPr>
-        <p:spPr>
-          <a:xfrm>
-            <a:off x="3991751" y="4549676"/>
-            <a:ext cx="7132320" cy="1754326"/>
-          </a:xfrm>
-          <a:prstGeom prst="rect">
-            <a:avLst/>
-          </a:prstGeom>
-          <a:noFill/>
-        </p:spPr>
-        <p:txBody>
-          <a:bodyPr wrap="square" rtlCol="0">
-            <a:spAutoFit/>
-          </a:bodyPr>
-          <a:lstStyle/>
-          <a:p>
-            <a:pPr marL="0" indent="0">
-              <a:buNone/>
-            </a:pPr>
-            <a:r>
-              <a:rPr lang="fr-FR" sz="3600" dirty="0" smtClean="0">
-                <a:latin typeface="Courier New" panose="02070309020205020404" pitchFamily="49" charset="0"/>
-                <a:cs typeface="Courier New" panose="02070309020205020404" pitchFamily="49" charset="0"/>
-              </a:rPr>
-              <a:t>f(a, b)</a:t>
-            </a:r>
-          </a:p>
-          <a:p>
-            <a:pPr marL="0" indent="0">
-              <a:buNone/>
-            </a:pPr>
-            <a:r>
-              <a:rPr lang="fr-FR" sz="3600" dirty="0">
-                <a:latin typeface="Calibri" panose="020F0502020204030204" pitchFamily="34" charset="0"/>
-                <a:cs typeface="Courier New" panose="02070309020205020404" pitchFamily="49" charset="0"/>
-              </a:rPr>
-              <a:t>e</a:t>
-            </a:r>
-            <a:r>
-              <a:rPr lang="fr-FR" sz="3600" dirty="0" smtClean="0">
-                <a:latin typeface="Calibri" panose="020F0502020204030204" pitchFamily="34" charset="0"/>
-                <a:cs typeface="Courier New" panose="02070309020205020404" pitchFamily="49" charset="0"/>
-              </a:rPr>
-              <a:t>st </a:t>
-            </a:r>
-            <a:r>
-              <a:rPr lang="fr-FR" sz="3600" dirty="0" smtClean="0">
-                <a:latin typeface="Calibri" panose="020F0502020204030204" pitchFamily="34" charset="0"/>
-                <a:cs typeface="Courier New" panose="02070309020205020404" pitchFamily="49" charset="0"/>
-              </a:rPr>
-              <a:t>équivalent </a:t>
-            </a:r>
-            <a:r>
-              <a:rPr lang="fr-FR" sz="3600" dirty="0" smtClean="0">
-                <a:latin typeface="Calibri" panose="020F0502020204030204" pitchFamily="34" charset="0"/>
-                <a:cs typeface="Courier New" panose="02070309020205020404" pitchFamily="49" charset="0"/>
-              </a:rPr>
-              <a:t>à</a:t>
-            </a:r>
-            <a:endParaRPr lang="fr-FR" sz="3600" dirty="0" smtClean="0">
-              <a:latin typeface="Calibri" panose="020F0502020204030204" pitchFamily="34" charset="0"/>
-            </a:endParaRPr>
-          </a:p>
-          <a:p>
-            <a:pPr marL="0" indent="0">
-              <a:buNone/>
-            </a:pPr>
-            <a:r>
-              <a:rPr lang="fr-FR" sz="3600" dirty="0" err="1" smtClean="0">
-                <a:latin typeface="Courier New" panose="02070309020205020404" pitchFamily="49" charset="0"/>
-                <a:cs typeface="Courier New" panose="02070309020205020404" pitchFamily="49" charset="0"/>
-              </a:rPr>
-              <a:t>decorateur</a:t>
-            </a:r>
-            <a:r>
-              <a:rPr lang="fr-FR" sz="3600" dirty="0" smtClean="0">
-                <a:latin typeface="Courier New" panose="02070309020205020404" pitchFamily="49" charset="0"/>
-                <a:cs typeface="Courier New" panose="02070309020205020404" pitchFamily="49" charset="0"/>
-              </a:rPr>
-              <a:t>(f)(a, b)</a:t>
-            </a:r>
-            <a:endParaRPr lang="fr-FR" sz="3600" dirty="0">
-              <a:latin typeface="Courier New" panose="02070309020205020404" pitchFamily="49" charset="0"/>
-              <a:cs typeface="Courier New" panose="02070309020205020404" pitchFamily="49" charset="0"/>
-            </a:endParaRPr>
-          </a:p>
-        </p:txBody>
-      </p:sp>
-      <p:cxnSp>
-        <p:nvCxnSpPr>
-          <p:cNvPr id="6" name="Connecteur droit 5"/>
-          <p:cNvCxnSpPr/>
-          <p:nvPr/>
-        </p:nvCxnSpPr>
-        <p:spPr bwMode="auto">
-          <a:xfrm flipH="1">
-            <a:off x="3725332" y="4549676"/>
-            <a:ext cx="11291" cy="1851377"/>
-          </a:xfrm>
-          <a:prstGeom prst="line">
-            <a:avLst/>
-          </a:prstGeom>
-          <a:noFill/>
-          <a:ln w="38100" cap="flat" cmpd="sng" algn="ctr">
-            <a:solidFill>
-              <a:schemeClr val="accent3">
-                <a:lumMod val="65000"/>
-              </a:schemeClr>
-            </a:solidFill>
-            <a:prstDash val="solid"/>
-            <a:round/>
-            <a:headEnd type="none" w="med" len="med"/>
-            <a:tailEnd type="none" w="lg" len="lg"/>
-          </a:ln>
-          <a:effectLst/>
-        </p:spPr>
-      </p:cxnSp>
     </p:spTree>
     <p:extLst>
       <p:ext uri="{BB962C8B-B14F-4D97-AF65-F5344CB8AC3E}">
-        <p14:creationId xmlns:p14="http://schemas.microsoft.com/office/powerpoint/2010/main" val="4103699228"/>
+        <p14:creationId xmlns:p14="http://schemas.microsoft.com/office/powerpoint/2010/main" val="921741580"/>
       </p:ext>
     </p:extLst>
   </p:cSld>
@@ -8996,9 +9335,9 @@
                                           </p:stCondLst>
                                         </p:cTn>
                                         <p:tgtEl>
-                                          <p:spTgt spid="3">
+                                          <p:spTgt spid="5">
                                             <p:txEl>
-                                              <p:pRg st="1" end="1"/>
+                                              <p:pRg st="2" end="2"/>
                                             </p:txEl>
                                           </p:spTgt>
                                         </p:tgtEl>
@@ -9014,299 +9353,11 @@
                                       <p:cBhvr>
                                         <p:cTn id="7" dur="500"/>
                                         <p:tgtEl>
-                                          <p:spTgt spid="3">
-                                            <p:txEl>
-                                              <p:pRg st="1" end="1"/>
-                                            </p:txEl>
-                                          </p:spTgt>
-                                        </p:tgtEl>
-                                      </p:cBhvr>
-                                    </p:animEffect>
-                                  </p:childTnLst>
-                                </p:cTn>
-                              </p:par>
-                            </p:childTnLst>
-                          </p:cTn>
-                        </p:par>
-                      </p:childTnLst>
-                    </p:cTn>
-                  </p:par>
-                  <p:par>
-                    <p:cTn id="8" fill="hold">
-                      <p:stCondLst>
-                        <p:cond delay="indefinite"/>
-                      </p:stCondLst>
-                      <p:childTnLst>
-                        <p:par>
-                          <p:cTn id="9" fill="hold">
-                            <p:stCondLst>
-                              <p:cond delay="0"/>
-                            </p:stCondLst>
-                            <p:childTnLst>
-                              <p:par>
-                                <p:cTn id="10" presetID="10" presetClass="entr" presetSubtype="0" fill="hold" nodeType="clickEffect">
-                                  <p:stCondLst>
-                                    <p:cond delay="0"/>
-                                  </p:stCondLst>
-                                  <p:childTnLst>
-                                    <p:set>
-                                      <p:cBhvr>
-                                        <p:cTn id="11" dur="1" fill="hold">
-                                          <p:stCondLst>
-                                            <p:cond delay="0"/>
-                                          </p:stCondLst>
-                                        </p:cTn>
-                                        <p:tgtEl>
-                                          <p:spTgt spid="3">
+                                          <p:spTgt spid="5">
                                             <p:txEl>
                                               <p:pRg st="2" end="2"/>
                                             </p:txEl>
                                           </p:spTgt>
-                                        </p:tgtEl>
-                                        <p:attrNameLst>
-                                          <p:attrName>style.visibility</p:attrName>
-                                        </p:attrNameLst>
-                                      </p:cBhvr>
-                                      <p:to>
-                                        <p:strVal val="visible"/>
-                                      </p:to>
-                                    </p:set>
-                                    <p:animEffect transition="in" filter="fade">
-                                      <p:cBhvr>
-                                        <p:cTn id="12" dur="500"/>
-                                        <p:tgtEl>
-                                          <p:spTgt spid="3">
-                                            <p:txEl>
-                                              <p:pRg st="2" end="2"/>
-                                            </p:txEl>
-                                          </p:spTgt>
-                                        </p:tgtEl>
-                                      </p:cBhvr>
-                                    </p:animEffect>
-                                  </p:childTnLst>
-                                </p:cTn>
-                              </p:par>
-                              <p:par>
-                                <p:cTn id="13" presetID="10" presetClass="entr" presetSubtype="0" fill="hold" nodeType="withEffect">
-                                  <p:stCondLst>
-                                    <p:cond delay="0"/>
-                                  </p:stCondLst>
-                                  <p:childTnLst>
-                                    <p:set>
-                                      <p:cBhvr>
-                                        <p:cTn id="14" dur="1" fill="hold">
-                                          <p:stCondLst>
-                                            <p:cond delay="0"/>
-                                          </p:stCondLst>
-                                        </p:cTn>
-                                        <p:tgtEl>
-                                          <p:spTgt spid="3">
-                                            <p:txEl>
-                                              <p:pRg st="3" end="3"/>
-                                            </p:txEl>
-                                          </p:spTgt>
-                                        </p:tgtEl>
-                                        <p:attrNameLst>
-                                          <p:attrName>style.visibility</p:attrName>
-                                        </p:attrNameLst>
-                                      </p:cBhvr>
-                                      <p:to>
-                                        <p:strVal val="visible"/>
-                                      </p:to>
-                                    </p:set>
-                                    <p:animEffect transition="in" filter="fade">
-                                      <p:cBhvr>
-                                        <p:cTn id="15" dur="500"/>
-                                        <p:tgtEl>
-                                          <p:spTgt spid="3">
-                                            <p:txEl>
-                                              <p:pRg st="3" end="3"/>
-                                            </p:txEl>
-                                          </p:spTgt>
-                                        </p:tgtEl>
-                                      </p:cBhvr>
-                                    </p:animEffect>
-                                  </p:childTnLst>
-                                </p:cTn>
-                              </p:par>
-                              <p:par>
-                                <p:cTn id="16" presetID="10" presetClass="entr" presetSubtype="0" fill="hold" nodeType="withEffect">
-                                  <p:stCondLst>
-                                    <p:cond delay="0"/>
-                                  </p:stCondLst>
-                                  <p:childTnLst>
-                                    <p:set>
-                                      <p:cBhvr>
-                                        <p:cTn id="17" dur="1" fill="hold">
-                                          <p:stCondLst>
-                                            <p:cond delay="0"/>
-                                          </p:stCondLst>
-                                        </p:cTn>
-                                        <p:tgtEl>
-                                          <p:spTgt spid="3">
-                                            <p:txEl>
-                                              <p:pRg st="4" end="4"/>
-                                            </p:txEl>
-                                          </p:spTgt>
-                                        </p:tgtEl>
-                                        <p:attrNameLst>
-                                          <p:attrName>style.visibility</p:attrName>
-                                        </p:attrNameLst>
-                                      </p:cBhvr>
-                                      <p:to>
-                                        <p:strVal val="visible"/>
-                                      </p:to>
-                                    </p:set>
-                                    <p:animEffect transition="in" filter="fade">
-                                      <p:cBhvr>
-                                        <p:cTn id="18" dur="500"/>
-                                        <p:tgtEl>
-                                          <p:spTgt spid="3">
-                                            <p:txEl>
-                                              <p:pRg st="4" end="4"/>
-                                            </p:txEl>
-                                          </p:spTgt>
-                                        </p:tgtEl>
-                                      </p:cBhvr>
-                                    </p:animEffect>
-                                  </p:childTnLst>
-                                </p:cTn>
-                              </p:par>
-                            </p:childTnLst>
-                          </p:cTn>
-                        </p:par>
-                      </p:childTnLst>
-                    </p:cTn>
-                  </p:par>
-                  <p:par>
-                    <p:cTn id="19" fill="hold">
-                      <p:stCondLst>
-                        <p:cond delay="indefinite"/>
-                      </p:stCondLst>
-                      <p:childTnLst>
-                        <p:par>
-                          <p:cTn id="20" fill="hold">
-                            <p:stCondLst>
-                              <p:cond delay="0"/>
-                            </p:stCondLst>
-                            <p:childTnLst>
-                              <p:par>
-                                <p:cTn id="21" presetID="10" presetClass="entr" presetSubtype="0" fill="hold" grpId="0" nodeType="clickEffect">
-                                  <p:stCondLst>
-                                    <p:cond delay="0"/>
-                                  </p:stCondLst>
-                                  <p:childTnLst>
-                                    <p:set>
-                                      <p:cBhvr>
-                                        <p:cTn id="22" dur="1" fill="hold">
-                                          <p:stCondLst>
-                                            <p:cond delay="0"/>
-                                          </p:stCondLst>
-                                        </p:cTn>
-                                        <p:tgtEl>
-                                          <p:spTgt spid="2"/>
-                                        </p:tgtEl>
-                                        <p:attrNameLst>
-                                          <p:attrName>style.visibility</p:attrName>
-                                        </p:attrNameLst>
-                                      </p:cBhvr>
-                                      <p:to>
-                                        <p:strVal val="visible"/>
-                                      </p:to>
-                                    </p:set>
-                                    <p:animEffect transition="in" filter="fade">
-                                      <p:cBhvr>
-                                        <p:cTn id="23" dur="500"/>
-                                        <p:tgtEl>
-                                          <p:spTgt spid="2"/>
-                                        </p:tgtEl>
-                                      </p:cBhvr>
-                                    </p:animEffect>
-                                  </p:childTnLst>
-                                </p:cTn>
-                              </p:par>
-                            </p:childTnLst>
-                          </p:cTn>
-                        </p:par>
-                      </p:childTnLst>
-                    </p:cTn>
-                  </p:par>
-                  <p:par>
-                    <p:cTn id="24" fill="hold">
-                      <p:stCondLst>
-                        <p:cond delay="indefinite"/>
-                      </p:stCondLst>
-                      <p:childTnLst>
-                        <p:par>
-                          <p:cTn id="25" fill="hold">
-                            <p:stCondLst>
-                              <p:cond delay="0"/>
-                            </p:stCondLst>
-                            <p:childTnLst>
-                              <p:par>
-                                <p:cTn id="26" presetID="10" presetClass="entr" presetSubtype="0" fill="hold" grpId="0" nodeType="clickEffect">
-                                  <p:stCondLst>
-                                    <p:cond delay="0"/>
-                                  </p:stCondLst>
-                                  <p:childTnLst>
-                                    <p:set>
-                                      <p:cBhvr>
-                                        <p:cTn id="27" dur="1" fill="hold">
-                                          <p:stCondLst>
-                                            <p:cond delay="0"/>
-                                          </p:stCondLst>
-                                        </p:cTn>
-                                        <p:tgtEl>
-                                          <p:spTgt spid="4"/>
-                                        </p:tgtEl>
-                                        <p:attrNameLst>
-                                          <p:attrName>style.visibility</p:attrName>
-                                        </p:attrNameLst>
-                                      </p:cBhvr>
-                                      <p:to>
-                                        <p:strVal val="visible"/>
-                                      </p:to>
-                                    </p:set>
-                                    <p:animEffect transition="in" filter="fade">
-                                      <p:cBhvr>
-                                        <p:cTn id="28" dur="500"/>
-                                        <p:tgtEl>
-                                          <p:spTgt spid="4"/>
-                                        </p:tgtEl>
-                                      </p:cBhvr>
-                                    </p:animEffect>
-                                  </p:childTnLst>
-                                </p:cTn>
-                              </p:par>
-                              <p:par>
-                                <p:cTn id="29" presetID="10" presetClass="entr" presetSubtype="0" fill="hold" nodeType="withEffect">
-                                  <p:stCondLst>
-                                    <p:cond delay="0"/>
-                                  </p:stCondLst>
-                                  <p:childTnLst>
-                                    <p:set>
-                                      <p:cBhvr>
-                                        <p:cTn id="30" dur="1" fill="hold">
-                                          <p:stCondLst>
-                                            <p:cond delay="0"/>
-                                          </p:stCondLst>
-                                        </p:cTn>
-                                        <p:tgtEl>
-                                          <p:spTgt spid="6"/>
-                                        </p:tgtEl>
-                                        <p:attrNameLst>
-                                          <p:attrName>style.visibility</p:attrName>
-                                        </p:attrNameLst>
-                                      </p:cBhvr>
-                                      <p:to>
-                                        <p:strVal val="visible"/>
-                                      </p:to>
-                                    </p:set>
-                                    <p:animEffect transition="in" filter="fade">
-                                      <p:cBhvr>
-                                        <p:cTn id="31" dur="500"/>
-                                        <p:tgtEl>
-                                          <p:spTgt spid="6"/>
                                         </p:tgtEl>
                                       </p:cBhvr>
                                     </p:animEffect>
@@ -9340,15 +9391,84 @@
         </p:cTn>
       </p:par>
     </p:tnLst>
-    <p:bldLst>
-      <p:bldP spid="2" grpId="0"/>
-      <p:bldP spid="4" grpId="0"/>
-    </p:bldLst>
   </p:timing>
 </p:sld>
 </file>
 
-<file path=ppt/slides/slide6.xml><?xml version="1.0" encoding="utf-8"?>
+<file path=ppt/slides/slide8.xml><?xml version="1.0" encoding="utf-8"?>
+<p:sld xmlns:a="http://schemas.openxmlformats.org/drawingml/2006/main" xmlns:r="http://schemas.openxmlformats.org/officeDocument/2006/relationships" xmlns:p="http://schemas.openxmlformats.org/presentationml/2006/main">
+  <p:cSld>
+    <p:spTree>
+      <p:nvGrpSpPr>
+        <p:cNvPr id="1" name=""/>
+        <p:cNvGrpSpPr/>
+        <p:nvPr/>
+      </p:nvGrpSpPr>
+      <p:grpSpPr>
+        <a:xfrm>
+          <a:off x="0" y="0"/>
+          <a:ext cx="0" cy="0"/>
+          <a:chOff x="0" y="0"/>
+          <a:chExt cx="0" cy="0"/>
+        </a:xfrm>
+      </p:grpSpPr>
+      <p:sp>
+        <p:nvSpPr>
+          <p:cNvPr id="5" name="ZoneTexte 4"/>
+          <p:cNvSpPr txBox="1"/>
+          <p:nvPr/>
+        </p:nvSpPr>
+        <p:spPr>
+          <a:xfrm>
+            <a:off x="401444" y="780585"/>
+            <a:ext cx="11106614" cy="2862322"/>
+          </a:xfrm>
+          <a:prstGeom prst="rect">
+            <a:avLst/>
+          </a:prstGeom>
+          <a:noFill/>
+        </p:spPr>
+        <p:txBody>
+          <a:bodyPr wrap="square" rtlCol="0">
+            <a:spAutoFit/>
+          </a:bodyPr>
+          <a:lstStyle/>
+          <a:p>
+            <a:r>
+              <a:rPr lang="fr-FR" sz="6000" dirty="0" smtClean="0">
+                <a:latin typeface="Calibri" panose="020F0502020204030204" pitchFamily="34" charset="0"/>
+              </a:rPr>
+              <a:t>Comment implémenter un décorateur ?</a:t>
+            </a:r>
+          </a:p>
+          <a:p>
+            <a:endParaRPr lang="fr-FR" sz="6000" i="1" dirty="0">
+              <a:latin typeface="Calibri" panose="020F0502020204030204" pitchFamily="34" charset="0"/>
+            </a:endParaRPr>
+          </a:p>
+        </p:txBody>
+      </p:sp>
+    </p:spTree>
+    <p:extLst>
+      <p:ext uri="{BB962C8B-B14F-4D97-AF65-F5344CB8AC3E}">
+        <p14:creationId xmlns:p14="http://schemas.microsoft.com/office/powerpoint/2010/main" val="3776206560"/>
+      </p:ext>
+    </p:extLst>
+  </p:cSld>
+  <p:clrMapOvr>
+    <a:masterClrMapping/>
+  </p:clrMapOvr>
+  <p:timing>
+    <p:tnLst>
+      <p:par>
+        <p:cTn id="1" dur="indefinite" restart="never" nodeType="tmRoot"/>
+      </p:par>
+    </p:tnLst>
+  </p:timing>
+</p:sld>
+</file>
+
+<file path=ppt/slides/slide9.xml><?xml version="1.0" encoding="utf-8"?>
 <p:sld xmlns:a="http://schemas.openxmlformats.org/drawingml/2006/main" xmlns:r="http://schemas.openxmlformats.org/officeDocument/2006/relationships" xmlns:p="http://schemas.openxmlformats.org/presentationml/2006/main">
   <p:cSld>
     <p:spTree>
@@ -9377,8 +9497,8 @@
         </p:nvSpPr>
         <p:spPr>
           <a:xfrm>
-            <a:off x="609600" y="548641"/>
-            <a:ext cx="9877778" cy="3733799"/>
+            <a:off x="216568" y="336884"/>
+            <a:ext cx="12192000" cy="5577524"/>
           </a:xfrm>
         </p:spPr>
         <p:txBody>
@@ -9389,10 +9509,25 @@
               <a:buNone/>
             </a:pPr>
             <a:r>
-              <a:rPr lang="fr-FR" sz="4400" dirty="0" smtClean="0">
-                <a:cs typeface="Courier New" panose="02070309020205020404" pitchFamily="49" charset="0"/>
-              </a:rPr>
-              <a:t>On peut également décorer les classes</a:t>
+              <a:rPr lang="fr-FR" sz="2400" dirty="0">
+                <a:latin typeface="Courier New" panose="02070309020205020404" pitchFamily="49" charset="0"/>
+                <a:cs typeface="Courier New" panose="02070309020205020404" pitchFamily="49" charset="0"/>
+              </a:rPr>
+              <a:t>class </a:t>
+            </a:r>
+            <a:r>
+              <a:rPr lang="fr-FR" sz="2400" dirty="0" err="1">
+                <a:latin typeface="Courier New" panose="02070309020205020404" pitchFamily="49" charset="0"/>
+                <a:cs typeface="Courier New" panose="02070309020205020404" pitchFamily="49" charset="0"/>
+              </a:rPr>
+              <a:t>NbAppel</a:t>
+            </a:r>
+            <a:r>
+              <a:rPr lang="fr-FR" sz="2400" dirty="0">
+                <a:latin typeface="Courier New" panose="02070309020205020404" pitchFamily="49" charset="0"/>
+                <a:cs typeface="Courier New" panose="02070309020205020404" pitchFamily="49" charset="0"/>
+              </a:rPr>
+              <a:t>:</a:t>
             </a:r>
           </a:p>
           <a:p>
@@ -9400,57 +9535,241 @@
               <a:buNone/>
             </a:pPr>
             <a:r>
-              <a:rPr lang="fr-FR" sz="4000" dirty="0" smtClean="0">
-                <a:cs typeface="Courier New" panose="02070309020205020404" pitchFamily="49" charset="0"/>
-              </a:rPr>
-              <a:t>C’est comme un décorateur de fonction, mais le décorateur prend comme argument une classe</a:t>
-            </a:r>
-            <a:endParaRPr lang="fr-FR" sz="3200" dirty="0">
-              <a:cs typeface="Courier New" panose="02070309020205020404" pitchFamily="49" charset="0"/>
-            </a:endParaRPr>
-          </a:p>
-        </p:txBody>
-      </p:sp>
-      <p:sp>
-        <p:nvSpPr>
-          <p:cNvPr id="2" name="ZoneTexte 1"/>
-          <p:cNvSpPr txBox="1"/>
-          <p:nvPr/>
-        </p:nvSpPr>
-        <p:spPr>
-          <a:xfrm>
-            <a:off x="212964" y="3405277"/>
-            <a:ext cx="7362962" cy="2862322"/>
-          </a:xfrm>
-          <a:prstGeom prst="rect">
-            <a:avLst/>
-          </a:prstGeom>
-          <a:noFill/>
-        </p:spPr>
-        <p:txBody>
-          <a:bodyPr wrap="square" rtlCol="0">
-            <a:spAutoFit/>
-          </a:bodyPr>
-          <a:lstStyle/>
+              <a:rPr lang="fr-FR" sz="2400" dirty="0">
+                <a:latin typeface="Courier New" panose="02070309020205020404" pitchFamily="49" charset="0"/>
+                <a:cs typeface="Courier New" panose="02070309020205020404" pitchFamily="49" charset="0"/>
+              </a:rPr>
+              <a:t>    </a:t>
+            </a:r>
+            <a:r>
+              <a:rPr lang="fr-FR" sz="2400" dirty="0" err="1">
+                <a:latin typeface="Courier New" panose="02070309020205020404" pitchFamily="49" charset="0"/>
+                <a:cs typeface="Courier New" panose="02070309020205020404" pitchFamily="49" charset="0"/>
+              </a:rPr>
+              <a:t>def</a:t>
+            </a:r>
+            <a:r>
+              <a:rPr lang="fr-FR" sz="2400" dirty="0">
+                <a:latin typeface="Courier New" panose="02070309020205020404" pitchFamily="49" charset="0"/>
+                <a:cs typeface="Courier New" panose="02070309020205020404" pitchFamily="49" charset="0"/>
+              </a:rPr>
+              <a:t> __</a:t>
+            </a:r>
+            <a:r>
+              <a:rPr lang="fr-FR" sz="2400" dirty="0" err="1">
+                <a:latin typeface="Courier New" panose="02070309020205020404" pitchFamily="49" charset="0"/>
+                <a:cs typeface="Courier New" panose="02070309020205020404" pitchFamily="49" charset="0"/>
+              </a:rPr>
+              <a:t>init</a:t>
+            </a:r>
+            <a:r>
+              <a:rPr lang="fr-FR" sz="2400" dirty="0">
+                <a:latin typeface="Courier New" panose="02070309020205020404" pitchFamily="49" charset="0"/>
+                <a:cs typeface="Courier New" panose="02070309020205020404" pitchFamily="49" charset="0"/>
+              </a:rPr>
+              <a:t>__(self, f):</a:t>
+            </a:r>
+          </a:p>
           <a:p>
             <a:pPr marL="0" indent="0">
               <a:buNone/>
             </a:pPr>
             <a:r>
-              <a:rPr lang="fr-FR" sz="3600" dirty="0">
-                <a:latin typeface="Courier New" panose="02070309020205020404" pitchFamily="49" charset="0"/>
-                <a:cs typeface="Courier New" panose="02070309020205020404" pitchFamily="49" charset="0"/>
-              </a:rPr>
-              <a:t>@</a:t>
-            </a:r>
-            <a:r>
-              <a:rPr lang="fr-FR" sz="3600" dirty="0" err="1">
-                <a:latin typeface="Courier New" panose="02070309020205020404" pitchFamily="49" charset="0"/>
-                <a:cs typeface="Courier New" panose="02070309020205020404" pitchFamily="49" charset="0"/>
-              </a:rPr>
-              <a:t>decorateur</a:t>
-            </a:r>
-            <a:endParaRPr lang="fr-FR" sz="3600" dirty="0">
+              <a:rPr lang="fr-FR" sz="2400" dirty="0">
+                <a:latin typeface="Courier New" panose="02070309020205020404" pitchFamily="49" charset="0"/>
+                <a:cs typeface="Courier New" panose="02070309020205020404" pitchFamily="49" charset="0"/>
+              </a:rPr>
+              <a:t>        </a:t>
+            </a:r>
+            <a:r>
+              <a:rPr lang="fr-FR" sz="2400" dirty="0" err="1">
+                <a:latin typeface="Courier New" panose="02070309020205020404" pitchFamily="49" charset="0"/>
+                <a:cs typeface="Courier New" panose="02070309020205020404" pitchFamily="49" charset="0"/>
+              </a:rPr>
+              <a:t>self.appel</a:t>
+            </a:r>
+            <a:r>
+              <a:rPr lang="fr-FR" sz="2400" dirty="0">
+                <a:latin typeface="Courier New" panose="02070309020205020404" pitchFamily="49" charset="0"/>
+                <a:cs typeface="Courier New" panose="02070309020205020404" pitchFamily="49" charset="0"/>
+              </a:rPr>
+              <a:t> = 0</a:t>
+            </a:r>
+          </a:p>
+          <a:p>
+            <a:pPr marL="0" indent="0">
+              <a:buNone/>
+            </a:pPr>
+            <a:r>
+              <a:rPr lang="fr-FR" sz="2400" dirty="0">
+                <a:latin typeface="Courier New" panose="02070309020205020404" pitchFamily="49" charset="0"/>
+                <a:cs typeface="Courier New" panose="02070309020205020404" pitchFamily="49" charset="0"/>
+              </a:rPr>
+              <a:t>        </a:t>
+            </a:r>
+            <a:r>
+              <a:rPr lang="fr-FR" sz="2400" dirty="0" err="1">
+                <a:latin typeface="Courier New" panose="02070309020205020404" pitchFamily="49" charset="0"/>
+                <a:cs typeface="Courier New" panose="02070309020205020404" pitchFamily="49" charset="0"/>
+              </a:rPr>
+              <a:t>self.f</a:t>
+            </a:r>
+            <a:r>
+              <a:rPr lang="fr-FR" sz="2400" dirty="0">
+                <a:latin typeface="Courier New" panose="02070309020205020404" pitchFamily="49" charset="0"/>
+                <a:cs typeface="Courier New" panose="02070309020205020404" pitchFamily="49" charset="0"/>
+              </a:rPr>
+              <a:t> = f</a:t>
+            </a:r>
+          </a:p>
+          <a:p>
+            <a:pPr marL="0" indent="0">
+              <a:buNone/>
+            </a:pPr>
+            <a:r>
+              <a:rPr lang="fr-FR" sz="2400" dirty="0">
+                <a:latin typeface="Courier New" panose="02070309020205020404" pitchFamily="49" charset="0"/>
+                <a:cs typeface="Courier New" panose="02070309020205020404" pitchFamily="49" charset="0"/>
+              </a:rPr>
+              <a:t>    </a:t>
+            </a:r>
+            <a:r>
+              <a:rPr lang="fr-FR" sz="2400" dirty="0" err="1">
+                <a:latin typeface="Courier New" panose="02070309020205020404" pitchFamily="49" charset="0"/>
+                <a:cs typeface="Courier New" panose="02070309020205020404" pitchFamily="49" charset="0"/>
+              </a:rPr>
+              <a:t>def</a:t>
+            </a:r>
+            <a:r>
+              <a:rPr lang="fr-FR" sz="2400" dirty="0">
+                <a:latin typeface="Courier New" panose="02070309020205020404" pitchFamily="49" charset="0"/>
+                <a:cs typeface="Courier New" panose="02070309020205020404" pitchFamily="49" charset="0"/>
+              </a:rPr>
+              <a:t> __call__(self, *</a:t>
+            </a:r>
+            <a:r>
+              <a:rPr lang="fr-FR" sz="2400" dirty="0" err="1">
+                <a:latin typeface="Courier New" panose="02070309020205020404" pitchFamily="49" charset="0"/>
+                <a:cs typeface="Courier New" panose="02070309020205020404" pitchFamily="49" charset="0"/>
+              </a:rPr>
+              <a:t>args</a:t>
+            </a:r>
+            <a:r>
+              <a:rPr lang="fr-FR" sz="2400" dirty="0">
+                <a:latin typeface="Courier New" panose="02070309020205020404" pitchFamily="49" charset="0"/>
+                <a:cs typeface="Courier New" panose="02070309020205020404" pitchFamily="49" charset="0"/>
+              </a:rPr>
+              <a:t>):</a:t>
+            </a:r>
+          </a:p>
+          <a:p>
+            <a:pPr marL="0" indent="0">
+              <a:buNone/>
+            </a:pPr>
+            <a:r>
+              <a:rPr lang="fr-FR" sz="2400" dirty="0">
+                <a:latin typeface="Courier New" panose="02070309020205020404" pitchFamily="49" charset="0"/>
+                <a:cs typeface="Courier New" panose="02070309020205020404" pitchFamily="49" charset="0"/>
+              </a:rPr>
+              <a:t>        </a:t>
+            </a:r>
+            <a:r>
+              <a:rPr lang="fr-FR" sz="2400" dirty="0" err="1">
+                <a:latin typeface="Courier New" panose="02070309020205020404" pitchFamily="49" charset="0"/>
+                <a:cs typeface="Courier New" panose="02070309020205020404" pitchFamily="49" charset="0"/>
+              </a:rPr>
+              <a:t>self.appel</a:t>
+            </a:r>
+            <a:r>
+              <a:rPr lang="fr-FR" sz="2400" dirty="0">
+                <a:latin typeface="Courier New" panose="02070309020205020404" pitchFamily="49" charset="0"/>
+                <a:cs typeface="Courier New" panose="02070309020205020404" pitchFamily="49" charset="0"/>
+              </a:rPr>
+              <a:t> = </a:t>
+            </a:r>
+            <a:r>
+              <a:rPr lang="fr-FR" sz="2400" dirty="0" err="1">
+                <a:latin typeface="Courier New" panose="02070309020205020404" pitchFamily="49" charset="0"/>
+                <a:cs typeface="Courier New" panose="02070309020205020404" pitchFamily="49" charset="0"/>
+              </a:rPr>
+              <a:t>self.appel</a:t>
+            </a:r>
+            <a:r>
+              <a:rPr lang="fr-FR" sz="2400" dirty="0">
+                <a:latin typeface="Courier New" panose="02070309020205020404" pitchFamily="49" charset="0"/>
+                <a:cs typeface="Courier New" panose="02070309020205020404" pitchFamily="49" charset="0"/>
+              </a:rPr>
+              <a:t> + 1</a:t>
+            </a:r>
+          </a:p>
+          <a:p>
+            <a:pPr marL="0" indent="0">
+              <a:buNone/>
+            </a:pPr>
+            <a:r>
+              <a:rPr lang="fr-FR" sz="2400" dirty="0">
+                <a:latin typeface="Courier New" panose="02070309020205020404" pitchFamily="49" charset="0"/>
+                <a:cs typeface="Courier New" panose="02070309020205020404" pitchFamily="49" charset="0"/>
+              </a:rPr>
+              <a:t>        s = </a:t>
+            </a:r>
+            <a:r>
+              <a:rPr lang="fr-FR" sz="2400" dirty="0" smtClean="0">
+                <a:latin typeface="Courier New" panose="02070309020205020404" pitchFamily="49" charset="0"/>
+                <a:cs typeface="Courier New" panose="02070309020205020404" pitchFamily="49" charset="0"/>
+              </a:rPr>
+              <a:t>'{} : {} </a:t>
+            </a:r>
+            <a:r>
+              <a:rPr lang="fr-FR" sz="2400" dirty="0" err="1" smtClean="0">
+                <a:latin typeface="Courier New" panose="02070309020205020404" pitchFamily="49" charset="0"/>
+                <a:cs typeface="Courier New" panose="02070309020205020404" pitchFamily="49" charset="0"/>
+              </a:rPr>
+              <a:t>appels'.format</a:t>
+            </a:r>
+            <a:r>
+              <a:rPr lang="fr-FR" sz="2400" dirty="0" smtClean="0">
+                <a:latin typeface="Courier New" panose="02070309020205020404" pitchFamily="49" charset="0"/>
+                <a:cs typeface="Courier New" panose="02070309020205020404" pitchFamily="49" charset="0"/>
+              </a:rPr>
+              <a:t>(</a:t>
+            </a:r>
+            <a:r>
+              <a:rPr lang="fr-FR" sz="2400" dirty="0">
+                <a:latin typeface="Courier New" panose="02070309020205020404" pitchFamily="49" charset="0"/>
+                <a:cs typeface="Courier New" panose="02070309020205020404" pitchFamily="49" charset="0"/>
+              </a:rPr>
+              <a:t>self.f.__</a:t>
+            </a:r>
+            <a:r>
+              <a:rPr lang="fr-FR" sz="2400" dirty="0" err="1">
+                <a:latin typeface="Courier New" panose="02070309020205020404" pitchFamily="49" charset="0"/>
+                <a:cs typeface="Courier New" panose="02070309020205020404" pitchFamily="49" charset="0"/>
+              </a:rPr>
+              <a:t>name</a:t>
+            </a:r>
+            <a:r>
+              <a:rPr lang="fr-FR" sz="2400" dirty="0" smtClean="0">
+                <a:latin typeface="Courier New" panose="02070309020205020404" pitchFamily="49" charset="0"/>
+                <a:cs typeface="Courier New" panose="02070309020205020404" pitchFamily="49" charset="0"/>
+              </a:rPr>
+              <a:t>__, </a:t>
+            </a:r>
+            <a:r>
+              <a:rPr lang="fr-FR" sz="2400" dirty="0" err="1" smtClean="0">
+                <a:latin typeface="Courier New" panose="02070309020205020404" pitchFamily="49" charset="0"/>
+                <a:cs typeface="Courier New" panose="02070309020205020404" pitchFamily="49" charset="0"/>
+              </a:rPr>
+              <a:t>self.appel</a:t>
+            </a:r>
+            <a:r>
+              <a:rPr lang="fr-FR" sz="2400" dirty="0" smtClean="0">
+                <a:latin typeface="Courier New" panose="02070309020205020404" pitchFamily="49" charset="0"/>
+                <a:cs typeface="Courier New" panose="02070309020205020404" pitchFamily="49" charset="0"/>
+              </a:rPr>
+              <a:t>)</a:t>
+            </a:r>
+            <a:endParaRPr lang="fr-FR" sz="2400" dirty="0">
               <a:latin typeface="Courier New" panose="02070309020205020404" pitchFamily="49" charset="0"/>
               <a:cs typeface="Courier New" panose="02070309020205020404" pitchFamily="49" charset="0"/>
             </a:endParaRPr>
@@ -9460,13 +9779,72 @@
               <a:buNone/>
             </a:pPr>
             <a:r>
-              <a:rPr lang="fr-FR" sz="3600" dirty="0" smtClean="0">
-                <a:latin typeface="Courier New" panose="02070309020205020404" pitchFamily="49" charset="0"/>
-                <a:cs typeface="Courier New" panose="02070309020205020404" pitchFamily="49" charset="0"/>
-              </a:rPr>
-              <a:t>class  C:</a:t>
-            </a:r>
-            <a:endParaRPr lang="fr-FR" sz="3600" dirty="0">
+              <a:rPr lang="fr-FR" sz="2400" dirty="0">
+                <a:latin typeface="Courier New" panose="02070309020205020404" pitchFamily="49" charset="0"/>
+                <a:cs typeface="Courier New" panose="02070309020205020404" pitchFamily="49" charset="0"/>
+              </a:rPr>
+              <a:t>        </a:t>
+            </a:r>
+            <a:r>
+              <a:rPr lang="fr-FR" sz="2400" dirty="0" err="1">
+                <a:latin typeface="Courier New" panose="02070309020205020404" pitchFamily="49" charset="0"/>
+                <a:cs typeface="Courier New" panose="02070309020205020404" pitchFamily="49" charset="0"/>
+              </a:rPr>
+              <a:t>print</a:t>
+            </a:r>
+            <a:r>
+              <a:rPr lang="fr-FR" sz="2400" dirty="0">
+                <a:latin typeface="Courier New" panose="02070309020205020404" pitchFamily="49" charset="0"/>
+                <a:cs typeface="Courier New" panose="02070309020205020404" pitchFamily="49" charset="0"/>
+              </a:rPr>
+              <a:t> s</a:t>
+            </a:r>
+          </a:p>
+          <a:p>
+            <a:pPr marL="0" indent="0">
+              <a:buNone/>
+            </a:pPr>
+            <a:r>
+              <a:rPr lang="fr-FR" sz="2400" dirty="0">
+                <a:latin typeface="Courier New" panose="02070309020205020404" pitchFamily="49" charset="0"/>
+                <a:cs typeface="Courier New" panose="02070309020205020404" pitchFamily="49" charset="0"/>
+              </a:rPr>
+              <a:t>        return </a:t>
+            </a:r>
+            <a:r>
+              <a:rPr lang="fr-FR" sz="2400" dirty="0" err="1">
+                <a:latin typeface="Courier New" panose="02070309020205020404" pitchFamily="49" charset="0"/>
+                <a:cs typeface="Courier New" panose="02070309020205020404" pitchFamily="49" charset="0"/>
+              </a:rPr>
+              <a:t>self.f</a:t>
+            </a:r>
+            <a:r>
+              <a:rPr lang="fr-FR" sz="2400" dirty="0">
+                <a:latin typeface="Courier New" panose="02070309020205020404" pitchFamily="49" charset="0"/>
+                <a:cs typeface="Courier New" panose="02070309020205020404" pitchFamily="49" charset="0"/>
+              </a:rPr>
+              <a:t>(*</a:t>
+            </a:r>
+            <a:r>
+              <a:rPr lang="fr-FR" sz="2400" dirty="0" err="1">
+                <a:latin typeface="Courier New" panose="02070309020205020404" pitchFamily="49" charset="0"/>
+                <a:cs typeface="Courier New" panose="02070309020205020404" pitchFamily="49" charset="0"/>
+              </a:rPr>
+              <a:t>args</a:t>
+            </a:r>
+            <a:r>
+              <a:rPr lang="fr-FR" sz="2400" dirty="0">
+                <a:latin typeface="Courier New" panose="02070309020205020404" pitchFamily="49" charset="0"/>
+                <a:cs typeface="Courier New" panose="02070309020205020404" pitchFamily="49" charset="0"/>
+              </a:rPr>
+              <a:t>)</a:t>
+            </a:r>
+          </a:p>
+          <a:p>
+            <a:pPr marL="0" indent="0">
+              <a:buNone/>
+            </a:pPr>
+            <a:endParaRPr lang="fr-FR" sz="2400" dirty="0">
               <a:latin typeface="Courier New" panose="02070309020205020404" pitchFamily="49" charset="0"/>
               <a:cs typeface="Courier New" panose="02070309020205020404" pitchFamily="49" charset="0"/>
             </a:endParaRPr>
@@ -9476,107 +9854,55 @@
               <a:buNone/>
             </a:pPr>
             <a:r>
-              <a:rPr lang="fr-FR" sz="3600" dirty="0">
-                <a:latin typeface="Courier New" panose="02070309020205020404" pitchFamily="49" charset="0"/>
-                <a:cs typeface="Courier New" panose="02070309020205020404" pitchFamily="49" charset="0"/>
-              </a:rPr>
-              <a:t>    </a:t>
-            </a:r>
-            <a:r>
-              <a:rPr lang="fr-FR" sz="3600" dirty="0" err="1" smtClean="0">
-                <a:latin typeface="Courier New" panose="02070309020205020404" pitchFamily="49" charset="0"/>
-                <a:cs typeface="Courier New" panose="02070309020205020404" pitchFamily="49" charset="0"/>
-              </a:rPr>
-              <a:t>def</a:t>
-            </a:r>
-            <a:r>
-              <a:rPr lang="fr-FR" sz="3600" dirty="0" smtClean="0">
-                <a:latin typeface="Courier New" panose="02070309020205020404" pitchFamily="49" charset="0"/>
-                <a:cs typeface="Courier New" panose="02070309020205020404" pitchFamily="49" charset="0"/>
-              </a:rPr>
-              <a:t> __</a:t>
-            </a:r>
-            <a:r>
-              <a:rPr lang="fr-FR" sz="3600" dirty="0" err="1" smtClean="0">
-                <a:latin typeface="Courier New" panose="02070309020205020404" pitchFamily="49" charset="0"/>
-                <a:cs typeface="Courier New" panose="02070309020205020404" pitchFamily="49" charset="0"/>
-              </a:rPr>
-              <a:t>init</a:t>
-            </a:r>
-            <a:r>
-              <a:rPr lang="fr-FR" sz="3600" dirty="0" smtClean="0">
-                <a:latin typeface="Courier New" panose="02070309020205020404" pitchFamily="49" charset="0"/>
-                <a:cs typeface="Courier New" panose="02070309020205020404" pitchFamily="49" charset="0"/>
-              </a:rPr>
-              <a:t>__(self, a):</a:t>
-            </a:r>
-          </a:p>
-          <a:p>
-            <a:pPr marL="0" indent="0">
-              <a:buNone/>
-            </a:pPr>
-            <a:r>
-              <a:rPr lang="fr-FR" sz="3600" dirty="0">
-                <a:latin typeface="Courier New" panose="02070309020205020404" pitchFamily="49" charset="0"/>
-                <a:cs typeface="Courier New" panose="02070309020205020404" pitchFamily="49" charset="0"/>
-              </a:rPr>
-              <a:t> </a:t>
-            </a:r>
-            <a:r>
-              <a:rPr lang="fr-FR" sz="3600" dirty="0" smtClean="0">
-                <a:latin typeface="Courier New" panose="02070309020205020404" pitchFamily="49" charset="0"/>
-                <a:cs typeface="Courier New" panose="02070309020205020404" pitchFamily="49" charset="0"/>
-              </a:rPr>
-              <a:t>       </a:t>
-            </a:r>
-            <a:r>
-              <a:rPr lang="fr-FR" sz="3600" dirty="0" err="1" smtClean="0">
-                <a:latin typeface="Courier New" panose="02070309020205020404" pitchFamily="49" charset="0"/>
-                <a:cs typeface="Courier New" panose="02070309020205020404" pitchFamily="49" charset="0"/>
-              </a:rPr>
-              <a:t>pass</a:t>
-            </a:r>
-            <a:endParaRPr lang="fr-FR" sz="3600" dirty="0">
+              <a:rPr lang="fr-FR" sz="2400" dirty="0">
+                <a:latin typeface="Courier New" panose="02070309020205020404" pitchFamily="49" charset="0"/>
+                <a:cs typeface="Courier New" panose="02070309020205020404" pitchFamily="49" charset="0"/>
+              </a:rPr>
+              <a:t>@</a:t>
+            </a:r>
+            <a:r>
+              <a:rPr lang="fr-FR" sz="2400" dirty="0" err="1">
+                <a:latin typeface="Courier New" panose="02070309020205020404" pitchFamily="49" charset="0"/>
+                <a:cs typeface="Courier New" panose="02070309020205020404" pitchFamily="49" charset="0"/>
+              </a:rPr>
+              <a:t>NbAppel</a:t>
+            </a:r>
+            <a:endParaRPr lang="fr-FR" sz="2400" dirty="0">
               <a:latin typeface="Courier New" panose="02070309020205020404" pitchFamily="49" charset="0"/>
               <a:cs typeface="Courier New" panose="02070309020205020404" pitchFamily="49" charset="0"/>
             </a:endParaRPr>
           </a:p>
           <a:p>
-            <a:endParaRPr lang="fr-FR" sz="3600" dirty="0"/>
-          </a:p>
-        </p:txBody>
-      </p:sp>
-      <p:sp>
-        <p:nvSpPr>
-          <p:cNvPr id="4" name="ZoneTexte 3"/>
-          <p:cNvSpPr txBox="1"/>
-          <p:nvPr/>
-        </p:nvSpPr>
-        <p:spPr>
-          <a:xfrm>
-            <a:off x="7575926" y="3405277"/>
-            <a:ext cx="7132320" cy="1754326"/>
-          </a:xfrm>
-          <a:prstGeom prst="rect">
-            <a:avLst/>
-          </a:prstGeom>
-          <a:noFill/>
-        </p:spPr>
-        <p:txBody>
-          <a:bodyPr wrap="square" rtlCol="0">
-            <a:spAutoFit/>
-          </a:bodyPr>
-          <a:lstStyle/>
-          <a:p>
             <a:pPr marL="0" indent="0">
               <a:buNone/>
             </a:pPr>
             <a:r>
-              <a:rPr lang="fr-FR" sz="3600" dirty="0" smtClean="0">
-                <a:latin typeface="Courier New" panose="02070309020205020404" pitchFamily="49" charset="0"/>
-                <a:cs typeface="Courier New" panose="02070309020205020404" pitchFamily="49" charset="0"/>
-              </a:rPr>
-              <a:t>C(1)</a:t>
+              <a:rPr lang="fr-FR" sz="2400" dirty="0" err="1">
+                <a:latin typeface="Courier New" panose="02070309020205020404" pitchFamily="49" charset="0"/>
+                <a:cs typeface="Courier New" panose="02070309020205020404" pitchFamily="49" charset="0"/>
+              </a:rPr>
+              <a:t>def</a:t>
+            </a:r>
+            <a:r>
+              <a:rPr lang="fr-FR" sz="2400" dirty="0">
+                <a:latin typeface="Courier New" panose="02070309020205020404" pitchFamily="49" charset="0"/>
+                <a:cs typeface="Courier New" panose="02070309020205020404" pitchFamily="49" charset="0"/>
+              </a:rPr>
+              <a:t> </a:t>
+            </a:r>
+            <a:r>
+              <a:rPr lang="fr-FR" sz="2400" dirty="0" smtClean="0">
+                <a:latin typeface="Courier New" panose="02070309020205020404" pitchFamily="49" charset="0"/>
+                <a:cs typeface="Courier New" panose="02070309020205020404" pitchFamily="49" charset="0"/>
+              </a:rPr>
+              <a:t>f(a</a:t>
+            </a:r>
+            <a:r>
+              <a:rPr lang="fr-FR" sz="2400" dirty="0">
+                <a:latin typeface="Courier New" panose="02070309020205020404" pitchFamily="49" charset="0"/>
+                <a:cs typeface="Courier New" panose="02070309020205020404" pitchFamily="49" charset="0"/>
+              </a:rPr>
+              <a:t>, b):</a:t>
             </a:r>
           </a:p>
           <a:p>
@@ -9584,95 +9910,711 @@
               <a:buNone/>
             </a:pPr>
             <a:r>
-              <a:rPr lang="fr-FR" sz="3600" dirty="0">
-                <a:latin typeface="Calibri" panose="020F0502020204030204" pitchFamily="34" charset="0"/>
-                <a:cs typeface="Courier New" panose="02070309020205020404" pitchFamily="49" charset="0"/>
-              </a:rPr>
-              <a:t>e</a:t>
-            </a:r>
-            <a:r>
-              <a:rPr lang="fr-FR" sz="3600" dirty="0" smtClean="0">
-                <a:latin typeface="Calibri" panose="020F0502020204030204" pitchFamily="34" charset="0"/>
-                <a:cs typeface="Courier New" panose="02070309020205020404" pitchFamily="49" charset="0"/>
-              </a:rPr>
-              <a:t>st </a:t>
-            </a:r>
-            <a:r>
-              <a:rPr lang="fr-FR" sz="3600" dirty="0" smtClean="0">
-                <a:latin typeface="Calibri" panose="020F0502020204030204" pitchFamily="34" charset="0"/>
-                <a:cs typeface="Courier New" panose="02070309020205020404" pitchFamily="49" charset="0"/>
-              </a:rPr>
-              <a:t>équivalent </a:t>
-            </a:r>
-            <a:r>
-              <a:rPr lang="fr-FR" sz="3600" dirty="0" smtClean="0">
-                <a:latin typeface="Calibri" panose="020F0502020204030204" pitchFamily="34" charset="0"/>
-                <a:cs typeface="Courier New" panose="02070309020205020404" pitchFamily="49" charset="0"/>
-              </a:rPr>
-              <a:t>à</a:t>
-            </a:r>
-            <a:endParaRPr lang="fr-FR" sz="3600" dirty="0" smtClean="0">
-              <a:latin typeface="Calibri" panose="020F0502020204030204" pitchFamily="34" charset="0"/>
-            </a:endParaRPr>
-          </a:p>
-          <a:p>
-            <a:pPr marL="0" indent="0">
-              <a:buNone/>
-            </a:pPr>
-            <a:r>
-              <a:rPr lang="fr-FR" sz="3600" dirty="0" err="1" smtClean="0">
-                <a:latin typeface="Courier New" panose="02070309020205020404" pitchFamily="49" charset="0"/>
-                <a:cs typeface="Courier New" panose="02070309020205020404" pitchFamily="49" charset="0"/>
-              </a:rPr>
-              <a:t>decorateur</a:t>
-            </a:r>
-            <a:r>
-              <a:rPr lang="fr-FR" sz="3600" dirty="0" smtClean="0">
-                <a:latin typeface="Courier New" panose="02070309020205020404" pitchFamily="49" charset="0"/>
-                <a:cs typeface="Courier New" panose="02070309020205020404" pitchFamily="49" charset="0"/>
-              </a:rPr>
-              <a:t>(C)(1)</a:t>
-            </a:r>
-            <a:endParaRPr lang="fr-FR" sz="3600" dirty="0">
+              <a:rPr lang="fr-FR" sz="2400" dirty="0">
+                <a:latin typeface="Courier New" panose="02070309020205020404" pitchFamily="49" charset="0"/>
+                <a:cs typeface="Courier New" panose="02070309020205020404" pitchFamily="49" charset="0"/>
+              </a:rPr>
+              <a:t>    </a:t>
+            </a:r>
+            <a:r>
+              <a:rPr lang="fr-FR" sz="2400" dirty="0" err="1">
+                <a:latin typeface="Courier New" panose="02070309020205020404" pitchFamily="49" charset="0"/>
+                <a:cs typeface="Courier New" panose="02070309020205020404" pitchFamily="49" charset="0"/>
+              </a:rPr>
+              <a:t>print</a:t>
+            </a:r>
+            <a:r>
+              <a:rPr lang="fr-FR" sz="2400" dirty="0">
+                <a:latin typeface="Courier New" panose="02070309020205020404" pitchFamily="49" charset="0"/>
+                <a:cs typeface="Courier New" panose="02070309020205020404" pitchFamily="49" charset="0"/>
+              </a:rPr>
+              <a:t> a, </a:t>
+            </a:r>
+            <a:r>
+              <a:rPr lang="fr-FR" sz="2400" dirty="0" smtClean="0">
+                <a:latin typeface="Courier New" panose="02070309020205020404" pitchFamily="49" charset="0"/>
+                <a:cs typeface="Courier New" panose="02070309020205020404" pitchFamily="49" charset="0"/>
+              </a:rPr>
+              <a:t>b</a:t>
+            </a:r>
+            <a:endParaRPr lang="fr-FR" sz="2400" dirty="0">
               <a:latin typeface="Courier New" panose="02070309020205020404" pitchFamily="49" charset="0"/>
               <a:cs typeface="Courier New" panose="02070309020205020404" pitchFamily="49" charset="0"/>
             </a:endParaRPr>
           </a:p>
         </p:txBody>
       </p:sp>
-      <p:cxnSp>
-        <p:nvCxnSpPr>
-          <p:cNvPr id="5" name="Connecteur droit 4"/>
-          <p:cNvCxnSpPr/>
+      <p:grpSp>
+        <p:nvGrpSpPr>
+          <p:cNvPr id="6" name="Groupe 5"/>
+          <p:cNvGrpSpPr/>
           <p:nvPr/>
-        </p:nvCxnSpPr>
-        <p:spPr bwMode="auto">
-          <a:xfrm flipH="1">
-            <a:off x="7564635" y="3405277"/>
-            <a:ext cx="11291" cy="1851377"/>
+        </p:nvGrpSpPr>
+        <p:grpSpPr>
+          <a:xfrm>
+            <a:off x="2759628" y="4854754"/>
+            <a:ext cx="7639783" cy="1405367"/>
+            <a:chOff x="3350602" y="4854756"/>
+            <a:chExt cx="7639783" cy="1405367"/>
           </a:xfrm>
-          <a:prstGeom prst="line">
-            <a:avLst/>
-          </a:prstGeom>
-          <a:noFill/>
-          <a:ln w="38100" cap="flat" cmpd="sng" algn="ctr">
-            <a:solidFill>
-              <a:schemeClr val="accent3">
-                <a:lumMod val="65000"/>
-              </a:schemeClr>
-            </a:solidFill>
-            <a:prstDash val="solid"/>
-            <a:round/>
-            <a:headEnd type="none" w="med" len="med"/>
-            <a:tailEnd type="none" w="lg" len="lg"/>
-          </a:ln>
-          <a:effectLst/>
-        </p:spPr>
-      </p:cxnSp>
+        </p:grpSpPr>
+        <p:sp>
+          <p:nvSpPr>
+            <p:cNvPr id="2" name="ZoneTexte 1"/>
+            <p:cNvSpPr txBox="1"/>
+            <p:nvPr/>
+          </p:nvSpPr>
+          <p:spPr>
+            <a:xfrm>
+              <a:off x="5890847" y="4854756"/>
+              <a:ext cx="5099538" cy="1200329"/>
+            </a:xfrm>
+            <a:prstGeom prst="rect">
+              <a:avLst/>
+            </a:prstGeom>
+            <a:noFill/>
+          </p:spPr>
+          <p:txBody>
+            <a:bodyPr wrap="square" rtlCol="0">
+              <a:spAutoFit/>
+            </a:bodyPr>
+            <a:lstStyle/>
+            <a:p>
+              <a:pPr marL="0" indent="0">
+                <a:buNone/>
+              </a:pPr>
+              <a:r>
+                <a:rPr lang="fr-FR" dirty="0" err="1" smtClean="0">
+                  <a:latin typeface="Courier New" panose="02070309020205020404" pitchFamily="49" charset="0"/>
+                  <a:cs typeface="Courier New" panose="02070309020205020404" pitchFamily="49" charset="0"/>
+                </a:rPr>
+                <a:t>def</a:t>
+              </a:r>
+              <a:r>
+                <a:rPr lang="fr-FR" dirty="0" smtClean="0">
+                  <a:latin typeface="Courier New" panose="02070309020205020404" pitchFamily="49" charset="0"/>
+                  <a:cs typeface="Courier New" panose="02070309020205020404" pitchFamily="49" charset="0"/>
+                </a:rPr>
+                <a:t> </a:t>
+              </a:r>
+              <a:r>
+                <a:rPr lang="fr-FR" dirty="0">
+                  <a:latin typeface="Courier New" panose="02070309020205020404" pitchFamily="49" charset="0"/>
+                  <a:cs typeface="Courier New" panose="02070309020205020404" pitchFamily="49" charset="0"/>
+                </a:rPr>
+                <a:t>f</a:t>
+              </a:r>
+              <a:r>
+                <a:rPr lang="fr-FR" dirty="0" smtClean="0">
+                  <a:latin typeface="Courier New" panose="02070309020205020404" pitchFamily="49" charset="0"/>
+                  <a:cs typeface="Courier New" panose="02070309020205020404" pitchFamily="49" charset="0"/>
+                </a:rPr>
+                <a:t>(a</a:t>
+              </a:r>
+              <a:r>
+                <a:rPr lang="fr-FR" dirty="0">
+                  <a:latin typeface="Courier New" panose="02070309020205020404" pitchFamily="49" charset="0"/>
+                  <a:cs typeface="Courier New" panose="02070309020205020404" pitchFamily="49" charset="0"/>
+                </a:rPr>
+                <a:t>, b):</a:t>
+              </a:r>
+            </a:p>
+            <a:p>
+              <a:pPr marL="0" indent="0">
+                <a:buNone/>
+              </a:pPr>
+              <a:r>
+                <a:rPr lang="fr-FR" dirty="0">
+                  <a:latin typeface="Courier New" panose="02070309020205020404" pitchFamily="49" charset="0"/>
+                  <a:cs typeface="Courier New" panose="02070309020205020404" pitchFamily="49" charset="0"/>
+                </a:rPr>
+                <a:t>    </a:t>
+              </a:r>
+              <a:r>
+                <a:rPr lang="fr-FR" dirty="0" err="1">
+                  <a:latin typeface="Courier New" panose="02070309020205020404" pitchFamily="49" charset="0"/>
+                  <a:cs typeface="Courier New" panose="02070309020205020404" pitchFamily="49" charset="0"/>
+                </a:rPr>
+                <a:t>print</a:t>
+              </a:r>
+              <a:r>
+                <a:rPr lang="fr-FR" dirty="0">
+                  <a:latin typeface="Courier New" panose="02070309020205020404" pitchFamily="49" charset="0"/>
+                  <a:cs typeface="Courier New" panose="02070309020205020404" pitchFamily="49" charset="0"/>
+                </a:rPr>
+                <a:t> a, </a:t>
+              </a:r>
+              <a:r>
+                <a:rPr lang="fr-FR" dirty="0" smtClean="0">
+                  <a:latin typeface="Courier New" panose="02070309020205020404" pitchFamily="49" charset="0"/>
+                  <a:cs typeface="Courier New" panose="02070309020205020404" pitchFamily="49" charset="0"/>
+                </a:rPr>
+                <a:t>b</a:t>
+              </a:r>
+            </a:p>
+            <a:p>
+              <a:pPr marL="0" indent="0">
+                <a:buNone/>
+              </a:pPr>
+              <a:r>
+                <a:rPr lang="fr-FR" dirty="0">
+                  <a:latin typeface="Courier New" panose="02070309020205020404" pitchFamily="49" charset="0"/>
+                  <a:cs typeface="Courier New" panose="02070309020205020404" pitchFamily="49" charset="0"/>
+                </a:rPr>
+                <a:t>f</a:t>
+              </a:r>
+              <a:r>
+                <a:rPr lang="fr-FR" dirty="0" smtClean="0">
+                  <a:latin typeface="Courier New" panose="02070309020205020404" pitchFamily="49" charset="0"/>
+                  <a:cs typeface="Courier New" panose="02070309020205020404" pitchFamily="49" charset="0"/>
+                </a:rPr>
+                <a:t> </a:t>
+              </a:r>
+              <a:r>
+                <a:rPr lang="fr-FR" dirty="0" smtClean="0">
+                  <a:latin typeface="Courier New" panose="02070309020205020404" pitchFamily="49" charset="0"/>
+                  <a:cs typeface="Courier New" panose="02070309020205020404" pitchFamily="49" charset="0"/>
+                </a:rPr>
+                <a:t>= </a:t>
+              </a:r>
+              <a:r>
+                <a:rPr lang="fr-FR" dirty="0" err="1" smtClean="0">
+                  <a:latin typeface="Courier New" panose="02070309020205020404" pitchFamily="49" charset="0"/>
+                  <a:cs typeface="Courier New" panose="02070309020205020404" pitchFamily="49" charset="0"/>
+                </a:rPr>
+                <a:t>NbAppel</a:t>
+              </a:r>
+              <a:r>
+                <a:rPr lang="fr-FR" dirty="0" smtClean="0">
+                  <a:latin typeface="Courier New" panose="02070309020205020404" pitchFamily="49" charset="0"/>
+                  <a:cs typeface="Courier New" panose="02070309020205020404" pitchFamily="49" charset="0"/>
+                </a:rPr>
+                <a:t>(f)</a:t>
+              </a:r>
+              <a:endParaRPr lang="fr-FR" dirty="0">
+                <a:latin typeface="Courier New" panose="02070309020205020404" pitchFamily="49" charset="0"/>
+                <a:cs typeface="Courier New" panose="02070309020205020404" pitchFamily="49" charset="0"/>
+              </a:endParaRPr>
+            </a:p>
+          </p:txBody>
+        </p:sp>
+        <p:sp>
+          <p:nvSpPr>
+            <p:cNvPr id="4" name="Accolade fermante 3"/>
+            <p:cNvSpPr/>
+            <p:nvPr/>
+          </p:nvSpPr>
+          <p:spPr bwMode="auto">
+            <a:xfrm>
+              <a:off x="3350602" y="4854756"/>
+              <a:ext cx="412506" cy="1405367"/>
+            </a:xfrm>
+            <a:prstGeom prst="rightBrace">
+              <a:avLst/>
+            </a:prstGeom>
+            <a:noFill/>
+            <a:ln w="38100" cap="flat" cmpd="sng" algn="ctr">
+              <a:solidFill>
+                <a:schemeClr val="tx1"/>
+              </a:solidFill>
+              <a:prstDash val="solid"/>
+              <a:round/>
+              <a:headEnd type="none" w="med" len="med"/>
+              <a:tailEnd type="none" w="lg" len="lg"/>
+            </a:ln>
+            <a:effectLst/>
+          </p:spPr>
+          <p:txBody>
+            <a:bodyPr rtlCol="0" anchor="ctr"/>
+            <a:lstStyle/>
+            <a:p>
+              <a:pPr algn="ctr"/>
+              <a:endParaRPr lang="fr-FR"/>
+            </a:p>
+          </p:txBody>
+        </p:sp>
+        <p:sp>
+          <p:nvSpPr>
+            <p:cNvPr id="5" name="Double flèche horizontale 4"/>
+            <p:cNvSpPr/>
+            <p:nvPr/>
+          </p:nvSpPr>
+          <p:spPr bwMode="auto">
+            <a:xfrm>
+              <a:off x="4131652" y="5257356"/>
+              <a:ext cx="1390650" cy="600165"/>
+            </a:xfrm>
+            <a:prstGeom prst="leftRightArrow">
+              <a:avLst/>
+            </a:prstGeom>
+            <a:noFill/>
+            <a:ln w="38100" cap="flat" cmpd="sng" algn="ctr">
+              <a:solidFill>
+                <a:schemeClr val="tx1"/>
+              </a:solidFill>
+              <a:prstDash val="solid"/>
+              <a:round/>
+              <a:headEnd type="none" w="med" len="med"/>
+              <a:tailEnd type="triangle" w="lg" len="lg"/>
+            </a:ln>
+            <a:effectLst/>
+          </p:spPr>
+          <p:txBody>
+            <a:bodyPr rtlCol="0" anchor="ctr"/>
+            <a:lstStyle/>
+            <a:p>
+              <a:pPr algn="ctr"/>
+              <a:endParaRPr lang="fr-FR"/>
+            </a:p>
+          </p:txBody>
+        </p:sp>
+      </p:grpSp>
+      <p:grpSp>
+        <p:nvGrpSpPr>
+          <p:cNvPr id="10" name="Groupe 9"/>
+          <p:cNvGrpSpPr/>
+          <p:nvPr/>
+        </p:nvGrpSpPr>
+        <p:grpSpPr>
+          <a:xfrm>
+            <a:off x="5306776" y="196207"/>
+            <a:ext cx="6885223" cy="5858878"/>
+            <a:chOff x="5890847" y="196207"/>
+            <a:chExt cx="6885223" cy="5858878"/>
+          </a:xfrm>
+        </p:grpSpPr>
+        <p:sp>
+          <p:nvSpPr>
+            <p:cNvPr id="7" name="Rectangle 6"/>
+            <p:cNvSpPr/>
+            <p:nvPr/>
+          </p:nvSpPr>
+          <p:spPr bwMode="auto">
+            <a:xfrm>
+              <a:off x="5890847" y="5557438"/>
+              <a:ext cx="2757853" cy="497647"/>
+            </a:xfrm>
+            <a:prstGeom prst="rect">
+              <a:avLst/>
+            </a:prstGeom>
+            <a:noFill/>
+            <a:ln w="57150" cap="flat" cmpd="sng" algn="ctr">
+              <a:solidFill>
+                <a:srgbClr val="FF0000"/>
+              </a:solidFill>
+              <a:prstDash val="solid"/>
+              <a:round/>
+              <a:headEnd type="none" w="med" len="med"/>
+              <a:tailEnd type="triangle" w="lg" len="lg"/>
+            </a:ln>
+            <a:effectLst/>
+          </p:spPr>
+          <p:txBody>
+            <a:bodyPr rtlCol="0" anchor="ctr"/>
+            <a:lstStyle/>
+            <a:p>
+              <a:pPr algn="ctr"/>
+              <a:endParaRPr lang="fr-FR"/>
+            </a:p>
+          </p:txBody>
+        </p:sp>
+        <p:sp>
+          <p:nvSpPr>
+            <p:cNvPr id="8" name="Forme libre 7"/>
+            <p:cNvSpPr/>
+            <p:nvPr/>
+          </p:nvSpPr>
+          <p:spPr bwMode="auto">
+            <a:xfrm>
+              <a:off x="6830986" y="1181100"/>
+              <a:ext cx="1036664" cy="4381500"/>
+            </a:xfrm>
+            <a:custGeom>
+              <a:avLst/>
+              <a:gdLst>
+                <a:gd name="connsiteX0" fmla="*/ 388964 w 1036664"/>
+                <a:gd name="connsiteY0" fmla="*/ 4381500 h 4381500"/>
+                <a:gd name="connsiteX1" fmla="*/ 27014 w 1036664"/>
+                <a:gd name="connsiteY1" fmla="*/ 1276350 h 4381500"/>
+                <a:gd name="connsiteX2" fmla="*/ 1036664 w 1036664"/>
+                <a:gd name="connsiteY2" fmla="*/ 0 h 4381500"/>
+              </a:gdLst>
+              <a:ahLst/>
+              <a:cxnLst>
+                <a:cxn ang="0">
+                  <a:pos x="connsiteX0" y="connsiteY0"/>
+                </a:cxn>
+                <a:cxn ang="0">
+                  <a:pos x="connsiteX1" y="connsiteY1"/>
+                </a:cxn>
+                <a:cxn ang="0">
+                  <a:pos x="connsiteX2" y="connsiteY2"/>
+                </a:cxn>
+              </a:cxnLst>
+              <a:rect l="l" t="t" r="r" b="b"/>
+              <a:pathLst>
+                <a:path w="1036664" h="4381500">
+                  <a:moveTo>
+                    <a:pt x="388964" y="4381500"/>
+                  </a:moveTo>
+                  <a:cubicBezTo>
+                    <a:pt x="154014" y="3194050"/>
+                    <a:pt x="-80936" y="2006600"/>
+                    <a:pt x="27014" y="1276350"/>
+                  </a:cubicBezTo>
+                  <a:cubicBezTo>
+                    <a:pt x="134964" y="546100"/>
+                    <a:pt x="585814" y="273050"/>
+                    <a:pt x="1036664" y="0"/>
+                  </a:cubicBezTo>
+                </a:path>
+              </a:pathLst>
+            </a:custGeom>
+            <a:noFill/>
+            <a:ln w="50800" cap="flat" cmpd="sng" algn="ctr">
+              <a:solidFill>
+                <a:srgbClr val="FF0000"/>
+              </a:solidFill>
+              <a:prstDash val="solid"/>
+              <a:round/>
+              <a:headEnd type="none" w="med" len="med"/>
+              <a:tailEnd type="triangle" w="lg" len="lg"/>
+            </a:ln>
+            <a:effectLst/>
+          </p:spPr>
+          <p:txBody>
+            <a:bodyPr rtlCol="0" anchor="ctr"/>
+            <a:lstStyle/>
+            <a:p>
+              <a:pPr algn="ctr"/>
+              <a:endParaRPr lang="fr-FR"/>
+            </a:p>
+          </p:txBody>
+        </p:sp>
+        <p:sp>
+          <p:nvSpPr>
+            <p:cNvPr id="9" name="ZoneTexte 8"/>
+            <p:cNvSpPr txBox="1"/>
+            <p:nvPr/>
+          </p:nvSpPr>
+          <p:spPr>
+            <a:xfrm>
+              <a:off x="7585091" y="196207"/>
+              <a:ext cx="5190979" cy="2554545"/>
+            </a:xfrm>
+            <a:prstGeom prst="rect">
+              <a:avLst/>
+            </a:prstGeom>
+            <a:noFill/>
+          </p:spPr>
+          <p:txBody>
+            <a:bodyPr wrap="square" rtlCol="0">
+              <a:spAutoFit/>
+            </a:bodyPr>
+            <a:lstStyle/>
+            <a:p>
+              <a:pPr marL="457200" indent="-457200">
+                <a:buFont typeface="Arial" panose="020B0604020202020204" pitchFamily="34" charset="0"/>
+                <a:buChar char="•"/>
+              </a:pPr>
+              <a:r>
+                <a:rPr lang="fr-FR" sz="3200" dirty="0">
+                  <a:latin typeface="Courier New" panose="02070309020205020404" pitchFamily="49" charset="0"/>
+                  <a:cs typeface="Courier New" panose="02070309020205020404" pitchFamily="49" charset="0"/>
+                </a:rPr>
+                <a:t>f</a:t>
+              </a:r>
+              <a:r>
+                <a:rPr lang="fr-FR" sz="3200" dirty="0" smtClean="0">
+                  <a:latin typeface="Calibri" panose="020F0502020204030204" pitchFamily="34" charset="0"/>
+                </a:rPr>
+                <a:t> </a:t>
+              </a:r>
+              <a:r>
+                <a:rPr lang="fr-FR" sz="3200" dirty="0" smtClean="0">
+                  <a:latin typeface="Calibri" panose="020F0502020204030204" pitchFamily="34" charset="0"/>
+                </a:rPr>
+                <a:t>n’est plus une fonction, mais une instance de </a:t>
+              </a:r>
+              <a:r>
+                <a:rPr lang="fr-FR" sz="3200" dirty="0" err="1" smtClean="0">
+                  <a:latin typeface="Courier New" panose="02070309020205020404" pitchFamily="49" charset="0"/>
+                  <a:cs typeface="Courier New" panose="02070309020205020404" pitchFamily="49" charset="0"/>
+                </a:rPr>
+                <a:t>NbAppel</a:t>
+              </a:r>
+              <a:endParaRPr lang="fr-FR" sz="3200" dirty="0">
+                <a:latin typeface="Courier New" panose="02070309020205020404" pitchFamily="49" charset="0"/>
+                <a:cs typeface="Courier New" panose="02070309020205020404" pitchFamily="49" charset="0"/>
+              </a:endParaRPr>
+            </a:p>
+            <a:p>
+              <a:pPr marL="457200" indent="-457200">
+                <a:buFont typeface="Arial" panose="020B0604020202020204" pitchFamily="34" charset="0"/>
+                <a:buChar char="•"/>
+              </a:pPr>
+              <a:r>
+                <a:rPr lang="fr-FR" sz="3200" dirty="0">
+                  <a:latin typeface="Courier New" panose="02070309020205020404" pitchFamily="49" charset="0"/>
+                  <a:cs typeface="Courier New" panose="02070309020205020404" pitchFamily="49" charset="0"/>
+                </a:rPr>
+                <a:t>f</a:t>
+              </a:r>
+              <a:r>
+                <a:rPr lang="fr-FR" sz="3200" dirty="0" smtClean="0">
+                  <a:latin typeface="Courier New" panose="02070309020205020404" pitchFamily="49" charset="0"/>
+                  <a:cs typeface="Courier New" panose="02070309020205020404" pitchFamily="49" charset="0"/>
+                </a:rPr>
+                <a:t>(a</a:t>
+              </a:r>
+              <a:r>
+                <a:rPr lang="fr-FR" sz="3200" dirty="0" smtClean="0">
+                  <a:latin typeface="Courier New" panose="02070309020205020404" pitchFamily="49" charset="0"/>
+                  <a:cs typeface="Courier New" panose="02070309020205020404" pitchFamily="49" charset="0"/>
+                </a:rPr>
+                <a:t>, b) </a:t>
+              </a:r>
+              <a:r>
+                <a:rPr lang="fr-FR" sz="3200" dirty="0" smtClean="0">
+                  <a:latin typeface="Calibri" panose="020F0502020204030204" pitchFamily="34" charset="0"/>
+                  <a:cs typeface="Courier New" panose="02070309020205020404" pitchFamily="49" charset="0"/>
+                </a:rPr>
+                <a:t>appelle </a:t>
+              </a:r>
+              <a:r>
+                <a:rPr lang="fr-FR" sz="3200" dirty="0" smtClean="0">
+                  <a:latin typeface="Courier New" panose="02070309020205020404" pitchFamily="49" charset="0"/>
+                  <a:cs typeface="Courier New" panose="02070309020205020404" pitchFamily="49" charset="0"/>
+                </a:rPr>
+                <a:t>__call__ </a:t>
+              </a:r>
+              <a:r>
+                <a:rPr lang="fr-FR" sz="3200" dirty="0" smtClean="0">
+                  <a:latin typeface="Calibri" panose="020F0502020204030204" pitchFamily="34" charset="0"/>
+                  <a:cs typeface="Courier New" panose="02070309020205020404" pitchFamily="49" charset="0"/>
+                </a:rPr>
+                <a:t>sur l’instance</a:t>
+              </a:r>
+              <a:endParaRPr lang="fr-FR" sz="3200" dirty="0">
+                <a:latin typeface="Courier New" panose="02070309020205020404" pitchFamily="49" charset="0"/>
+                <a:cs typeface="Courier New" panose="02070309020205020404" pitchFamily="49" charset="0"/>
+              </a:endParaRPr>
+            </a:p>
+          </p:txBody>
+        </p:sp>
+      </p:grpSp>
+      <p:grpSp>
+        <p:nvGrpSpPr>
+          <p:cNvPr id="14" name="Groupe 13"/>
+          <p:cNvGrpSpPr/>
+          <p:nvPr/>
+        </p:nvGrpSpPr>
+        <p:grpSpPr>
+          <a:xfrm>
+            <a:off x="1485900" y="308310"/>
+            <a:ext cx="10777348" cy="4035090"/>
+            <a:chOff x="1485900" y="308310"/>
+            <a:chExt cx="10777348" cy="4035090"/>
+          </a:xfrm>
+        </p:grpSpPr>
+        <p:sp>
+          <p:nvSpPr>
+            <p:cNvPr id="11" name="Rectangle 10"/>
+            <p:cNvSpPr/>
+            <p:nvPr/>
+          </p:nvSpPr>
+          <p:spPr bwMode="auto">
+            <a:xfrm>
+              <a:off x="1485900" y="3886200"/>
+              <a:ext cx="4036402" cy="457200"/>
+            </a:xfrm>
+            <a:prstGeom prst="rect">
+              <a:avLst/>
+            </a:prstGeom>
+            <a:noFill/>
+            <a:ln w="50800" cap="flat" cmpd="sng" algn="ctr">
+              <a:solidFill>
+                <a:srgbClr val="FF0000"/>
+              </a:solidFill>
+              <a:prstDash val="solid"/>
+              <a:round/>
+              <a:headEnd type="none" w="med" len="med"/>
+              <a:tailEnd type="triangle" w="lg" len="lg"/>
+            </a:ln>
+            <a:effectLst/>
+          </p:spPr>
+          <p:txBody>
+            <a:bodyPr rtlCol="0" anchor="ctr"/>
+            <a:lstStyle/>
+            <a:p>
+              <a:pPr algn="ctr"/>
+              <a:endParaRPr lang="fr-FR"/>
+            </a:p>
+          </p:txBody>
+        </p:sp>
+        <p:sp>
+          <p:nvSpPr>
+            <p:cNvPr id="12" name="Forme libre 11"/>
+            <p:cNvSpPr/>
+            <p:nvPr/>
+          </p:nvSpPr>
+          <p:spPr bwMode="auto">
+            <a:xfrm>
+              <a:off x="5543550" y="1409700"/>
+              <a:ext cx="2514600" cy="2705100"/>
+            </a:xfrm>
+            <a:custGeom>
+              <a:avLst/>
+              <a:gdLst>
+                <a:gd name="connsiteX0" fmla="*/ 0 w 3429000"/>
+                <a:gd name="connsiteY0" fmla="*/ 611778 h 802278"/>
+                <a:gd name="connsiteX1" fmla="*/ 1352550 w 3429000"/>
+                <a:gd name="connsiteY1" fmla="*/ 2178 h 802278"/>
+                <a:gd name="connsiteX2" fmla="*/ 3429000 w 3429000"/>
+                <a:gd name="connsiteY2" fmla="*/ 802278 h 802278"/>
+                <a:gd name="connsiteX0" fmla="*/ 0 w 2514600"/>
+                <a:gd name="connsiteY0" fmla="*/ 2753216 h 2753216"/>
+                <a:gd name="connsiteX1" fmla="*/ 1352550 w 2514600"/>
+                <a:gd name="connsiteY1" fmla="*/ 2143616 h 2753216"/>
+                <a:gd name="connsiteX2" fmla="*/ 2514600 w 2514600"/>
+                <a:gd name="connsiteY2" fmla="*/ 48116 h 2753216"/>
+                <a:gd name="connsiteX0" fmla="*/ 0 w 2514600"/>
+                <a:gd name="connsiteY0" fmla="*/ 2705100 h 2705100"/>
+                <a:gd name="connsiteX1" fmla="*/ 1352550 w 2514600"/>
+                <a:gd name="connsiteY1" fmla="*/ 2095500 h 2705100"/>
+                <a:gd name="connsiteX2" fmla="*/ 2514600 w 2514600"/>
+                <a:gd name="connsiteY2" fmla="*/ 0 h 2705100"/>
+                <a:gd name="connsiteX0" fmla="*/ 0 w 2514600"/>
+                <a:gd name="connsiteY0" fmla="*/ 2705100 h 2705100"/>
+                <a:gd name="connsiteX1" fmla="*/ 1352550 w 2514600"/>
+                <a:gd name="connsiteY1" fmla="*/ 2095500 h 2705100"/>
+                <a:gd name="connsiteX2" fmla="*/ 2514600 w 2514600"/>
+                <a:gd name="connsiteY2" fmla="*/ 0 h 2705100"/>
+              </a:gdLst>
+              <a:ahLst/>
+              <a:cxnLst>
+                <a:cxn ang="0">
+                  <a:pos x="connsiteX0" y="connsiteY0"/>
+                </a:cxn>
+                <a:cxn ang="0">
+                  <a:pos x="connsiteX1" y="connsiteY1"/>
+                </a:cxn>
+                <a:cxn ang="0">
+                  <a:pos x="connsiteX2" y="connsiteY2"/>
+                </a:cxn>
+              </a:cxnLst>
+              <a:rect l="l" t="t" r="r" b="b"/>
+              <a:pathLst>
+                <a:path w="2514600" h="2705100">
+                  <a:moveTo>
+                    <a:pt x="0" y="2705100"/>
+                  </a:moveTo>
+                  <a:cubicBezTo>
+                    <a:pt x="390525" y="2384425"/>
+                    <a:pt x="933450" y="2546350"/>
+                    <a:pt x="1352550" y="2095500"/>
+                  </a:cubicBezTo>
+                  <a:cubicBezTo>
+                    <a:pt x="1771650" y="1644650"/>
+                    <a:pt x="2066925" y="358775"/>
+                    <a:pt x="2514600" y="0"/>
+                  </a:cubicBezTo>
+                </a:path>
+              </a:pathLst>
+            </a:custGeom>
+            <a:noFill/>
+            <a:ln w="50800" cap="flat" cmpd="sng" algn="ctr">
+              <a:solidFill>
+                <a:srgbClr val="FF0000"/>
+              </a:solidFill>
+              <a:prstDash val="solid"/>
+              <a:round/>
+              <a:headEnd type="none" w="med" len="med"/>
+              <a:tailEnd type="triangle" w="lg" len="lg"/>
+            </a:ln>
+            <a:effectLst/>
+          </p:spPr>
+          <p:txBody>
+            <a:bodyPr rtlCol="0" anchor="ctr"/>
+            <a:lstStyle/>
+            <a:p>
+              <a:pPr algn="ctr"/>
+              <a:endParaRPr lang="fr-FR"/>
+            </a:p>
+          </p:txBody>
+        </p:sp>
+        <p:sp>
+          <p:nvSpPr>
+            <p:cNvPr id="13" name="ZoneTexte 12"/>
+            <p:cNvSpPr txBox="1"/>
+            <p:nvPr/>
+          </p:nvSpPr>
+          <p:spPr>
+            <a:xfrm>
+              <a:off x="8008192" y="308310"/>
+              <a:ext cx="4255056" cy="2062103"/>
+            </a:xfrm>
+            <a:prstGeom prst="rect">
+              <a:avLst/>
+            </a:prstGeom>
+            <a:noFill/>
+          </p:spPr>
+          <p:txBody>
+            <a:bodyPr wrap="square" rtlCol="0">
+              <a:spAutoFit/>
+            </a:bodyPr>
+            <a:lstStyle/>
+            <a:p>
+              <a:r>
+                <a:rPr lang="fr-FR" sz="3200" dirty="0" smtClean="0">
+                  <a:latin typeface="Courier New" panose="02070309020205020404" pitchFamily="49" charset="0"/>
+                  <a:cs typeface="Courier New" panose="02070309020205020404" pitchFamily="49" charset="0"/>
+                </a:rPr>
+                <a:t>__call__ </a:t>
+              </a:r>
+              <a:r>
+                <a:rPr lang="fr-FR" sz="3200" dirty="0" smtClean="0">
+                  <a:latin typeface="Calibri" panose="020F0502020204030204" pitchFamily="34" charset="0"/>
+                </a:rPr>
+                <a:t>retourne </a:t>
+              </a:r>
+              <a:r>
+                <a:rPr lang="fr-FR" sz="3200" dirty="0" smtClean="0">
+                  <a:latin typeface="Calibri" panose="020F0502020204030204" pitchFamily="34" charset="0"/>
+                </a:rPr>
+                <a:t>la valeur de retour de l’appel de la </a:t>
+              </a:r>
+              <a:r>
+                <a:rPr lang="fr-FR" sz="3200" dirty="0" smtClean="0">
+                  <a:latin typeface="Calibri" panose="020F0502020204030204" pitchFamily="34" charset="0"/>
+                </a:rPr>
+                <a:t>fonction </a:t>
+              </a:r>
+              <a:r>
+                <a:rPr lang="fr-FR" sz="3200" dirty="0" smtClean="0">
+                  <a:latin typeface="Calibri" panose="020F0502020204030204" pitchFamily="34" charset="0"/>
+                </a:rPr>
+                <a:t>originale </a:t>
+              </a:r>
+              <a:r>
+                <a:rPr lang="fr-FR" sz="3200" dirty="0" smtClean="0">
+                  <a:latin typeface="Courier New" panose="02070309020205020404" pitchFamily="49" charset="0"/>
+                  <a:cs typeface="Courier New" panose="02070309020205020404" pitchFamily="49" charset="0"/>
+                </a:rPr>
+                <a:t>f</a:t>
+              </a:r>
+              <a:endParaRPr lang="fr-FR" sz="3200" dirty="0">
+                <a:latin typeface="Courier New" panose="02070309020205020404" pitchFamily="49" charset="0"/>
+                <a:cs typeface="Courier New" panose="02070309020205020404" pitchFamily="49" charset="0"/>
+              </a:endParaRPr>
+            </a:p>
+          </p:txBody>
+        </p:sp>
+      </p:grpSp>
     </p:spTree>
     <p:extLst>
       <p:ext uri="{BB962C8B-B14F-4D97-AF65-F5344CB8AC3E}">
-        <p14:creationId xmlns:p14="http://schemas.microsoft.com/office/powerpoint/2010/main" val="1009089169"/>
+        <p14:creationId xmlns:p14="http://schemas.microsoft.com/office/powerpoint/2010/main" val="2284861738"/>
       </p:ext>
     </p:extLst>
   </p:cSld>
@@ -9691,9 +10633,6 @@
                     <p:cTn id="3" fill="hold">
                       <p:stCondLst>
                         <p:cond delay="indefinite"/>
-                        <p:cond evt="onBegin" delay="0">
-                          <p:tn val="2"/>
-                        </p:cond>
                       </p:stCondLst>
                       <p:childTnLst>
                         <p:par>
@@ -9703,10 +10642,13 @@
                             </p:stCondLst>
                             <p:childTnLst>
                               <p:par>
-                                <p:cTn id="5" presetID="10" presetClass="entr" presetSubtype="0" fill="hold" nodeType="withEffect">
+                                <p:cTn id="5" presetID="1" presetClass="entr" presetSubtype="0" fill="hold" nodeType="clickEffect">
                                   <p:stCondLst>
                                     <p:cond delay="0"/>
                                   </p:stCondLst>
+                                  <p:iterate type="lt">
+                                    <p:tmAbs val="100"/>
+                                  </p:iterate>
                                   <p:childTnLst>
                                     <p:set>
                                       <p:cBhvr>
@@ -9730,18 +10672,6 @@
                                         <p:strVal val="visible"/>
                                       </p:to>
                                     </p:set>
-                                    <p:animEffect transition="in" filter="fade">
-                                      <p:cBhvr>
-                                        <p:cTn id="7" dur="500"/>
-                                        <p:tgtEl>
-                                          <p:spTgt spid="3">
-                                            <p:txEl>
-                                              <p:pRg st="0" end="0"/>
-                                            </p:txEl>
-                                          </p:spTgt>
-                                        </p:tgtEl>
-                                      </p:cBhvr>
-                                    </p:animEffect>
                                   </p:childTnLst>
                                 </p:cTn>
                               </p:par>
@@ -9752,26 +10682,29 @@
                     </p:cTn>
                   </p:par>
                   <p:par>
-                    <p:cTn id="8" fill="hold">
+                    <p:cTn id="7" fill="hold">
                       <p:stCondLst>
                         <p:cond delay="indefinite"/>
                       </p:stCondLst>
                       <p:childTnLst>
                         <p:par>
-                          <p:cTn id="9" fill="hold">
+                          <p:cTn id="8" fill="hold">
                             <p:stCondLst>
                               <p:cond delay="0"/>
                             </p:stCondLst>
                             <p:childTnLst>
                               <p:par>
-                                <p:cTn id="10" presetID="10" presetClass="entr" presetSubtype="0" fill="hold" nodeType="clickEffect">
+                                <p:cTn id="9" presetID="1" presetClass="entr" presetSubtype="0" fill="hold" nodeType="clickEffect">
                                   <p:stCondLst>
                                     <p:cond delay="0"/>
                                   </p:stCondLst>
+                                  <p:iterate type="lt">
+                                    <p:tmAbs val="100"/>
+                                  </p:iterate>
                                   <p:childTnLst>
                                     <p:set>
                                       <p:cBhvr>
-                                        <p:cTn id="11" dur="1" fill="hold">
+                                        <p:cTn id="10" dur="1" fill="hold">
                                           <p:stCondLst>
                                             <p:cond delay="0"/>
                                           </p:stCondLst>
@@ -9791,15 +10724,504 @@
                                         <p:strVal val="visible"/>
                                       </p:to>
                                     </p:set>
-                                    <p:animEffect transition="in" filter="fade">
+                                  </p:childTnLst>
+                                </p:cTn>
+                              </p:par>
+                            </p:childTnLst>
+                          </p:cTn>
+                        </p:par>
+                        <p:par>
+                          <p:cTn id="11" fill="hold">
+                            <p:stCondLst>
+                              <p:cond delay="1901"/>
+                            </p:stCondLst>
+                            <p:childTnLst>
+                              <p:par>
+                                <p:cTn id="12" presetID="1" presetClass="entr" presetSubtype="0" fill="hold" nodeType="afterEffect">
+                                  <p:stCondLst>
+                                    <p:cond delay="0"/>
+                                  </p:stCondLst>
+                                  <p:iterate type="lt">
+                                    <p:tmAbs val="100"/>
+                                  </p:iterate>
+                                  <p:childTnLst>
+                                    <p:set>
                                       <p:cBhvr>
-                                        <p:cTn id="12" dur="500"/>
+                                        <p:cTn id="13" dur="1" fill="hold">
+                                          <p:stCondLst>
+                                            <p:cond delay="0"/>
+                                          </p:stCondLst>
+                                        </p:cTn>
                                         <p:tgtEl>
                                           <p:spTgt spid="3">
                                             <p:txEl>
-                                              <p:pRg st="1" end="1"/>
+                                              <p:pRg st="2" end="2"/>
                                             </p:txEl>
                                           </p:spTgt>
+                                        </p:tgtEl>
+                                        <p:attrNameLst>
+                                          <p:attrName>style.visibility</p:attrName>
+                                        </p:attrNameLst>
+                                      </p:cBhvr>
+                                      <p:to>
+                                        <p:strVal val="visible"/>
+                                      </p:to>
+                                    </p:set>
+                                  </p:childTnLst>
+                                </p:cTn>
+                              </p:par>
+                            </p:childTnLst>
+                          </p:cTn>
+                        </p:par>
+                        <p:par>
+                          <p:cTn id="14" fill="hold">
+                            <p:stCondLst>
+                              <p:cond delay="3002"/>
+                            </p:stCondLst>
+                            <p:childTnLst>
+                              <p:par>
+                                <p:cTn id="15" presetID="1" presetClass="entr" presetSubtype="0" fill="hold" nodeType="afterEffect">
+                                  <p:stCondLst>
+                                    <p:cond delay="0"/>
+                                  </p:stCondLst>
+                                  <p:iterate type="lt">
+                                    <p:tmAbs val="100"/>
+                                  </p:iterate>
+                                  <p:childTnLst>
+                                    <p:set>
+                                      <p:cBhvr>
+                                        <p:cTn id="16" dur="1" fill="hold">
+                                          <p:stCondLst>
+                                            <p:cond delay="0"/>
+                                          </p:stCondLst>
+                                        </p:cTn>
+                                        <p:tgtEl>
+                                          <p:spTgt spid="3">
+                                            <p:txEl>
+                                              <p:pRg st="3" end="3"/>
+                                            </p:txEl>
+                                          </p:spTgt>
+                                        </p:tgtEl>
+                                        <p:attrNameLst>
+                                          <p:attrName>style.visibility</p:attrName>
+                                        </p:attrNameLst>
+                                      </p:cBhvr>
+                                      <p:to>
+                                        <p:strVal val="visible"/>
+                                      </p:to>
+                                    </p:set>
+                                  </p:childTnLst>
+                                </p:cTn>
+                              </p:par>
+                            </p:childTnLst>
+                          </p:cTn>
+                        </p:par>
+                      </p:childTnLst>
+                    </p:cTn>
+                  </p:par>
+                  <p:par>
+                    <p:cTn id="17" fill="hold">
+                      <p:stCondLst>
+                        <p:cond delay="indefinite"/>
+                      </p:stCondLst>
+                      <p:childTnLst>
+                        <p:par>
+                          <p:cTn id="18" fill="hold">
+                            <p:stCondLst>
+                              <p:cond delay="0"/>
+                            </p:stCondLst>
+                            <p:childTnLst>
+                              <p:par>
+                                <p:cTn id="19" presetID="1" presetClass="entr" presetSubtype="0" fill="hold" nodeType="clickEffect">
+                                  <p:stCondLst>
+                                    <p:cond delay="0"/>
+                                  </p:stCondLst>
+                                  <p:iterate type="lt">
+                                    <p:tmAbs val="100"/>
+                                  </p:iterate>
+                                  <p:childTnLst>
+                                    <p:set>
+                                      <p:cBhvr>
+                                        <p:cTn id="20" dur="1" fill="hold">
+                                          <p:stCondLst>
+                                            <p:cond delay="0"/>
+                                          </p:stCondLst>
+                                        </p:cTn>
+                                        <p:tgtEl>
+                                          <p:spTgt spid="3">
+                                            <p:txEl>
+                                              <p:pRg st="4" end="4"/>
+                                            </p:txEl>
+                                          </p:spTgt>
+                                        </p:tgtEl>
+                                        <p:attrNameLst>
+                                          <p:attrName>style.visibility</p:attrName>
+                                        </p:attrNameLst>
+                                      </p:cBhvr>
+                                      <p:to>
+                                        <p:strVal val="visible"/>
+                                      </p:to>
+                                    </p:set>
+                                  </p:childTnLst>
+                                </p:cTn>
+                              </p:par>
+                            </p:childTnLst>
+                          </p:cTn>
+                        </p:par>
+                        <p:par>
+                          <p:cTn id="21" fill="hold">
+                            <p:stCondLst>
+                              <p:cond delay="2301"/>
+                            </p:stCondLst>
+                            <p:childTnLst>
+                              <p:par>
+                                <p:cTn id="22" presetID="1" presetClass="entr" presetSubtype="0" fill="hold" nodeType="afterEffect">
+                                  <p:stCondLst>
+                                    <p:cond delay="0"/>
+                                  </p:stCondLst>
+                                  <p:iterate type="lt">
+                                    <p:tmAbs val="100"/>
+                                  </p:iterate>
+                                  <p:childTnLst>
+                                    <p:set>
+                                      <p:cBhvr>
+                                        <p:cTn id="23" dur="1" fill="hold">
+                                          <p:stCondLst>
+                                            <p:cond delay="0"/>
+                                          </p:stCondLst>
+                                        </p:cTn>
+                                        <p:tgtEl>
+                                          <p:spTgt spid="3">
+                                            <p:txEl>
+                                              <p:pRg st="5" end="5"/>
+                                            </p:txEl>
+                                          </p:spTgt>
+                                        </p:tgtEl>
+                                        <p:attrNameLst>
+                                          <p:attrName>style.visibility</p:attrName>
+                                        </p:attrNameLst>
+                                      </p:cBhvr>
+                                      <p:to>
+                                        <p:strVal val="visible"/>
+                                      </p:to>
+                                    </p:set>
+                                  </p:childTnLst>
+                                </p:cTn>
+                              </p:par>
+                            </p:childTnLst>
+                          </p:cTn>
+                        </p:par>
+                        <p:par>
+                          <p:cTn id="24" fill="hold">
+                            <p:stCondLst>
+                              <p:cond delay="4502"/>
+                            </p:stCondLst>
+                            <p:childTnLst>
+                              <p:par>
+                                <p:cTn id="25" presetID="1" presetClass="entr" presetSubtype="0" fill="hold" nodeType="afterEffect">
+                                  <p:stCondLst>
+                                    <p:cond delay="0"/>
+                                  </p:stCondLst>
+                                  <p:iterate type="lt">
+                                    <p:tmAbs val="100"/>
+                                  </p:iterate>
+                                  <p:childTnLst>
+                                    <p:set>
+                                      <p:cBhvr>
+                                        <p:cTn id="26" dur="1" fill="hold">
+                                          <p:stCondLst>
+                                            <p:cond delay="0"/>
+                                          </p:stCondLst>
+                                        </p:cTn>
+                                        <p:tgtEl>
+                                          <p:spTgt spid="3">
+                                            <p:txEl>
+                                              <p:pRg st="6" end="6"/>
+                                            </p:txEl>
+                                          </p:spTgt>
+                                        </p:tgtEl>
+                                        <p:attrNameLst>
+                                          <p:attrName>style.visibility</p:attrName>
+                                        </p:attrNameLst>
+                                      </p:cBhvr>
+                                      <p:to>
+                                        <p:strVal val="visible"/>
+                                      </p:to>
+                                    </p:set>
+                                  </p:childTnLst>
+                                </p:cTn>
+                              </p:par>
+                            </p:childTnLst>
+                          </p:cTn>
+                        </p:par>
+                        <p:par>
+                          <p:cTn id="27" fill="hold">
+                            <p:stCondLst>
+                              <p:cond delay="9403"/>
+                            </p:stCondLst>
+                            <p:childTnLst>
+                              <p:par>
+                                <p:cTn id="28" presetID="1" presetClass="entr" presetSubtype="0" fill="hold" nodeType="afterEffect">
+                                  <p:stCondLst>
+                                    <p:cond delay="0"/>
+                                  </p:stCondLst>
+                                  <p:iterate type="lt">
+                                    <p:tmAbs val="100"/>
+                                  </p:iterate>
+                                  <p:childTnLst>
+                                    <p:set>
+                                      <p:cBhvr>
+                                        <p:cTn id="29" dur="1" fill="hold">
+                                          <p:stCondLst>
+                                            <p:cond delay="0"/>
+                                          </p:stCondLst>
+                                        </p:cTn>
+                                        <p:tgtEl>
+                                          <p:spTgt spid="3">
+                                            <p:txEl>
+                                              <p:pRg st="7" end="7"/>
+                                            </p:txEl>
+                                          </p:spTgt>
+                                        </p:tgtEl>
+                                        <p:attrNameLst>
+                                          <p:attrName>style.visibility</p:attrName>
+                                        </p:attrNameLst>
+                                      </p:cBhvr>
+                                      <p:to>
+                                        <p:strVal val="visible"/>
+                                      </p:to>
+                                    </p:set>
+                                  </p:childTnLst>
+                                </p:cTn>
+                              </p:par>
+                            </p:childTnLst>
+                          </p:cTn>
+                        </p:par>
+                        <p:par>
+                          <p:cTn id="30" fill="hold">
+                            <p:stCondLst>
+                              <p:cond delay="9904"/>
+                            </p:stCondLst>
+                            <p:childTnLst>
+                              <p:par>
+                                <p:cTn id="31" presetID="1" presetClass="entr" presetSubtype="0" fill="hold" nodeType="afterEffect">
+                                  <p:stCondLst>
+                                    <p:cond delay="0"/>
+                                  </p:stCondLst>
+                                  <p:iterate type="lt">
+                                    <p:tmAbs val="100"/>
+                                  </p:iterate>
+                                  <p:childTnLst>
+                                    <p:set>
+                                      <p:cBhvr>
+                                        <p:cTn id="32" dur="1" fill="hold">
+                                          <p:stCondLst>
+                                            <p:cond delay="0"/>
+                                          </p:stCondLst>
+                                        </p:cTn>
+                                        <p:tgtEl>
+                                          <p:spTgt spid="3">
+                                            <p:txEl>
+                                              <p:pRg st="8" end="8"/>
+                                            </p:txEl>
+                                          </p:spTgt>
+                                        </p:tgtEl>
+                                        <p:attrNameLst>
+                                          <p:attrName>style.visibility</p:attrName>
+                                        </p:attrNameLst>
+                                      </p:cBhvr>
+                                      <p:to>
+                                        <p:strVal val="visible"/>
+                                      </p:to>
+                                    </p:set>
+                                  </p:childTnLst>
+                                </p:cTn>
+                              </p:par>
+                            </p:childTnLst>
+                          </p:cTn>
+                        </p:par>
+                      </p:childTnLst>
+                    </p:cTn>
+                  </p:par>
+                  <p:par>
+                    <p:cTn id="33" fill="hold">
+                      <p:stCondLst>
+                        <p:cond delay="indefinite"/>
+                      </p:stCondLst>
+                      <p:childTnLst>
+                        <p:par>
+                          <p:cTn id="34" fill="hold">
+                            <p:stCondLst>
+                              <p:cond delay="0"/>
+                            </p:stCondLst>
+                            <p:childTnLst>
+                              <p:par>
+                                <p:cTn id="35" presetID="1" presetClass="entr" presetSubtype="0" fill="hold" nodeType="clickEffect">
+                                  <p:stCondLst>
+                                    <p:cond delay="0"/>
+                                  </p:stCondLst>
+                                  <p:iterate type="lt">
+                                    <p:tmAbs val="100"/>
+                                  </p:iterate>
+                                  <p:childTnLst>
+                                    <p:set>
+                                      <p:cBhvr>
+                                        <p:cTn id="36" dur="1" fill="hold">
+                                          <p:stCondLst>
+                                            <p:cond delay="0"/>
+                                          </p:stCondLst>
+                                        </p:cTn>
+                                        <p:tgtEl>
+                                          <p:spTgt spid="3">
+                                            <p:txEl>
+                                              <p:pRg st="10" end="10"/>
+                                            </p:txEl>
+                                          </p:spTgt>
+                                        </p:tgtEl>
+                                        <p:attrNameLst>
+                                          <p:attrName>style.visibility</p:attrName>
+                                        </p:attrNameLst>
+                                      </p:cBhvr>
+                                      <p:to>
+                                        <p:strVal val="visible"/>
+                                      </p:to>
+                                    </p:set>
+                                  </p:childTnLst>
+                                </p:cTn>
+                              </p:par>
+                            </p:childTnLst>
+                          </p:cTn>
+                        </p:par>
+                        <p:par>
+                          <p:cTn id="37" fill="hold">
+                            <p:stCondLst>
+                              <p:cond delay="701"/>
+                            </p:stCondLst>
+                            <p:childTnLst>
+                              <p:par>
+                                <p:cTn id="38" presetID="1" presetClass="entr" presetSubtype="0" fill="hold" nodeType="afterEffect">
+                                  <p:stCondLst>
+                                    <p:cond delay="0"/>
+                                  </p:stCondLst>
+                                  <p:iterate type="lt">
+                                    <p:tmAbs val="100"/>
+                                  </p:iterate>
+                                  <p:childTnLst>
+                                    <p:set>
+                                      <p:cBhvr>
+                                        <p:cTn id="39" dur="1" fill="hold">
+                                          <p:stCondLst>
+                                            <p:cond delay="0"/>
+                                          </p:stCondLst>
+                                        </p:cTn>
+                                        <p:tgtEl>
+                                          <p:spTgt spid="3">
+                                            <p:txEl>
+                                              <p:pRg st="11" end="11"/>
+                                            </p:txEl>
+                                          </p:spTgt>
+                                        </p:tgtEl>
+                                        <p:attrNameLst>
+                                          <p:attrName>style.visibility</p:attrName>
+                                        </p:attrNameLst>
+                                      </p:cBhvr>
+                                      <p:to>
+                                        <p:strVal val="visible"/>
+                                      </p:to>
+                                    </p:set>
+                                  </p:childTnLst>
+                                </p:cTn>
+                              </p:par>
+                            </p:childTnLst>
+                          </p:cTn>
+                        </p:par>
+                        <p:par>
+                          <p:cTn id="40" fill="hold">
+                            <p:stCondLst>
+                              <p:cond delay="1602"/>
+                            </p:stCondLst>
+                            <p:childTnLst>
+                              <p:par>
+                                <p:cTn id="41" presetID="1" presetClass="entr" presetSubtype="0" fill="hold" nodeType="afterEffect">
+                                  <p:stCondLst>
+                                    <p:cond delay="0"/>
+                                  </p:stCondLst>
+                                  <p:iterate type="lt">
+                                    <p:tmAbs val="100"/>
+                                  </p:iterate>
+                                  <p:childTnLst>
+                                    <p:set>
+                                      <p:cBhvr>
+                                        <p:cTn id="42" dur="1" fill="hold">
+                                          <p:stCondLst>
+                                            <p:cond delay="0"/>
+                                          </p:stCondLst>
+                                        </p:cTn>
+                                        <p:tgtEl>
+                                          <p:spTgt spid="3">
+                                            <p:txEl>
+                                              <p:pRg st="12" end="12"/>
+                                            </p:txEl>
+                                          </p:spTgt>
+                                        </p:tgtEl>
+                                        <p:attrNameLst>
+                                          <p:attrName>style.visibility</p:attrName>
+                                        </p:attrNameLst>
+                                      </p:cBhvr>
+                                      <p:to>
+                                        <p:strVal val="visible"/>
+                                      </p:to>
+                                    </p:set>
+                                  </p:childTnLst>
+                                </p:cTn>
+                              </p:par>
+                            </p:childTnLst>
+                          </p:cTn>
+                        </p:par>
+                      </p:childTnLst>
+                    </p:cTn>
+                  </p:par>
+                  <p:par>
+                    <p:cTn id="43" fill="hold">
+                      <p:stCondLst>
+                        <p:cond delay="indefinite"/>
+                      </p:stCondLst>
+                      <p:childTnLst>
+                        <p:par>
+                          <p:cTn id="44" fill="hold">
+                            <p:stCondLst>
+                              <p:cond delay="0"/>
+                            </p:stCondLst>
+                            <p:childTnLst>
+                              <p:par>
+                                <p:cTn id="45" presetID="10" presetClass="entr" presetSubtype="0" fill="hold" nodeType="clickEffect">
+                                  <p:stCondLst>
+                                    <p:cond delay="0"/>
+                                  </p:stCondLst>
+                                  <p:childTnLst>
+                                    <p:set>
+                                      <p:cBhvr>
+                                        <p:cTn id="46" dur="1" fill="hold">
+                                          <p:stCondLst>
+                                            <p:cond delay="0"/>
+                                          </p:stCondLst>
+                                        </p:cTn>
+                                        <p:tgtEl>
+                                          <p:spTgt spid="6"/>
+                                        </p:tgtEl>
+                                        <p:attrNameLst>
+                                          <p:attrName>style.visibility</p:attrName>
+                                        </p:attrNameLst>
+                                      </p:cBhvr>
+                                      <p:to>
+                                        <p:strVal val="visible"/>
+                                      </p:to>
+                                    </p:set>
+                                    <p:animEffect transition="in" filter="fade">
+                                      <p:cBhvr>
+                                        <p:cTn id="47" dur="500"/>
+                                        <p:tgtEl>
+                                          <p:spTgt spid="6"/>
                                         </p:tgtEl>
                                       </p:cBhvr>
                                     </p:animEffect>
@@ -9813,32 +11235,32 @@
                     </p:cTn>
                   </p:par>
                   <p:par>
-                    <p:cTn id="13" fill="hold">
+                    <p:cTn id="48" fill="hold">
                       <p:stCondLst>
                         <p:cond delay="indefinite"/>
                       </p:stCondLst>
                       <p:childTnLst>
                         <p:par>
-                          <p:cTn id="14" fill="hold">
+                          <p:cTn id="49" fill="hold">
                             <p:stCondLst>
                               <p:cond delay="0"/>
                             </p:stCondLst>
                             <p:childTnLst>
                               <p:par>
-                                <p:cTn id="15" presetID="10" presetClass="entr" presetSubtype="0" fill="hold" grpId="0" nodeType="clickEffect">
+                                <p:cTn id="50" presetID="1" presetClass="entr" presetSubtype="0" fill="hold" nodeType="clickEffect">
                                   <p:stCondLst>
                                     <p:cond delay="0"/>
                                   </p:stCondLst>
                                   <p:childTnLst>
                                     <p:set>
                                       <p:cBhvr>
-                                        <p:cTn id="16" dur="1" fill="hold">
+                                        <p:cTn id="51" dur="1" fill="hold">
                                           <p:stCondLst>
                                             <p:cond delay="0"/>
                                           </p:stCondLst>
                                         </p:cTn>
                                         <p:tgtEl>
-                                          <p:spTgt spid="2"/>
+                                          <p:spTgt spid="10"/>
                                         </p:tgtEl>
                                         <p:attrNameLst>
                                           <p:attrName>style.visibility</p:attrName>
@@ -9848,14 +11270,6 @@
                                         <p:strVal val="visible"/>
                                       </p:to>
                                     </p:set>
-                                    <p:animEffect transition="in" filter="fade">
-                                      <p:cBhvr>
-                                        <p:cTn id="17" dur="500"/>
-                                        <p:tgtEl>
-                                          <p:spTgt spid="2"/>
-                                        </p:tgtEl>
-                                      </p:cBhvr>
-                                    </p:animEffect>
                                   </p:childTnLst>
                                 </p:cTn>
                               </p:par>
@@ -9866,32 +11280,32 @@
                     </p:cTn>
                   </p:par>
                   <p:par>
-                    <p:cTn id="18" fill="hold">
+                    <p:cTn id="52" fill="hold">
                       <p:stCondLst>
                         <p:cond delay="indefinite"/>
                       </p:stCondLst>
                       <p:childTnLst>
                         <p:par>
-                          <p:cTn id="19" fill="hold">
+                          <p:cTn id="53" fill="hold">
                             <p:stCondLst>
                               <p:cond delay="0"/>
                             </p:stCondLst>
                             <p:childTnLst>
                               <p:par>
-                                <p:cTn id="20" presetID="10" presetClass="entr" presetSubtype="0" fill="hold" grpId="0" nodeType="clickEffect">
+                                <p:cTn id="54" presetID="1" presetClass="entr" presetSubtype="0" fill="hold" nodeType="clickEffect">
                                   <p:stCondLst>
                                     <p:cond delay="0"/>
                                   </p:stCondLst>
                                   <p:childTnLst>
                                     <p:set>
                                       <p:cBhvr>
-                                        <p:cTn id="21" dur="1" fill="hold">
+                                        <p:cTn id="55" dur="1" fill="hold">
                                           <p:stCondLst>
                                             <p:cond delay="0"/>
                                           </p:stCondLst>
                                         </p:cTn>
                                         <p:tgtEl>
-                                          <p:spTgt spid="4"/>
+                                          <p:spTgt spid="14"/>
                                         </p:tgtEl>
                                         <p:attrNameLst>
                                           <p:attrName>style.visibility</p:attrName>
@@ -9901,49 +11315,33 @@
                                         <p:strVal val="visible"/>
                                       </p:to>
                                     </p:set>
-                                    <p:animEffect transition="in" filter="fade">
-                                      <p:cBhvr>
-                                        <p:cTn id="22" dur="500"/>
-                                        <p:tgtEl>
-                                          <p:spTgt spid="4"/>
-                                        </p:tgtEl>
-                                      </p:cBhvr>
-                                    </p:animEffect>
                                   </p:childTnLst>
                                 </p:cTn>
                               </p:par>
                               <p:par>
-                                <p:cTn id="23" presetID="10" presetClass="entr" presetSubtype="0" fill="hold" nodeType="withEffect">
+                                <p:cTn id="56" presetID="1" presetClass="exit" presetSubtype="0" fill="hold" nodeType="withEffect">
                                   <p:stCondLst>
                                     <p:cond delay="0"/>
                                   </p:stCondLst>
                                   <p:childTnLst>
                                     <p:set>
                                       <p:cBhvr>
-                                        <p:cTn id="24" dur="1" fill="hold">
+                                        <p:cTn id="57" dur="1" fill="hold">
                                           <p:stCondLst>
                                             <p:cond delay="0"/>
                                           </p:stCondLst>
                                         </p:cTn>
                                         <p:tgtEl>
-                                          <p:spTgt spid="5"/>
+                                          <p:spTgt spid="10"/>
                                         </p:tgtEl>
                                         <p:attrNameLst>
                                           <p:attrName>style.visibility</p:attrName>
                                         </p:attrNameLst>
                                       </p:cBhvr>
                                       <p:to>
-                                        <p:strVal val="visible"/>
+                                        <p:strVal val="hidden"/>
                                       </p:to>
                                     </p:set>
-                                    <p:animEffect transition="in" filter="fade">
-                                      <p:cBhvr>
-                                        <p:cTn id="25" dur="500"/>
-                                        <p:tgtEl>
-                                          <p:spTgt spid="5"/>
-                                        </p:tgtEl>
-                                      </p:cBhvr>
-                                    </p:animEffect>
                                   </p:childTnLst>
                                 </p:cTn>
                               </p:par>
@@ -9974,10 +11372,6 @@
         </p:cTn>
       </p:par>
     </p:tnLst>
-    <p:bldLst>
-      <p:bldP spid="2" grpId="0"/>
-      <p:bldP spid="4" grpId="0"/>
-    </p:bldLst>
   </p:timing>
 </p:sld>
 </file>

--- a/semaine7/CO12AL-W7-VIDEO02-SLIDE01.pptx
+++ b/semaine7/CO12AL-W7-VIDEO02-SLIDE01.pptx
@@ -5,10 +5,10 @@
     <p:sldMasterId id="2147483649" r:id="rId1"/>
   </p:sldMasterIdLst>
   <p:notesMasterIdLst>
-    <p:notesMasterId r:id="rId12"/>
+    <p:notesMasterId r:id="rId13"/>
   </p:notesMasterIdLst>
   <p:handoutMasterIdLst>
-    <p:handoutMasterId r:id="rId13"/>
+    <p:handoutMasterId r:id="rId14"/>
   </p:handoutMasterIdLst>
   <p:sldIdLst>
     <p:sldId id="900" r:id="rId2"/>
@@ -20,7 +20,8 @@
     <p:sldId id="913" r:id="rId8"/>
     <p:sldId id="914" r:id="rId9"/>
     <p:sldId id="918" r:id="rId10"/>
-    <p:sldId id="920" r:id="rId11"/>
+    <p:sldId id="921" r:id="rId11"/>
+    <p:sldId id="920" r:id="rId12"/>
   </p:sldIdLst>
   <p:sldSz cx="12192000" cy="6858000"/>
   <p:notesSz cx="7099300" cy="10234613"/>
@@ -163,6 +164,7 @@
             <p14:sldId id="913"/>
             <p14:sldId id="914"/>
             <p14:sldId id="918"/>
+            <p14:sldId id="921"/>
             <p14:sldId id="920"/>
           </p14:sldIdLst>
         </p14:section>
@@ -2329,7 +2331,7 @@
               <a:pPr>
                 <a:defRPr/>
               </a:pPr>
-              <a:t>10</a:t>
+              <a:t>11</a:t>
             </a:fld>
             <a:endParaRPr lang="en-US"/>
           </a:p>
@@ -6465,6 +6467,695 @@
 </file>
 
 <file path=ppt/slides/slide10.xml><?xml version="1.0" encoding="utf-8"?>
+<p:sld xmlns:a="http://schemas.openxmlformats.org/drawingml/2006/main" xmlns:r="http://schemas.openxmlformats.org/officeDocument/2006/relationships" xmlns:p="http://schemas.openxmlformats.org/presentationml/2006/main">
+  <p:cSld>
+    <p:spTree>
+      <p:nvGrpSpPr>
+        <p:cNvPr id="1" name=""/>
+        <p:cNvGrpSpPr/>
+        <p:nvPr/>
+      </p:nvGrpSpPr>
+      <p:grpSpPr>
+        <a:xfrm>
+          <a:off x="0" y="0"/>
+          <a:ext cx="0" cy="0"/>
+          <a:chOff x="0" y="0"/>
+          <a:chExt cx="0" cy="0"/>
+        </a:xfrm>
+      </p:grpSpPr>
+      <p:sp>
+        <p:nvSpPr>
+          <p:cNvPr id="4" name="ZoneTexte 3"/>
+          <p:cNvSpPr txBox="1"/>
+          <p:nvPr/>
+        </p:nvSpPr>
+        <p:spPr>
+          <a:xfrm>
+            <a:off x="879231" y="527538"/>
+            <a:ext cx="8176846" cy="5262979"/>
+          </a:xfrm>
+          <a:prstGeom prst="rect">
+            <a:avLst/>
+          </a:prstGeom>
+          <a:noFill/>
+        </p:spPr>
+        <p:txBody>
+          <a:bodyPr wrap="square" rtlCol="0">
+            <a:spAutoFit/>
+          </a:bodyPr>
+          <a:lstStyle/>
+          <a:p>
+            <a:r>
+              <a:rPr lang="fr-FR" dirty="0">
+                <a:latin typeface="Courier New" panose="02070309020205020404" pitchFamily="49" charset="0"/>
+                <a:cs typeface="Courier New" panose="02070309020205020404" pitchFamily="49" charset="0"/>
+              </a:rPr>
+              <a:t>&gt;&gt;&gt; f(1, 2)</a:t>
+            </a:r>
+          </a:p>
+          <a:p>
+            <a:r>
+              <a:rPr lang="fr-FR" dirty="0">
+                <a:latin typeface="Courier New" panose="02070309020205020404" pitchFamily="49" charset="0"/>
+                <a:cs typeface="Courier New" panose="02070309020205020404" pitchFamily="49" charset="0"/>
+              </a:rPr>
+              <a:t>f : 1 appels</a:t>
+            </a:r>
+          </a:p>
+          <a:p>
+            <a:r>
+              <a:rPr lang="fr-FR" dirty="0">
+                <a:latin typeface="Courier New" panose="02070309020205020404" pitchFamily="49" charset="0"/>
+                <a:cs typeface="Courier New" panose="02070309020205020404" pitchFamily="49" charset="0"/>
+              </a:rPr>
+              <a:t>1 2</a:t>
+            </a:r>
+          </a:p>
+          <a:p>
+            <a:r>
+              <a:rPr lang="fr-FR" dirty="0">
+                <a:latin typeface="Courier New" panose="02070309020205020404" pitchFamily="49" charset="0"/>
+                <a:cs typeface="Courier New" panose="02070309020205020404" pitchFamily="49" charset="0"/>
+              </a:rPr>
+              <a:t>&gt;&gt;&gt; f(3, 'a')</a:t>
+            </a:r>
+          </a:p>
+          <a:p>
+            <a:r>
+              <a:rPr lang="fr-FR" dirty="0">
+                <a:latin typeface="Courier New" panose="02070309020205020404" pitchFamily="49" charset="0"/>
+                <a:cs typeface="Courier New" panose="02070309020205020404" pitchFamily="49" charset="0"/>
+              </a:rPr>
+              <a:t>f : 2 appels</a:t>
+            </a:r>
+          </a:p>
+          <a:p>
+            <a:r>
+              <a:rPr lang="fr-FR" dirty="0">
+                <a:latin typeface="Courier New" panose="02070309020205020404" pitchFamily="49" charset="0"/>
+                <a:cs typeface="Courier New" panose="02070309020205020404" pitchFamily="49" charset="0"/>
+              </a:rPr>
+              <a:t>3 </a:t>
+            </a:r>
+            <a:r>
+              <a:rPr lang="fr-FR" dirty="0" smtClean="0">
+                <a:latin typeface="Courier New" panose="02070309020205020404" pitchFamily="49" charset="0"/>
+                <a:cs typeface="Courier New" panose="02070309020205020404" pitchFamily="49" charset="0"/>
+              </a:rPr>
+              <a:t>a</a:t>
+            </a:r>
+          </a:p>
+          <a:p>
+            <a:endParaRPr lang="fr-FR" dirty="0">
+              <a:latin typeface="Courier New" panose="02070309020205020404" pitchFamily="49" charset="0"/>
+              <a:cs typeface="Courier New" panose="02070309020205020404" pitchFamily="49" charset="0"/>
+            </a:endParaRPr>
+          </a:p>
+          <a:p>
+            <a:r>
+              <a:rPr lang="fr-FR" dirty="0">
+                <a:latin typeface="Courier New" panose="02070309020205020404" pitchFamily="49" charset="0"/>
+                <a:cs typeface="Courier New" panose="02070309020205020404" pitchFamily="49" charset="0"/>
+              </a:rPr>
+              <a:t>&gt;&gt;&gt; @</a:t>
+            </a:r>
+            <a:r>
+              <a:rPr lang="fr-FR" dirty="0" err="1">
+                <a:latin typeface="Courier New" panose="02070309020205020404" pitchFamily="49" charset="0"/>
+                <a:cs typeface="Courier New" panose="02070309020205020404" pitchFamily="49" charset="0"/>
+              </a:rPr>
+              <a:t>NbAppel</a:t>
+            </a:r>
+            <a:endParaRPr lang="fr-FR" dirty="0">
+              <a:latin typeface="Courier New" panose="02070309020205020404" pitchFamily="49" charset="0"/>
+              <a:cs typeface="Courier New" panose="02070309020205020404" pitchFamily="49" charset="0"/>
+            </a:endParaRPr>
+          </a:p>
+          <a:p>
+            <a:r>
+              <a:rPr lang="fr-FR" dirty="0" err="1">
+                <a:latin typeface="Courier New" panose="02070309020205020404" pitchFamily="49" charset="0"/>
+                <a:cs typeface="Courier New" panose="02070309020205020404" pitchFamily="49" charset="0"/>
+              </a:rPr>
+              <a:t>def</a:t>
+            </a:r>
+            <a:r>
+              <a:rPr lang="fr-FR" dirty="0">
+                <a:latin typeface="Courier New" panose="02070309020205020404" pitchFamily="49" charset="0"/>
+                <a:cs typeface="Courier New" panose="02070309020205020404" pitchFamily="49" charset="0"/>
+              </a:rPr>
+              <a:t> g(a, b, c):</a:t>
+            </a:r>
+          </a:p>
+          <a:p>
+            <a:r>
+              <a:rPr lang="fr-FR" dirty="0">
+                <a:latin typeface="Courier New" panose="02070309020205020404" pitchFamily="49" charset="0"/>
+                <a:cs typeface="Courier New" panose="02070309020205020404" pitchFamily="49" charset="0"/>
+              </a:rPr>
+              <a:t>	</a:t>
+            </a:r>
+            <a:r>
+              <a:rPr lang="fr-FR" dirty="0" err="1">
+                <a:latin typeface="Courier New" panose="02070309020205020404" pitchFamily="49" charset="0"/>
+                <a:cs typeface="Courier New" panose="02070309020205020404" pitchFamily="49" charset="0"/>
+              </a:rPr>
+              <a:t>print</a:t>
+            </a:r>
+            <a:r>
+              <a:rPr lang="fr-FR" dirty="0">
+                <a:latin typeface="Courier New" panose="02070309020205020404" pitchFamily="49" charset="0"/>
+                <a:cs typeface="Courier New" panose="02070309020205020404" pitchFamily="49" charset="0"/>
+              </a:rPr>
+              <a:t> a, b, c</a:t>
+            </a:r>
+          </a:p>
+          <a:p>
+            <a:r>
+              <a:rPr lang="fr-FR" dirty="0">
+                <a:latin typeface="Courier New" panose="02070309020205020404" pitchFamily="49" charset="0"/>
+                <a:cs typeface="Courier New" panose="02070309020205020404" pitchFamily="49" charset="0"/>
+              </a:rPr>
+              <a:t>	</a:t>
+            </a:r>
+          </a:p>
+          <a:p>
+            <a:r>
+              <a:rPr lang="fr-FR" dirty="0">
+                <a:latin typeface="Courier New" panose="02070309020205020404" pitchFamily="49" charset="0"/>
+                <a:cs typeface="Courier New" panose="02070309020205020404" pitchFamily="49" charset="0"/>
+              </a:rPr>
+              <a:t>&gt;&gt;&gt; g(1, 2, 3)</a:t>
+            </a:r>
+          </a:p>
+          <a:p>
+            <a:r>
+              <a:rPr lang="fr-FR" dirty="0">
+                <a:latin typeface="Courier New" panose="02070309020205020404" pitchFamily="49" charset="0"/>
+                <a:cs typeface="Courier New" panose="02070309020205020404" pitchFamily="49" charset="0"/>
+              </a:rPr>
+              <a:t>g : 1 appels</a:t>
+            </a:r>
+          </a:p>
+          <a:p>
+            <a:r>
+              <a:rPr lang="fr-FR" dirty="0">
+                <a:latin typeface="Courier New" panose="02070309020205020404" pitchFamily="49" charset="0"/>
+                <a:cs typeface="Courier New" panose="02070309020205020404" pitchFamily="49" charset="0"/>
+              </a:rPr>
+              <a:t>1 2 3</a:t>
+            </a:r>
+          </a:p>
+        </p:txBody>
+      </p:sp>
+    </p:spTree>
+    <p:extLst>
+      <p:ext uri="{BB962C8B-B14F-4D97-AF65-F5344CB8AC3E}">
+        <p14:creationId xmlns:p14="http://schemas.microsoft.com/office/powerpoint/2010/main" val="3249063087"/>
+      </p:ext>
+    </p:extLst>
+  </p:cSld>
+  <p:clrMapOvr>
+    <a:masterClrMapping/>
+  </p:clrMapOvr>
+  <p:timing>
+    <p:tnLst>
+      <p:par>
+        <p:cTn id="1" dur="indefinite" restart="never" nodeType="tmRoot">
+          <p:childTnLst>
+            <p:seq concurrent="1" nextAc="seek">
+              <p:cTn id="2" dur="indefinite" nodeType="mainSeq">
+                <p:childTnLst>
+                  <p:par>
+                    <p:cTn id="3" fill="hold">
+                      <p:stCondLst>
+                        <p:cond delay="indefinite"/>
+                      </p:stCondLst>
+                      <p:childTnLst>
+                        <p:par>
+                          <p:cTn id="4" fill="hold">
+                            <p:stCondLst>
+                              <p:cond delay="0"/>
+                            </p:stCondLst>
+                            <p:childTnLst>
+                              <p:par>
+                                <p:cTn id="5" presetID="1" presetClass="entr" presetSubtype="0" fill="hold" nodeType="clickEffect">
+                                  <p:stCondLst>
+                                    <p:cond delay="0"/>
+                                  </p:stCondLst>
+                                  <p:childTnLst>
+                                    <p:set>
+                                      <p:cBhvr>
+                                        <p:cTn id="6" dur="1" fill="hold">
+                                          <p:stCondLst>
+                                            <p:cond delay="0"/>
+                                          </p:stCondLst>
+                                        </p:cTn>
+                                        <p:tgtEl>
+                                          <p:spTgt spid="4">
+                                            <p:txEl>
+                                              <p:pRg st="0" end="0"/>
+                                            </p:txEl>
+                                          </p:spTgt>
+                                        </p:tgtEl>
+                                        <p:attrNameLst>
+                                          <p:attrName>style.visibility</p:attrName>
+                                        </p:attrNameLst>
+                                      </p:cBhvr>
+                                      <p:to>
+                                        <p:strVal val="visible"/>
+                                      </p:to>
+                                    </p:set>
+                                  </p:childTnLst>
+                                </p:cTn>
+                              </p:par>
+                              <p:par>
+                                <p:cTn id="7" presetID="1" presetClass="entr" presetSubtype="0" fill="hold" nodeType="withEffect">
+                                  <p:stCondLst>
+                                    <p:cond delay="0"/>
+                                  </p:stCondLst>
+                                  <p:childTnLst>
+                                    <p:set>
+                                      <p:cBhvr>
+                                        <p:cTn id="8" dur="1" fill="hold">
+                                          <p:stCondLst>
+                                            <p:cond delay="0"/>
+                                          </p:stCondLst>
+                                        </p:cTn>
+                                        <p:tgtEl>
+                                          <p:spTgt spid="4">
+                                            <p:txEl>
+                                              <p:pRg st="1" end="1"/>
+                                            </p:txEl>
+                                          </p:spTgt>
+                                        </p:tgtEl>
+                                        <p:attrNameLst>
+                                          <p:attrName>style.visibility</p:attrName>
+                                        </p:attrNameLst>
+                                      </p:cBhvr>
+                                      <p:to>
+                                        <p:strVal val="visible"/>
+                                      </p:to>
+                                    </p:set>
+                                  </p:childTnLst>
+                                </p:cTn>
+                              </p:par>
+                              <p:par>
+                                <p:cTn id="9" presetID="1" presetClass="entr" presetSubtype="0" fill="hold" nodeType="withEffect">
+                                  <p:stCondLst>
+                                    <p:cond delay="0"/>
+                                  </p:stCondLst>
+                                  <p:childTnLst>
+                                    <p:set>
+                                      <p:cBhvr>
+                                        <p:cTn id="10" dur="1" fill="hold">
+                                          <p:stCondLst>
+                                            <p:cond delay="0"/>
+                                          </p:stCondLst>
+                                        </p:cTn>
+                                        <p:tgtEl>
+                                          <p:spTgt spid="4">
+                                            <p:txEl>
+                                              <p:pRg st="2" end="2"/>
+                                            </p:txEl>
+                                          </p:spTgt>
+                                        </p:tgtEl>
+                                        <p:attrNameLst>
+                                          <p:attrName>style.visibility</p:attrName>
+                                        </p:attrNameLst>
+                                      </p:cBhvr>
+                                      <p:to>
+                                        <p:strVal val="visible"/>
+                                      </p:to>
+                                    </p:set>
+                                  </p:childTnLst>
+                                </p:cTn>
+                              </p:par>
+                            </p:childTnLst>
+                          </p:cTn>
+                        </p:par>
+                      </p:childTnLst>
+                    </p:cTn>
+                  </p:par>
+                  <p:par>
+                    <p:cTn id="11" fill="hold">
+                      <p:stCondLst>
+                        <p:cond delay="indefinite"/>
+                      </p:stCondLst>
+                      <p:childTnLst>
+                        <p:par>
+                          <p:cTn id="12" fill="hold">
+                            <p:stCondLst>
+                              <p:cond delay="0"/>
+                            </p:stCondLst>
+                            <p:childTnLst>
+                              <p:par>
+                                <p:cTn id="13" presetID="1" presetClass="entr" presetSubtype="0" fill="hold" nodeType="clickEffect">
+                                  <p:stCondLst>
+                                    <p:cond delay="0"/>
+                                  </p:stCondLst>
+                                  <p:childTnLst>
+                                    <p:set>
+                                      <p:cBhvr>
+                                        <p:cTn id="14" dur="1" fill="hold">
+                                          <p:stCondLst>
+                                            <p:cond delay="0"/>
+                                          </p:stCondLst>
+                                        </p:cTn>
+                                        <p:tgtEl>
+                                          <p:spTgt spid="4">
+                                            <p:txEl>
+                                              <p:pRg st="3" end="3"/>
+                                            </p:txEl>
+                                          </p:spTgt>
+                                        </p:tgtEl>
+                                        <p:attrNameLst>
+                                          <p:attrName>style.visibility</p:attrName>
+                                        </p:attrNameLst>
+                                      </p:cBhvr>
+                                      <p:to>
+                                        <p:strVal val="visible"/>
+                                      </p:to>
+                                    </p:set>
+                                  </p:childTnLst>
+                                </p:cTn>
+                              </p:par>
+                              <p:par>
+                                <p:cTn id="15" presetID="1" presetClass="entr" presetSubtype="0" fill="hold" nodeType="withEffect">
+                                  <p:stCondLst>
+                                    <p:cond delay="0"/>
+                                  </p:stCondLst>
+                                  <p:childTnLst>
+                                    <p:set>
+                                      <p:cBhvr>
+                                        <p:cTn id="16" dur="1" fill="hold">
+                                          <p:stCondLst>
+                                            <p:cond delay="0"/>
+                                          </p:stCondLst>
+                                        </p:cTn>
+                                        <p:tgtEl>
+                                          <p:spTgt spid="4">
+                                            <p:txEl>
+                                              <p:pRg st="4" end="4"/>
+                                            </p:txEl>
+                                          </p:spTgt>
+                                        </p:tgtEl>
+                                        <p:attrNameLst>
+                                          <p:attrName>style.visibility</p:attrName>
+                                        </p:attrNameLst>
+                                      </p:cBhvr>
+                                      <p:to>
+                                        <p:strVal val="visible"/>
+                                      </p:to>
+                                    </p:set>
+                                  </p:childTnLst>
+                                </p:cTn>
+                              </p:par>
+                              <p:par>
+                                <p:cTn id="17" presetID="1" presetClass="entr" presetSubtype="0" fill="hold" nodeType="withEffect">
+                                  <p:stCondLst>
+                                    <p:cond delay="0"/>
+                                  </p:stCondLst>
+                                  <p:childTnLst>
+                                    <p:set>
+                                      <p:cBhvr>
+                                        <p:cTn id="18" dur="1" fill="hold">
+                                          <p:stCondLst>
+                                            <p:cond delay="0"/>
+                                          </p:stCondLst>
+                                        </p:cTn>
+                                        <p:tgtEl>
+                                          <p:spTgt spid="4">
+                                            <p:txEl>
+                                              <p:pRg st="5" end="5"/>
+                                            </p:txEl>
+                                          </p:spTgt>
+                                        </p:tgtEl>
+                                        <p:attrNameLst>
+                                          <p:attrName>style.visibility</p:attrName>
+                                        </p:attrNameLst>
+                                      </p:cBhvr>
+                                      <p:to>
+                                        <p:strVal val="visible"/>
+                                      </p:to>
+                                    </p:set>
+                                  </p:childTnLst>
+                                </p:cTn>
+                              </p:par>
+                            </p:childTnLst>
+                          </p:cTn>
+                        </p:par>
+                      </p:childTnLst>
+                    </p:cTn>
+                  </p:par>
+                  <p:par>
+                    <p:cTn id="19" fill="hold">
+                      <p:stCondLst>
+                        <p:cond delay="indefinite"/>
+                      </p:stCondLst>
+                      <p:childTnLst>
+                        <p:par>
+                          <p:cTn id="20" fill="hold">
+                            <p:stCondLst>
+                              <p:cond delay="0"/>
+                            </p:stCondLst>
+                            <p:childTnLst>
+                              <p:par>
+                                <p:cTn id="21" presetID="1" presetClass="entr" presetSubtype="0" fill="hold" nodeType="clickEffect">
+                                  <p:stCondLst>
+                                    <p:cond delay="0"/>
+                                  </p:stCondLst>
+                                  <p:childTnLst>
+                                    <p:set>
+                                      <p:cBhvr>
+                                        <p:cTn id="22" dur="1" fill="hold">
+                                          <p:stCondLst>
+                                            <p:cond delay="0"/>
+                                          </p:stCondLst>
+                                        </p:cTn>
+                                        <p:tgtEl>
+                                          <p:spTgt spid="4">
+                                            <p:txEl>
+                                              <p:pRg st="7" end="7"/>
+                                            </p:txEl>
+                                          </p:spTgt>
+                                        </p:tgtEl>
+                                        <p:attrNameLst>
+                                          <p:attrName>style.visibility</p:attrName>
+                                        </p:attrNameLst>
+                                      </p:cBhvr>
+                                      <p:to>
+                                        <p:strVal val="visible"/>
+                                      </p:to>
+                                    </p:set>
+                                  </p:childTnLst>
+                                </p:cTn>
+                              </p:par>
+                              <p:par>
+                                <p:cTn id="23" presetID="1" presetClass="entr" presetSubtype="0" fill="hold" nodeType="withEffect">
+                                  <p:stCondLst>
+                                    <p:cond delay="0"/>
+                                  </p:stCondLst>
+                                  <p:childTnLst>
+                                    <p:set>
+                                      <p:cBhvr>
+                                        <p:cTn id="24" dur="1" fill="hold">
+                                          <p:stCondLst>
+                                            <p:cond delay="0"/>
+                                          </p:stCondLst>
+                                        </p:cTn>
+                                        <p:tgtEl>
+                                          <p:spTgt spid="4">
+                                            <p:txEl>
+                                              <p:pRg st="8" end="8"/>
+                                            </p:txEl>
+                                          </p:spTgt>
+                                        </p:tgtEl>
+                                        <p:attrNameLst>
+                                          <p:attrName>style.visibility</p:attrName>
+                                        </p:attrNameLst>
+                                      </p:cBhvr>
+                                      <p:to>
+                                        <p:strVal val="visible"/>
+                                      </p:to>
+                                    </p:set>
+                                  </p:childTnLst>
+                                </p:cTn>
+                              </p:par>
+                              <p:par>
+                                <p:cTn id="25" presetID="1" presetClass="entr" presetSubtype="0" fill="hold" nodeType="withEffect">
+                                  <p:stCondLst>
+                                    <p:cond delay="0"/>
+                                  </p:stCondLst>
+                                  <p:childTnLst>
+                                    <p:set>
+                                      <p:cBhvr>
+                                        <p:cTn id="26" dur="1" fill="hold">
+                                          <p:stCondLst>
+                                            <p:cond delay="0"/>
+                                          </p:stCondLst>
+                                        </p:cTn>
+                                        <p:tgtEl>
+                                          <p:spTgt spid="4">
+                                            <p:txEl>
+                                              <p:pRg st="9" end="9"/>
+                                            </p:txEl>
+                                          </p:spTgt>
+                                        </p:tgtEl>
+                                        <p:attrNameLst>
+                                          <p:attrName>style.visibility</p:attrName>
+                                        </p:attrNameLst>
+                                      </p:cBhvr>
+                                      <p:to>
+                                        <p:strVal val="visible"/>
+                                      </p:to>
+                                    </p:set>
+                                  </p:childTnLst>
+                                </p:cTn>
+                              </p:par>
+                            </p:childTnLst>
+                          </p:cTn>
+                        </p:par>
+                      </p:childTnLst>
+                    </p:cTn>
+                  </p:par>
+                  <p:par>
+                    <p:cTn id="27" fill="hold">
+                      <p:stCondLst>
+                        <p:cond delay="indefinite"/>
+                      </p:stCondLst>
+                      <p:childTnLst>
+                        <p:par>
+                          <p:cTn id="28" fill="hold">
+                            <p:stCondLst>
+                              <p:cond delay="0"/>
+                            </p:stCondLst>
+                            <p:childTnLst>
+                              <p:par>
+                                <p:cTn id="29" presetID="1" presetClass="entr" presetSubtype="0" fill="hold" nodeType="clickEffect">
+                                  <p:stCondLst>
+                                    <p:cond delay="0"/>
+                                  </p:stCondLst>
+                                  <p:childTnLst>
+                                    <p:set>
+                                      <p:cBhvr>
+                                        <p:cTn id="30" dur="1" fill="hold">
+                                          <p:stCondLst>
+                                            <p:cond delay="0"/>
+                                          </p:stCondLst>
+                                        </p:cTn>
+                                        <p:tgtEl>
+                                          <p:spTgt spid="4">
+                                            <p:txEl>
+                                              <p:pRg st="11" end="11"/>
+                                            </p:txEl>
+                                          </p:spTgt>
+                                        </p:tgtEl>
+                                        <p:attrNameLst>
+                                          <p:attrName>style.visibility</p:attrName>
+                                        </p:attrNameLst>
+                                      </p:cBhvr>
+                                      <p:to>
+                                        <p:strVal val="visible"/>
+                                      </p:to>
+                                    </p:set>
+                                  </p:childTnLst>
+                                </p:cTn>
+                              </p:par>
+                              <p:par>
+                                <p:cTn id="31" presetID="1" presetClass="entr" presetSubtype="0" fill="hold" nodeType="withEffect">
+                                  <p:stCondLst>
+                                    <p:cond delay="0"/>
+                                  </p:stCondLst>
+                                  <p:childTnLst>
+                                    <p:set>
+                                      <p:cBhvr>
+                                        <p:cTn id="32" dur="1" fill="hold">
+                                          <p:stCondLst>
+                                            <p:cond delay="0"/>
+                                          </p:stCondLst>
+                                        </p:cTn>
+                                        <p:tgtEl>
+                                          <p:spTgt spid="4">
+                                            <p:txEl>
+                                              <p:pRg st="12" end="12"/>
+                                            </p:txEl>
+                                          </p:spTgt>
+                                        </p:tgtEl>
+                                        <p:attrNameLst>
+                                          <p:attrName>style.visibility</p:attrName>
+                                        </p:attrNameLst>
+                                      </p:cBhvr>
+                                      <p:to>
+                                        <p:strVal val="visible"/>
+                                      </p:to>
+                                    </p:set>
+                                  </p:childTnLst>
+                                </p:cTn>
+                              </p:par>
+                              <p:par>
+                                <p:cTn id="33" presetID="1" presetClass="entr" presetSubtype="0" fill="hold" nodeType="withEffect">
+                                  <p:stCondLst>
+                                    <p:cond delay="0"/>
+                                  </p:stCondLst>
+                                  <p:childTnLst>
+                                    <p:set>
+                                      <p:cBhvr>
+                                        <p:cTn id="34" dur="1" fill="hold">
+                                          <p:stCondLst>
+                                            <p:cond delay="0"/>
+                                          </p:stCondLst>
+                                        </p:cTn>
+                                        <p:tgtEl>
+                                          <p:spTgt spid="4">
+                                            <p:txEl>
+                                              <p:pRg st="13" end="13"/>
+                                            </p:txEl>
+                                          </p:spTgt>
+                                        </p:tgtEl>
+                                        <p:attrNameLst>
+                                          <p:attrName>style.visibility</p:attrName>
+                                        </p:attrNameLst>
+                                      </p:cBhvr>
+                                      <p:to>
+                                        <p:strVal val="visible"/>
+                                      </p:to>
+                                    </p:set>
+                                  </p:childTnLst>
+                                </p:cTn>
+                              </p:par>
+                            </p:childTnLst>
+                          </p:cTn>
+                        </p:par>
+                      </p:childTnLst>
+                    </p:cTn>
+                  </p:par>
+                </p:childTnLst>
+              </p:cTn>
+              <p:prevCondLst>
+                <p:cond evt="onPrev" delay="0">
+                  <p:tgtEl>
+                    <p:sldTgt/>
+                  </p:tgtEl>
+                </p:cond>
+              </p:prevCondLst>
+              <p:nextCondLst>
+                <p:cond evt="onNext" delay="0">
+                  <p:tgtEl>
+                    <p:sldTgt/>
+                  </p:tgtEl>
+                </p:cond>
+              </p:nextCondLst>
+            </p:seq>
+          </p:childTnLst>
+        </p:cTn>
+      </p:par>
+    </p:tnLst>
+  </p:timing>
+</p:sld>
+</file>
+
+<file path=ppt/slides/slide11.xml><?xml version="1.0" encoding="utf-8"?>
 <p:sld xmlns:a="http://schemas.openxmlformats.org/drawingml/2006/main" xmlns:r="http://schemas.openxmlformats.org/officeDocument/2006/relationships" xmlns:p="http://schemas.openxmlformats.org/presentationml/2006/main">
   <p:cSld>
     <p:spTree>
@@ -8633,9 +9324,6 @@
               </a:rPr>
               <a:t>Fonction </a:t>
             </a:r>
-            <a:endParaRPr lang="fr-FR" sz="5400" dirty="0" smtClean="0">
-              <a:cs typeface="Courier New" panose="02070309020205020404" pitchFamily="49" charset="0"/>
-            </a:endParaRPr>
           </a:p>
           <a:p>
             <a:pPr lvl="1">
@@ -8652,13 +9340,7 @@
               <a:rPr lang="fr-FR" sz="5400" dirty="0" smtClean="0">
                 <a:cs typeface="Courier New" panose="02070309020205020404" pitchFamily="49" charset="0"/>
               </a:rPr>
-              <a:t>nstance d’une </a:t>
-            </a:r>
-            <a:r>
-              <a:rPr lang="fr-FR" sz="5400" dirty="0" smtClean="0">
-                <a:cs typeface="Courier New" panose="02070309020205020404" pitchFamily="49" charset="0"/>
-              </a:rPr>
-              <a:t>classe </a:t>
+              <a:t>nstance d’une classe </a:t>
             </a:r>
             <a:r>
               <a:rPr lang="fr-FR" sz="5400" dirty="0">
@@ -9090,14 +9772,7 @@
                 <a:latin typeface="Courier New" panose="02070309020205020404" pitchFamily="49" charset="0"/>
                 <a:cs typeface="Courier New" panose="02070309020205020404" pitchFamily="49" charset="0"/>
               </a:rPr>
-              <a:t>(f</a:t>
-            </a:r>
-            <a:r>
-              <a:rPr lang="fr-FR" sz="4800" dirty="0" smtClean="0">
-                <a:latin typeface="Courier New" panose="02070309020205020404" pitchFamily="49" charset="0"/>
-                <a:cs typeface="Courier New" panose="02070309020205020404" pitchFamily="49" charset="0"/>
-              </a:rPr>
-              <a:t>) </a:t>
+              <a:t>(f) </a:t>
             </a:r>
             <a:r>
               <a:rPr lang="fr-FR" sz="4800" dirty="0" smtClean="0">
@@ -10068,14 +10743,7 @@
                   <a:latin typeface="Courier New" panose="02070309020205020404" pitchFamily="49" charset="0"/>
                   <a:cs typeface="Courier New" panose="02070309020205020404" pitchFamily="49" charset="0"/>
                 </a:rPr>
-                <a:t> </a:t>
-              </a:r>
-              <a:r>
-                <a:rPr lang="fr-FR" dirty="0" smtClean="0">
-                  <a:latin typeface="Courier New" panose="02070309020205020404" pitchFamily="49" charset="0"/>
-                  <a:cs typeface="Courier New" panose="02070309020205020404" pitchFamily="49" charset="0"/>
-                </a:rPr>
-                <a:t>= </a:t>
+                <a:t> = </a:t>
               </a:r>
               <a:r>
                 <a:rPr lang="fr-FR" dirty="0" err="1" smtClean="0">
@@ -10328,13 +10996,7 @@
                 <a:rPr lang="fr-FR" sz="3200" dirty="0" smtClean="0">
                   <a:latin typeface="Calibri" panose="020F0502020204030204" pitchFamily="34" charset="0"/>
                 </a:rPr>
-                <a:t> </a:t>
-              </a:r>
-              <a:r>
-                <a:rPr lang="fr-FR" sz="3200" dirty="0" smtClean="0">
-                  <a:latin typeface="Calibri" panose="020F0502020204030204" pitchFamily="34" charset="0"/>
-                </a:rPr>
-                <a:t>n’est plus une fonction, mais une instance de </a:t>
+                <a:t> n’est plus une fonction, mais une instance de </a:t>
               </a:r>
               <a:r>
                 <a:rPr lang="fr-FR" sz="3200" dirty="0" err="1" smtClean="0">
@@ -10365,14 +11027,7 @@
                   <a:latin typeface="Courier New" panose="02070309020205020404" pitchFamily="49" charset="0"/>
                   <a:cs typeface="Courier New" panose="02070309020205020404" pitchFamily="49" charset="0"/>
                 </a:rPr>
-                <a:t>(a</a:t>
-              </a:r>
-              <a:r>
-                <a:rPr lang="fr-FR" sz="3200" dirty="0" smtClean="0">
-                  <a:latin typeface="Courier New" panose="02070309020205020404" pitchFamily="49" charset="0"/>
-                  <a:cs typeface="Courier New" panose="02070309020205020404" pitchFamily="49" charset="0"/>
-                </a:rPr>
-                <a:t>, b) </a:t>
+                <a:t>(a, b) </a:t>
               </a:r>
               <a:r>
                 <a:rPr lang="fr-FR" sz="3200" dirty="0" smtClean="0">
@@ -10576,25 +11231,7 @@
                 <a:rPr lang="fr-FR" sz="3200" dirty="0" smtClean="0">
                   <a:latin typeface="Calibri" panose="020F0502020204030204" pitchFamily="34" charset="0"/>
                 </a:rPr>
-                <a:t>retourne </a:t>
-              </a:r>
-              <a:r>
-                <a:rPr lang="fr-FR" sz="3200" dirty="0" smtClean="0">
-                  <a:latin typeface="Calibri" panose="020F0502020204030204" pitchFamily="34" charset="0"/>
-                </a:rPr>
-                <a:t>la valeur de retour de l’appel de la </a:t>
-              </a:r>
-              <a:r>
-                <a:rPr lang="fr-FR" sz="3200" dirty="0" smtClean="0">
-                  <a:latin typeface="Calibri" panose="020F0502020204030204" pitchFamily="34" charset="0"/>
-                </a:rPr>
-                <a:t>fonction </a:t>
-              </a:r>
-              <a:r>
-                <a:rPr lang="fr-FR" sz="3200" dirty="0" smtClean="0">
-                  <a:latin typeface="Calibri" panose="020F0502020204030204" pitchFamily="34" charset="0"/>
-                </a:rPr>
-                <a:t>originale </a:t>
+                <a:t>retourne la valeur de retour de l’appel de la fonction originale </a:t>
               </a:r>
               <a:r>
                 <a:rPr lang="fr-FR" sz="3200" dirty="0" smtClean="0">

--- a/semaine7/CO12AL-W7-VIDEO02-SLIDE01.pptx
+++ b/semaine7/CO12AL-W7-VIDEO02-SLIDE01.pptx
@@ -7202,10 +7202,10 @@
               <a:rPr lang="fr-FR" sz="6000" dirty="0" smtClean="0">
                 <a:latin typeface="Calibri" panose="020F0502020204030204" pitchFamily="34" charset="0"/>
               </a:rPr>
-              <a:t>Un décorateur est une </a:t>
-            </a:r>
-            <a:r>
-              <a:rPr lang="fr-FR" sz="6000" dirty="0" err="1" smtClean="0">
+              <a:t>Un décorateur est un </a:t>
+            </a:r>
+            <a:r>
+              <a:rPr lang="fr-FR" sz="6000" i="1" dirty="0" err="1" smtClean="0">
                 <a:latin typeface="Calibri" panose="020F0502020204030204" pitchFamily="34" charset="0"/>
               </a:rPr>
               <a:t>callable</a:t>
@@ -9810,7 +9810,30 @@
               <a:rPr lang="fr-FR" sz="4800" dirty="0" smtClean="0">
                 <a:cs typeface="Courier New" panose="02070309020205020404" pitchFamily="49" charset="0"/>
               </a:rPr>
-              <a:t>appelle en réalité </a:t>
+              <a:t>appelle </a:t>
+            </a:r>
+            <a:r>
+              <a:rPr lang="fr-FR" sz="4800" dirty="0" smtClean="0">
+                <a:cs typeface="Courier New" panose="02070309020205020404" pitchFamily="49" charset="0"/>
+              </a:rPr>
+              <a:t/>
+            </a:r>
+            <a:br>
+              <a:rPr lang="fr-FR" sz="4800" dirty="0" smtClean="0">
+                <a:cs typeface="Courier New" panose="02070309020205020404" pitchFamily="49" charset="0"/>
+              </a:rPr>
+            </a:br>
+            <a:r>
+              <a:rPr lang="fr-FR" sz="4800" dirty="0" smtClean="0">
+                <a:cs typeface="Courier New" panose="02070309020205020404" pitchFamily="49" charset="0"/>
+              </a:rPr>
+              <a:t>en </a:t>
+            </a:r>
+            <a:r>
+              <a:rPr lang="fr-FR" sz="4800" dirty="0" smtClean="0">
+                <a:cs typeface="Courier New" panose="02070309020205020404" pitchFamily="49" charset="0"/>
+              </a:rPr>
+              <a:t>réalité </a:t>
             </a:r>
             <a:r>
               <a:rPr lang="fr-FR" sz="4800" dirty="0" smtClean="0">
@@ -10628,9 +10651,9 @@
         <p:grpSpPr>
           <a:xfrm>
             <a:off x="2759628" y="4854754"/>
-            <a:ext cx="7639783" cy="1405367"/>
+            <a:ext cx="7639782" cy="1405367"/>
             <a:chOff x="3350602" y="4854756"/>
-            <a:chExt cx="7639783" cy="1405367"/>
+            <a:chExt cx="7639782" cy="1405367"/>
           </a:xfrm>
         </p:grpSpPr>
         <p:sp>
@@ -10641,7 +10664,7 @@
           </p:nvSpPr>
           <p:spPr>
             <a:xfrm>
-              <a:off x="5890847" y="4854756"/>
+              <a:off x="5890846" y="4854756"/>
               <a:ext cx="5099538" cy="1200329"/>
             </a:xfrm>
             <a:prstGeom prst="rect">
